--- a/images/theory_analysis/Kubernetes_Calico_Plugin/Kubernetes_Calico_Plugin.pptx
+++ b/images/theory_analysis/Kubernetes_Calico_Plugin/Kubernetes_Calico_Plugin.pptx
@@ -110,7 +110,7 @@
   </p:defaultTextStyle>
   <p:extLst>
     <p:ext uri="{EFAFB233-063F-42B5-8137-9DF3F51BA10A}">
-      <p15:sldGuideLst xmlns:p15="http://schemas.microsoft.com/office/powerpoint/2012/main">
+      <p15:sldGuideLst xmlns:p15="http://schemas.microsoft.com/office/powerpoint/2012/main" xmlns="">
         <p15:guide id="1" orient="horz" pos="2160">
           <p15:clr>
             <a:srgbClr val="A4A3A4"/>
@@ -3591,7 +3591,7 @@
           <p:cNvPr id="24" name="모서리가 둥근 직사각형 44">
             <a:extLst>
               <a:ext uri="{FF2B5EF4-FFF2-40B4-BE49-F238E27FC236}">
-                <a16:creationId xmlns:a16="http://schemas.microsoft.com/office/drawing/2014/main" id="{2DBA49E2-5203-48AC-9D0B-4B3C58EE231E}"/>
+                <a16:creationId xmlns:a16="http://schemas.microsoft.com/office/drawing/2014/main" xmlns="" id="{2DBA49E2-5203-48AC-9D0B-4B3C58EE231E}"/>
               </a:ext>
             </a:extLst>
           </p:cNvPr>
@@ -3642,7 +3642,7 @@
           <p:cNvPr id="27" name="모서리가 둥근 직사각형 55">
             <a:extLst>
               <a:ext uri="{FF2B5EF4-FFF2-40B4-BE49-F238E27FC236}">
-                <a16:creationId xmlns:a16="http://schemas.microsoft.com/office/drawing/2014/main" id="{0FB88AC0-5E25-4C22-9F9F-FF062E2DDB6A}"/>
+                <a16:creationId xmlns:a16="http://schemas.microsoft.com/office/drawing/2014/main" xmlns="" id="{0FB88AC0-5E25-4C22-9F9F-FF062E2DDB6A}"/>
               </a:ext>
             </a:extLst>
           </p:cNvPr>
@@ -3703,7 +3703,7 @@
           <p:cNvPr id="43" name="모서리가 둥근 직사각형 75">
             <a:extLst>
               <a:ext uri="{FF2B5EF4-FFF2-40B4-BE49-F238E27FC236}">
-                <a16:creationId xmlns:a16="http://schemas.microsoft.com/office/drawing/2014/main" id="{9DEDB479-C1E5-4779-9F62-829F1D8593EE}"/>
+                <a16:creationId xmlns:a16="http://schemas.microsoft.com/office/drawing/2014/main" xmlns="" id="{9DEDB479-C1E5-4779-9F62-829F1D8593EE}"/>
               </a:ext>
             </a:extLst>
           </p:cNvPr>
@@ -3754,7 +3754,7 @@
           <p:cNvPr id="45" name="모서리가 둥근 직사각형 75">
             <a:extLst>
               <a:ext uri="{FF2B5EF4-FFF2-40B4-BE49-F238E27FC236}">
-                <a16:creationId xmlns:a16="http://schemas.microsoft.com/office/drawing/2014/main" id="{07DA784D-B34A-413D-A378-7A7B113637C1}"/>
+                <a16:creationId xmlns:a16="http://schemas.microsoft.com/office/drawing/2014/main" xmlns="" id="{07DA784D-B34A-413D-A378-7A7B113637C1}"/>
               </a:ext>
             </a:extLst>
           </p:cNvPr>
@@ -3805,7 +3805,7 @@
           <p:cNvPr id="46" name="모서리가 둥근 직사각형 75">
             <a:extLst>
               <a:ext uri="{FF2B5EF4-FFF2-40B4-BE49-F238E27FC236}">
-                <a16:creationId xmlns:a16="http://schemas.microsoft.com/office/drawing/2014/main" id="{2EBEE14D-89BD-4822-AD15-7105D7141912}"/>
+                <a16:creationId xmlns:a16="http://schemas.microsoft.com/office/drawing/2014/main" xmlns="" id="{2EBEE14D-89BD-4822-AD15-7105D7141912}"/>
               </a:ext>
             </a:extLst>
           </p:cNvPr>
@@ -3860,7 +3860,7 @@
           <p:cNvPr id="23" name="모서리가 둥근 직사각형 75">
             <a:extLst>
               <a:ext uri="{FF2B5EF4-FFF2-40B4-BE49-F238E27FC236}">
-                <a16:creationId xmlns:a16="http://schemas.microsoft.com/office/drawing/2014/main" id="{9DEDB479-C1E5-4779-9F62-829F1D8593EE}"/>
+                <a16:creationId xmlns:a16="http://schemas.microsoft.com/office/drawing/2014/main" xmlns="" id="{9DEDB479-C1E5-4779-9F62-829F1D8593EE}"/>
               </a:ext>
             </a:extLst>
           </p:cNvPr>
@@ -4047,7 +4047,7 @@
           <p:cNvPr id="34" name="모서리가 둥근 직사각형 44">
             <a:extLst>
               <a:ext uri="{FF2B5EF4-FFF2-40B4-BE49-F238E27FC236}">
-                <a16:creationId xmlns:a16="http://schemas.microsoft.com/office/drawing/2014/main" id="{2DBA49E2-5203-48AC-9D0B-4B3C58EE231E}"/>
+                <a16:creationId xmlns:a16="http://schemas.microsoft.com/office/drawing/2014/main" xmlns="" id="{2DBA49E2-5203-48AC-9D0B-4B3C58EE231E}"/>
               </a:ext>
             </a:extLst>
           </p:cNvPr>
@@ -4101,7 +4101,7 @@
           <p:cNvPr id="25" name="직선 화살표 연결선 24">
             <a:extLst>
               <a:ext uri="{FF2B5EF4-FFF2-40B4-BE49-F238E27FC236}">
-                <a16:creationId xmlns:a16="http://schemas.microsoft.com/office/drawing/2014/main" id="{0322715C-2F82-4D9D-A92F-23E8E273B0BD}"/>
+                <a16:creationId xmlns:a16="http://schemas.microsoft.com/office/drawing/2014/main" xmlns="" id="{0322715C-2F82-4D9D-A92F-23E8E273B0BD}"/>
               </a:ext>
             </a:extLst>
           </p:cNvPr>
@@ -4148,7 +4148,7 @@
           <p:cNvPr id="8" name="모서리가 둥근 직사각형 75">
             <a:extLst>
               <a:ext uri="{FF2B5EF4-FFF2-40B4-BE49-F238E27FC236}">
-                <a16:creationId xmlns:a16="http://schemas.microsoft.com/office/drawing/2014/main" id="{9DEDB479-C1E5-4779-9F62-829F1D8593EE}"/>
+                <a16:creationId xmlns:a16="http://schemas.microsoft.com/office/drawing/2014/main" xmlns="" id="{9DEDB479-C1E5-4779-9F62-829F1D8593EE}"/>
               </a:ext>
             </a:extLst>
           </p:cNvPr>
@@ -4341,7 +4341,7 @@
           <p:cNvPr id="3" name="모서리가 둥근 직사각형 44">
             <a:extLst>
               <a:ext uri="{FF2B5EF4-FFF2-40B4-BE49-F238E27FC236}">
-                <a16:creationId xmlns:a16="http://schemas.microsoft.com/office/drawing/2014/main" id="{2DBA49E2-5203-48AC-9D0B-4B3C58EE231E}"/>
+                <a16:creationId xmlns:a16="http://schemas.microsoft.com/office/drawing/2014/main" xmlns="" id="{2DBA49E2-5203-48AC-9D0B-4B3C58EE231E}"/>
               </a:ext>
             </a:extLst>
           </p:cNvPr>
@@ -4379,14 +4379,19 @@
           <a:lstStyle/>
           <a:p>
             <a:r>
+              <a:rPr lang="en-US" altLang="ko-KR" sz="1600" b="1" dirty="0" smtClean="0"/>
+              <a:t>Node 1 </a:t>
+            </a:r>
+            <a:endParaRPr lang="en-US" altLang="ko-KR" sz="1600" b="1" dirty="0"/>
+          </a:p>
+          <a:p>
+            <a:r>
               <a:rPr lang="en-US" altLang="ko-KR" sz="1600" b="1" dirty="0"/>
-              <a:t>Node </a:t>
-            </a:r>
-          </a:p>
-          <a:p>
-            <a:r>
-              <a:rPr lang="en-US" altLang="ko-KR" sz="1600" b="1" dirty="0"/>
-              <a:t>(192.168.2.0/24)</a:t>
+              <a:t>(</a:t>
+            </a:r>
+            <a:r>
+              <a:rPr lang="en-US" altLang="ko-KR" sz="1600" b="1" dirty="0" smtClean="0"/>
+              <a:t>192.168.2.192/26)</a:t>
             </a:r>
             <a:endParaRPr lang="ko-KR" altLang="en-US" sz="1600" b="1" dirty="0"/>
           </a:p>
@@ -4397,7 +4402,7 @@
           <p:cNvPr id="4" name="모서리가 둥근 직사각형 44">
             <a:extLst>
               <a:ext uri="{FF2B5EF4-FFF2-40B4-BE49-F238E27FC236}">
-                <a16:creationId xmlns:a16="http://schemas.microsoft.com/office/drawing/2014/main" id="{2DBA49E2-5203-48AC-9D0B-4B3C58EE231E}"/>
+                <a16:creationId xmlns:a16="http://schemas.microsoft.com/office/drawing/2014/main" xmlns="" id="{2DBA49E2-5203-48AC-9D0B-4B3C58EE231E}"/>
               </a:ext>
             </a:extLst>
           </p:cNvPr>
@@ -4452,7 +4457,7 @@
           <p:nvPr>
             <p:extLst>
               <p:ext uri="{D42A27DB-BD31-4B8C-83A1-F6EECF244321}">
-                <p14:modId xmlns:p14="http://schemas.microsoft.com/office/powerpoint/2010/main" val="611964664"/>
+                <p14:modId xmlns:p14="http://schemas.microsoft.com/office/powerpoint/2010/main" val="3190202930"/>
               </p:ext>
             </p:extLst>
           </p:nvPr>
@@ -4468,17 +4473,17 @@
                 <a:tableStyleId>{2D5ABB26-0587-4C30-8999-92F81FD0307C}</a:tableStyleId>
               </a:tblPr>
               <a:tblGrid>
-                <a:gridCol w="1512168">
+                <a:gridCol w="1656184">
                   <a:extLst>
                     <a:ext uri="{9D8B030D-6E8A-4147-A177-3AD203B41FA5}">
-                      <a16:colId xmlns:a16="http://schemas.microsoft.com/office/drawing/2014/main" val="20000"/>
+                      <a16:colId xmlns:a16="http://schemas.microsoft.com/office/drawing/2014/main" xmlns="" val="20000"/>
                     </a:ext>
                   </a:extLst>
                 </a:gridCol>
-                <a:gridCol w="1512168">
+                <a:gridCol w="1368152">
                   <a:extLst>
                     <a:ext uri="{9D8B030D-6E8A-4147-A177-3AD203B41FA5}">
-                      <a16:colId xmlns:a16="http://schemas.microsoft.com/office/drawing/2014/main" val="20001"/>
+                      <a16:colId xmlns:a16="http://schemas.microsoft.com/office/drawing/2014/main" xmlns="" val="20001"/>
                     </a:ext>
                   </a:extLst>
                 </a:gridCol>
@@ -4590,7 +4595,7 @@
                 </a:tc>
                 <a:extLst>
                   <a:ext uri="{0D108BD9-81ED-4DB2-BD59-A6C34878D82A}">
-                    <a16:rowId xmlns:a16="http://schemas.microsoft.com/office/drawing/2014/main" val="10000"/>
+                    <a16:rowId xmlns:a16="http://schemas.microsoft.com/office/drawing/2014/main" xmlns="" val="10000"/>
                   </a:ext>
                 </a:extLst>
               </a:tr>
@@ -4602,8 +4607,8 @@
                     <a:p>
                       <a:pPr latinLnBrk="1"/>
                       <a:r>
-                        <a:rPr lang="en-US" altLang="ko-KR" sz="1400" dirty="0"/>
-                        <a:t>192.168.3.0/24</a:t>
+                        <a:rPr lang="en-US" altLang="ko-KR" sz="1400" dirty="0" smtClean="0"/>
+                        <a:t>192.168.3.192/26</a:t>
                       </a:r>
                       <a:endParaRPr lang="ko-KR" altLang="en-US" sz="1400" dirty="0"/>
                     </a:p>
@@ -4701,7 +4706,7 @@
                 </a:tc>
                 <a:extLst>
                   <a:ext uri="{0D108BD9-81ED-4DB2-BD59-A6C34878D82A}">
-                    <a16:rowId xmlns:a16="http://schemas.microsoft.com/office/drawing/2014/main" val="10001"/>
+                    <a16:rowId xmlns:a16="http://schemas.microsoft.com/office/drawing/2014/main" xmlns="" val="10001"/>
                   </a:ext>
                 </a:extLst>
               </a:tr>
@@ -4812,7 +4817,7 @@
                 </a:tc>
                 <a:extLst>
                   <a:ext uri="{0D108BD9-81ED-4DB2-BD59-A6C34878D82A}">
-                    <a16:rowId xmlns:a16="http://schemas.microsoft.com/office/drawing/2014/main" val="10002"/>
+                    <a16:rowId xmlns:a16="http://schemas.microsoft.com/office/drawing/2014/main" xmlns="" val="10002"/>
                   </a:ext>
                 </a:extLst>
               </a:tr>
@@ -4825,7 +4830,7 @@
           <p:cNvPr id="7" name="모서리가 둥근 직사각형 44">
             <a:extLst>
               <a:ext uri="{FF2B5EF4-FFF2-40B4-BE49-F238E27FC236}">
-                <a16:creationId xmlns:a16="http://schemas.microsoft.com/office/drawing/2014/main" id="{2DBA49E2-5203-48AC-9D0B-4B3C58EE231E}"/>
+                <a16:creationId xmlns:a16="http://schemas.microsoft.com/office/drawing/2014/main" xmlns="" id="{2DBA49E2-5203-48AC-9D0B-4B3C58EE231E}"/>
               </a:ext>
             </a:extLst>
           </p:cNvPr>
@@ -4876,7 +4881,7 @@
           <p:cNvPr id="8" name="모서리가 둥근 직사각형 44">
             <a:extLst>
               <a:ext uri="{FF2B5EF4-FFF2-40B4-BE49-F238E27FC236}">
-                <a16:creationId xmlns:a16="http://schemas.microsoft.com/office/drawing/2014/main" id="{2DBA49E2-5203-48AC-9D0B-4B3C58EE231E}"/>
+                <a16:creationId xmlns:a16="http://schemas.microsoft.com/office/drawing/2014/main" xmlns="" id="{2DBA49E2-5203-48AC-9D0B-4B3C58EE231E}"/>
               </a:ext>
             </a:extLst>
           </p:cNvPr>
@@ -4965,7 +4970,7 @@
           <p:cNvPr id="11" name="모서리가 둥근 직사각형 44">
             <a:extLst>
               <a:ext uri="{FF2B5EF4-FFF2-40B4-BE49-F238E27FC236}">
-                <a16:creationId xmlns:a16="http://schemas.microsoft.com/office/drawing/2014/main" id="{2DBA49E2-5203-48AC-9D0B-4B3C58EE231E}"/>
+                <a16:creationId xmlns:a16="http://schemas.microsoft.com/office/drawing/2014/main" xmlns="" id="{2DBA49E2-5203-48AC-9D0B-4B3C58EE231E}"/>
               </a:ext>
             </a:extLst>
           </p:cNvPr>
@@ -5007,8 +5012,8 @@
           <a:p>
             <a:pPr algn="ctr"/>
             <a:r>
-              <a:rPr lang="en-US" altLang="ko-KR" sz="1400" dirty="0"/>
-              <a:t>192.168.2.10</a:t>
+              <a:rPr lang="en-US" altLang="ko-KR" sz="1400" dirty="0" smtClean="0"/>
+              <a:t>192.168.2.195</a:t>
             </a:r>
             <a:endParaRPr lang="ko-KR" altLang="en-US" sz="1400" dirty="0"/>
           </a:p>
@@ -5019,7 +5024,7 @@
           <p:cNvPr id="13" name="모서리가 둥근 직사각형 44">
             <a:extLst>
               <a:ext uri="{FF2B5EF4-FFF2-40B4-BE49-F238E27FC236}">
-                <a16:creationId xmlns:a16="http://schemas.microsoft.com/office/drawing/2014/main" id="{2DBA49E2-5203-48AC-9D0B-4B3C58EE231E}"/>
+                <a16:creationId xmlns:a16="http://schemas.microsoft.com/office/drawing/2014/main" xmlns="" id="{2DBA49E2-5203-48AC-9D0B-4B3C58EE231E}"/>
               </a:ext>
             </a:extLst>
           </p:cNvPr>
@@ -5070,7 +5075,7 @@
           <p:cNvPr id="14" name="모서리가 둥근 직사각형 44">
             <a:extLst>
               <a:ext uri="{FF2B5EF4-FFF2-40B4-BE49-F238E27FC236}">
-                <a16:creationId xmlns:a16="http://schemas.microsoft.com/office/drawing/2014/main" id="{2DBA49E2-5203-48AC-9D0B-4B3C58EE231E}"/>
+                <a16:creationId xmlns:a16="http://schemas.microsoft.com/office/drawing/2014/main" xmlns="" id="{2DBA49E2-5203-48AC-9D0B-4B3C58EE231E}"/>
               </a:ext>
             </a:extLst>
           </p:cNvPr>
@@ -5109,15 +5114,20 @@
           <a:p>
             <a:pPr algn="r"/>
             <a:r>
+              <a:rPr lang="en-US" altLang="ko-KR" sz="1600" b="1" dirty="0" smtClean="0"/>
+              <a:t>Node 2 </a:t>
+            </a:r>
+            <a:endParaRPr lang="en-US" altLang="ko-KR" sz="1600" b="1" dirty="0"/>
+          </a:p>
+          <a:p>
+            <a:pPr algn="r"/>
+            <a:r>
               <a:rPr lang="en-US" altLang="ko-KR" sz="1600" b="1" dirty="0"/>
-              <a:t>Node </a:t>
-            </a:r>
-          </a:p>
-          <a:p>
-            <a:pPr algn="r"/>
-            <a:r>
-              <a:rPr lang="en-US" altLang="ko-KR" sz="1600" b="1" dirty="0"/>
-              <a:t>(192.168.3.0/24)</a:t>
+              <a:t>(</a:t>
+            </a:r>
+            <a:r>
+              <a:rPr lang="en-US" altLang="ko-KR" sz="1600" b="1" dirty="0" smtClean="0"/>
+              <a:t>192.168.3.192/26)</a:t>
             </a:r>
             <a:endParaRPr lang="ko-KR" altLang="en-US" sz="1600" b="1" dirty="0"/>
           </a:p>
@@ -5128,7 +5138,7 @@
           <p:cNvPr id="15" name="모서리가 둥근 직사각형 44">
             <a:extLst>
               <a:ext uri="{FF2B5EF4-FFF2-40B4-BE49-F238E27FC236}">
-                <a16:creationId xmlns:a16="http://schemas.microsoft.com/office/drawing/2014/main" id="{2DBA49E2-5203-48AC-9D0B-4B3C58EE231E}"/>
+                <a16:creationId xmlns:a16="http://schemas.microsoft.com/office/drawing/2014/main" xmlns="" id="{2DBA49E2-5203-48AC-9D0B-4B3C58EE231E}"/>
               </a:ext>
             </a:extLst>
           </p:cNvPr>
@@ -5183,7 +5193,7 @@
           <p:nvPr>
             <p:extLst>
               <p:ext uri="{D42A27DB-BD31-4B8C-83A1-F6EECF244321}">
-                <p14:modId xmlns:p14="http://schemas.microsoft.com/office/powerpoint/2010/main" val="59699448"/>
+                <p14:modId xmlns:p14="http://schemas.microsoft.com/office/powerpoint/2010/main" val="1589712063"/>
               </p:ext>
             </p:extLst>
           </p:nvPr>
@@ -5199,17 +5209,17 @@
                 <a:tableStyleId>{2D5ABB26-0587-4C30-8999-92F81FD0307C}</a:tableStyleId>
               </a:tblPr>
               <a:tblGrid>
-                <a:gridCol w="1512168">
+                <a:gridCol w="1656184">
                   <a:extLst>
                     <a:ext uri="{9D8B030D-6E8A-4147-A177-3AD203B41FA5}">
-                      <a16:colId xmlns:a16="http://schemas.microsoft.com/office/drawing/2014/main" val="20000"/>
+                      <a16:colId xmlns:a16="http://schemas.microsoft.com/office/drawing/2014/main" xmlns="" val="20000"/>
                     </a:ext>
                   </a:extLst>
                 </a:gridCol>
-                <a:gridCol w="1512168">
+                <a:gridCol w="1368152">
                   <a:extLst>
                     <a:ext uri="{9D8B030D-6E8A-4147-A177-3AD203B41FA5}">
-                      <a16:colId xmlns:a16="http://schemas.microsoft.com/office/drawing/2014/main" val="20001"/>
+                      <a16:colId xmlns:a16="http://schemas.microsoft.com/office/drawing/2014/main" xmlns="" val="20001"/>
                     </a:ext>
                   </a:extLst>
                 </a:gridCol>
@@ -5321,7 +5331,7 @@
                 </a:tc>
                 <a:extLst>
                   <a:ext uri="{0D108BD9-81ED-4DB2-BD59-A6C34878D82A}">
-                    <a16:rowId xmlns:a16="http://schemas.microsoft.com/office/drawing/2014/main" val="10000"/>
+                    <a16:rowId xmlns:a16="http://schemas.microsoft.com/office/drawing/2014/main" xmlns="" val="10000"/>
                   </a:ext>
                 </a:extLst>
               </a:tr>
@@ -5333,8 +5343,8 @@
                     <a:p>
                       <a:pPr latinLnBrk="1"/>
                       <a:r>
-                        <a:rPr lang="en-US" altLang="ko-KR" sz="1400" dirty="0"/>
-                        <a:t>192.168.2.0/24</a:t>
+                        <a:rPr lang="en-US" altLang="ko-KR" sz="1400" dirty="0" smtClean="0"/>
+                        <a:t>192.168.2.192/26</a:t>
                       </a:r>
                       <a:endParaRPr lang="ko-KR" altLang="en-US" sz="1400" dirty="0"/>
                     </a:p>
@@ -5432,7 +5442,7 @@
                 </a:tc>
                 <a:extLst>
                   <a:ext uri="{0D108BD9-81ED-4DB2-BD59-A6C34878D82A}">
-                    <a16:rowId xmlns:a16="http://schemas.microsoft.com/office/drawing/2014/main" val="10001"/>
+                    <a16:rowId xmlns:a16="http://schemas.microsoft.com/office/drawing/2014/main" xmlns="" val="10001"/>
                   </a:ext>
                 </a:extLst>
               </a:tr>
@@ -5543,7 +5553,7 @@
                 </a:tc>
                 <a:extLst>
                   <a:ext uri="{0D108BD9-81ED-4DB2-BD59-A6C34878D82A}">
-                    <a16:rowId xmlns:a16="http://schemas.microsoft.com/office/drawing/2014/main" val="10002"/>
+                    <a16:rowId xmlns:a16="http://schemas.microsoft.com/office/drawing/2014/main" xmlns="" val="10002"/>
                   </a:ext>
                 </a:extLst>
               </a:tr>
@@ -5556,7 +5566,7 @@
           <p:cNvPr id="17" name="모서리가 둥근 직사각형 44">
             <a:extLst>
               <a:ext uri="{FF2B5EF4-FFF2-40B4-BE49-F238E27FC236}">
-                <a16:creationId xmlns:a16="http://schemas.microsoft.com/office/drawing/2014/main" id="{2DBA49E2-5203-48AC-9D0B-4B3C58EE231E}"/>
+                <a16:creationId xmlns:a16="http://schemas.microsoft.com/office/drawing/2014/main" xmlns="" id="{2DBA49E2-5203-48AC-9D0B-4B3C58EE231E}"/>
               </a:ext>
             </a:extLst>
           </p:cNvPr>
@@ -5607,7 +5617,7 @@
           <p:cNvPr id="18" name="모서리가 둥근 직사각형 44">
             <a:extLst>
               <a:ext uri="{FF2B5EF4-FFF2-40B4-BE49-F238E27FC236}">
-                <a16:creationId xmlns:a16="http://schemas.microsoft.com/office/drawing/2014/main" id="{2DBA49E2-5203-48AC-9D0B-4B3C58EE231E}"/>
+                <a16:creationId xmlns:a16="http://schemas.microsoft.com/office/drawing/2014/main" xmlns="" id="{2DBA49E2-5203-48AC-9D0B-4B3C58EE231E}"/>
               </a:ext>
             </a:extLst>
           </p:cNvPr>
@@ -5696,7 +5706,7 @@
           <p:cNvPr id="20" name="모서리가 둥근 직사각형 44">
             <a:extLst>
               <a:ext uri="{FF2B5EF4-FFF2-40B4-BE49-F238E27FC236}">
-                <a16:creationId xmlns:a16="http://schemas.microsoft.com/office/drawing/2014/main" id="{2DBA49E2-5203-48AC-9D0B-4B3C58EE231E}"/>
+                <a16:creationId xmlns:a16="http://schemas.microsoft.com/office/drawing/2014/main" xmlns="" id="{2DBA49E2-5203-48AC-9D0B-4B3C58EE231E}"/>
               </a:ext>
             </a:extLst>
           </p:cNvPr>
@@ -5738,8 +5748,8 @@
           <a:p>
             <a:pPr algn="ctr"/>
             <a:r>
-              <a:rPr lang="en-US" altLang="ko-KR" sz="1400" dirty="0"/>
-              <a:t>192.168.3.10</a:t>
+              <a:rPr lang="en-US" altLang="ko-KR" sz="1400" dirty="0" smtClean="0"/>
+              <a:t>192.168.3.195</a:t>
             </a:r>
             <a:endParaRPr lang="ko-KR" altLang="en-US" sz="1400" dirty="0"/>
           </a:p>
@@ -5750,7 +5760,7 @@
           <p:cNvPr id="21" name="모서리가 둥근 직사각형 44">
             <a:extLst>
               <a:ext uri="{FF2B5EF4-FFF2-40B4-BE49-F238E27FC236}">
-                <a16:creationId xmlns:a16="http://schemas.microsoft.com/office/drawing/2014/main" id="{2DBA49E2-5203-48AC-9D0B-4B3C58EE231E}"/>
+                <a16:creationId xmlns:a16="http://schemas.microsoft.com/office/drawing/2014/main" xmlns="" id="{2DBA49E2-5203-48AC-9D0B-4B3C58EE231E}"/>
               </a:ext>
             </a:extLst>
           </p:cNvPr>
@@ -5840,7 +5850,7 @@
           <p:cNvPr id="27" name="모서리가 둥근 직사각형 44">
             <a:extLst>
               <a:ext uri="{FF2B5EF4-FFF2-40B4-BE49-F238E27FC236}">
-                <a16:creationId xmlns:a16="http://schemas.microsoft.com/office/drawing/2014/main" id="{2DBA49E2-5203-48AC-9D0B-4B3C58EE231E}"/>
+                <a16:creationId xmlns:a16="http://schemas.microsoft.com/office/drawing/2014/main" xmlns="" id="{2DBA49E2-5203-48AC-9D0B-4B3C58EE231E}"/>
               </a:ext>
             </a:extLst>
           </p:cNvPr>
@@ -5894,7 +5904,7 @@
           <p:cNvPr id="30" name="모서리가 둥근 직사각형 44">
             <a:extLst>
               <a:ext uri="{FF2B5EF4-FFF2-40B4-BE49-F238E27FC236}">
-                <a16:creationId xmlns:a16="http://schemas.microsoft.com/office/drawing/2014/main" id="{2DBA49E2-5203-48AC-9D0B-4B3C58EE231E}"/>
+                <a16:creationId xmlns:a16="http://schemas.microsoft.com/office/drawing/2014/main" xmlns="" id="{2DBA49E2-5203-48AC-9D0B-4B3C58EE231E}"/>
               </a:ext>
             </a:extLst>
           </p:cNvPr>
@@ -5948,7 +5958,7 @@
           <p:cNvPr id="31" name="모서리가 둥근 직사각형 44">
             <a:extLst>
               <a:ext uri="{FF2B5EF4-FFF2-40B4-BE49-F238E27FC236}">
-                <a16:creationId xmlns:a16="http://schemas.microsoft.com/office/drawing/2014/main" id="{2DBA49E2-5203-48AC-9D0B-4B3C58EE231E}"/>
+                <a16:creationId xmlns:a16="http://schemas.microsoft.com/office/drawing/2014/main" xmlns="" id="{2DBA49E2-5203-48AC-9D0B-4B3C58EE231E}"/>
               </a:ext>
             </a:extLst>
           </p:cNvPr>

--- a/images/theory_analysis/Kubernetes_Calico_Plugin/Kubernetes_Calico_Plugin.pptx
+++ b/images/theory_analysis/Kubernetes_Calico_Plugin/Kubernetes_Calico_Plugin.pptx
@@ -110,7 +110,7 @@
   </p:defaultTextStyle>
   <p:extLst>
     <p:ext uri="{EFAFB233-063F-42B5-8137-9DF3F51BA10A}">
-      <p15:sldGuideLst xmlns:p15="http://schemas.microsoft.com/office/powerpoint/2012/main" xmlns="">
+      <p15:sldGuideLst xmlns:p15="http://schemas.microsoft.com/office/powerpoint/2012/main">
         <p15:guide id="1" orient="horz" pos="2160">
           <p15:clr>
             <a:srgbClr val="A4A3A4"/>
@@ -214,7 +214,7 @@
           <a:p>
             <a:fld id="{6CD5550B-26C4-49A9-A5BA-636EF7BE6CE9}" type="datetimeFigureOut">
               <a:rPr lang="ko-KR" altLang="en-US" smtClean="0"/>
-              <a:t>2018-08-02</a:t>
+              <a:t>2018-08-22</a:t>
             </a:fld>
             <a:endParaRPr lang="ko-KR" altLang="en-US"/>
           </a:p>
@@ -828,7 +828,7 @@
           <a:p>
             <a:fld id="{FB30EDBD-1C2D-4C1E-B459-B60219FAB484}" type="datetimeFigureOut">
               <a:rPr lang="ko-KR" altLang="en-US" smtClean="0"/>
-              <a:t>2018-08-02</a:t>
+              <a:t>2018-08-22</a:t>
             </a:fld>
             <a:endParaRPr lang="ko-KR" altLang="en-US"/>
           </a:p>
@@ -991,7 +991,7 @@
           <a:p>
             <a:fld id="{FB30EDBD-1C2D-4C1E-B459-B60219FAB484}" type="datetimeFigureOut">
               <a:rPr lang="ko-KR" altLang="en-US" smtClean="0"/>
-              <a:t>2018-08-02</a:t>
+              <a:t>2018-08-22</a:t>
             </a:fld>
             <a:endParaRPr lang="ko-KR" altLang="en-US"/>
           </a:p>
@@ -1164,7 +1164,7 @@
           <a:p>
             <a:fld id="{FB30EDBD-1C2D-4C1E-B459-B60219FAB484}" type="datetimeFigureOut">
               <a:rPr lang="ko-KR" altLang="en-US" smtClean="0"/>
-              <a:t>2018-08-02</a:t>
+              <a:t>2018-08-22</a:t>
             </a:fld>
             <a:endParaRPr lang="ko-KR" altLang="en-US"/>
           </a:p>
@@ -1327,7 +1327,7 @@
           <a:p>
             <a:fld id="{FB30EDBD-1C2D-4C1E-B459-B60219FAB484}" type="datetimeFigureOut">
               <a:rPr lang="ko-KR" altLang="en-US" smtClean="0"/>
-              <a:t>2018-08-02</a:t>
+              <a:t>2018-08-22</a:t>
             </a:fld>
             <a:endParaRPr lang="ko-KR" altLang="en-US"/>
           </a:p>
@@ -1567,7 +1567,7 @@
           <a:p>
             <a:fld id="{FB30EDBD-1C2D-4C1E-B459-B60219FAB484}" type="datetimeFigureOut">
               <a:rPr lang="ko-KR" altLang="en-US" smtClean="0"/>
-              <a:t>2018-08-02</a:t>
+              <a:t>2018-08-22</a:t>
             </a:fld>
             <a:endParaRPr lang="ko-KR" altLang="en-US"/>
           </a:p>
@@ -1847,7 +1847,7 @@
           <a:p>
             <a:fld id="{FB30EDBD-1C2D-4C1E-B459-B60219FAB484}" type="datetimeFigureOut">
               <a:rPr lang="ko-KR" altLang="en-US" smtClean="0"/>
-              <a:t>2018-08-02</a:t>
+              <a:t>2018-08-22</a:t>
             </a:fld>
             <a:endParaRPr lang="ko-KR" altLang="en-US"/>
           </a:p>
@@ -2261,7 +2261,7 @@
           <a:p>
             <a:fld id="{FB30EDBD-1C2D-4C1E-B459-B60219FAB484}" type="datetimeFigureOut">
               <a:rPr lang="ko-KR" altLang="en-US" smtClean="0"/>
-              <a:t>2018-08-02</a:t>
+              <a:t>2018-08-22</a:t>
             </a:fld>
             <a:endParaRPr lang="ko-KR" altLang="en-US"/>
           </a:p>
@@ -2373,7 +2373,7 @@
           <a:p>
             <a:fld id="{FB30EDBD-1C2D-4C1E-B459-B60219FAB484}" type="datetimeFigureOut">
               <a:rPr lang="ko-KR" altLang="en-US" smtClean="0"/>
-              <a:t>2018-08-02</a:t>
+              <a:t>2018-08-22</a:t>
             </a:fld>
             <a:endParaRPr lang="ko-KR" altLang="en-US"/>
           </a:p>
@@ -2463,7 +2463,7 @@
           <a:p>
             <a:fld id="{FB30EDBD-1C2D-4C1E-B459-B60219FAB484}" type="datetimeFigureOut">
               <a:rPr lang="ko-KR" altLang="en-US" smtClean="0"/>
-              <a:t>2018-08-02</a:t>
+              <a:t>2018-08-22</a:t>
             </a:fld>
             <a:endParaRPr lang="ko-KR" altLang="en-US"/>
           </a:p>
@@ -2733,7 +2733,7 @@
           <a:p>
             <a:fld id="{FB30EDBD-1C2D-4C1E-B459-B60219FAB484}" type="datetimeFigureOut">
               <a:rPr lang="ko-KR" altLang="en-US" smtClean="0"/>
-              <a:t>2018-08-02</a:t>
+              <a:t>2018-08-22</a:t>
             </a:fld>
             <a:endParaRPr lang="ko-KR" altLang="en-US"/>
           </a:p>
@@ -2980,7 +2980,7 @@
           <a:p>
             <a:fld id="{FB30EDBD-1C2D-4C1E-B459-B60219FAB484}" type="datetimeFigureOut">
               <a:rPr lang="ko-KR" altLang="en-US" smtClean="0"/>
-              <a:t>2018-08-02</a:t>
+              <a:t>2018-08-22</a:t>
             </a:fld>
             <a:endParaRPr lang="ko-KR" altLang="en-US"/>
           </a:p>
@@ -3186,7 +3186,7 @@
           <a:p>
             <a:fld id="{FB30EDBD-1C2D-4C1E-B459-B60219FAB484}" type="datetimeFigureOut">
               <a:rPr lang="ko-KR" altLang="en-US" smtClean="0"/>
-              <a:t>2018-08-02</a:t>
+              <a:t>2018-08-22</a:t>
             </a:fld>
             <a:endParaRPr lang="ko-KR" altLang="en-US"/>
           </a:p>
@@ -3591,7 +3591,7 @@
           <p:cNvPr id="24" name="모서리가 둥근 직사각형 44">
             <a:extLst>
               <a:ext uri="{FF2B5EF4-FFF2-40B4-BE49-F238E27FC236}">
-                <a16:creationId xmlns:a16="http://schemas.microsoft.com/office/drawing/2014/main" xmlns="" id="{2DBA49E2-5203-48AC-9D0B-4B3C58EE231E}"/>
+                <a16:creationId xmlns:a16="http://schemas.microsoft.com/office/drawing/2014/main" id="{2DBA49E2-5203-48AC-9D0B-4B3C58EE231E}"/>
               </a:ext>
             </a:extLst>
           </p:cNvPr>
@@ -3642,7 +3642,7 @@
           <p:cNvPr id="27" name="모서리가 둥근 직사각형 55">
             <a:extLst>
               <a:ext uri="{FF2B5EF4-FFF2-40B4-BE49-F238E27FC236}">
-                <a16:creationId xmlns:a16="http://schemas.microsoft.com/office/drawing/2014/main" xmlns="" id="{0FB88AC0-5E25-4C22-9F9F-FF062E2DDB6A}"/>
+                <a16:creationId xmlns:a16="http://schemas.microsoft.com/office/drawing/2014/main" id="{0FB88AC0-5E25-4C22-9F9F-FF062E2DDB6A}"/>
               </a:ext>
             </a:extLst>
           </p:cNvPr>
@@ -3703,7 +3703,7 @@
           <p:cNvPr id="43" name="모서리가 둥근 직사각형 75">
             <a:extLst>
               <a:ext uri="{FF2B5EF4-FFF2-40B4-BE49-F238E27FC236}">
-                <a16:creationId xmlns:a16="http://schemas.microsoft.com/office/drawing/2014/main" xmlns="" id="{9DEDB479-C1E5-4779-9F62-829F1D8593EE}"/>
+                <a16:creationId xmlns:a16="http://schemas.microsoft.com/office/drawing/2014/main" id="{9DEDB479-C1E5-4779-9F62-829F1D8593EE}"/>
               </a:ext>
             </a:extLst>
           </p:cNvPr>
@@ -3754,7 +3754,7 @@
           <p:cNvPr id="45" name="모서리가 둥근 직사각형 75">
             <a:extLst>
               <a:ext uri="{FF2B5EF4-FFF2-40B4-BE49-F238E27FC236}">
-                <a16:creationId xmlns:a16="http://schemas.microsoft.com/office/drawing/2014/main" xmlns="" id="{07DA784D-B34A-413D-A378-7A7B113637C1}"/>
+                <a16:creationId xmlns:a16="http://schemas.microsoft.com/office/drawing/2014/main" id="{07DA784D-B34A-413D-A378-7A7B113637C1}"/>
               </a:ext>
             </a:extLst>
           </p:cNvPr>
@@ -3805,7 +3805,7 @@
           <p:cNvPr id="46" name="모서리가 둥근 직사각형 75">
             <a:extLst>
               <a:ext uri="{FF2B5EF4-FFF2-40B4-BE49-F238E27FC236}">
-                <a16:creationId xmlns:a16="http://schemas.microsoft.com/office/drawing/2014/main" xmlns="" id="{2EBEE14D-89BD-4822-AD15-7105D7141912}"/>
+                <a16:creationId xmlns:a16="http://schemas.microsoft.com/office/drawing/2014/main" id="{2EBEE14D-89BD-4822-AD15-7105D7141912}"/>
               </a:ext>
             </a:extLst>
           </p:cNvPr>
@@ -3860,7 +3860,7 @@
           <p:cNvPr id="23" name="모서리가 둥근 직사각형 75">
             <a:extLst>
               <a:ext uri="{FF2B5EF4-FFF2-40B4-BE49-F238E27FC236}">
-                <a16:creationId xmlns:a16="http://schemas.microsoft.com/office/drawing/2014/main" xmlns="" id="{9DEDB479-C1E5-4779-9F62-829F1D8593EE}"/>
+                <a16:creationId xmlns:a16="http://schemas.microsoft.com/office/drawing/2014/main" id="{9DEDB479-C1E5-4779-9F62-829F1D8593EE}"/>
               </a:ext>
             </a:extLst>
           </p:cNvPr>
@@ -4047,7 +4047,7 @@
           <p:cNvPr id="34" name="모서리가 둥근 직사각형 44">
             <a:extLst>
               <a:ext uri="{FF2B5EF4-FFF2-40B4-BE49-F238E27FC236}">
-                <a16:creationId xmlns:a16="http://schemas.microsoft.com/office/drawing/2014/main" xmlns="" id="{2DBA49E2-5203-48AC-9D0B-4B3C58EE231E}"/>
+                <a16:creationId xmlns:a16="http://schemas.microsoft.com/office/drawing/2014/main" id="{2DBA49E2-5203-48AC-9D0B-4B3C58EE231E}"/>
               </a:ext>
             </a:extLst>
           </p:cNvPr>
@@ -4101,7 +4101,7 @@
           <p:cNvPr id="25" name="직선 화살표 연결선 24">
             <a:extLst>
               <a:ext uri="{FF2B5EF4-FFF2-40B4-BE49-F238E27FC236}">
-                <a16:creationId xmlns:a16="http://schemas.microsoft.com/office/drawing/2014/main" xmlns="" id="{0322715C-2F82-4D9D-A92F-23E8E273B0BD}"/>
+                <a16:creationId xmlns:a16="http://schemas.microsoft.com/office/drawing/2014/main" id="{0322715C-2F82-4D9D-A92F-23E8E273B0BD}"/>
               </a:ext>
             </a:extLst>
           </p:cNvPr>
@@ -4148,7 +4148,7 @@
           <p:cNvPr id="8" name="모서리가 둥근 직사각형 75">
             <a:extLst>
               <a:ext uri="{FF2B5EF4-FFF2-40B4-BE49-F238E27FC236}">
-                <a16:creationId xmlns:a16="http://schemas.microsoft.com/office/drawing/2014/main" xmlns="" id="{9DEDB479-C1E5-4779-9F62-829F1D8593EE}"/>
+                <a16:creationId xmlns:a16="http://schemas.microsoft.com/office/drawing/2014/main" id="{9DEDB479-C1E5-4779-9F62-829F1D8593EE}"/>
               </a:ext>
             </a:extLst>
           </p:cNvPr>
@@ -4341,7 +4341,7 @@
           <p:cNvPr id="3" name="모서리가 둥근 직사각형 44">
             <a:extLst>
               <a:ext uri="{FF2B5EF4-FFF2-40B4-BE49-F238E27FC236}">
-                <a16:creationId xmlns:a16="http://schemas.microsoft.com/office/drawing/2014/main" xmlns="" id="{2DBA49E2-5203-48AC-9D0B-4B3C58EE231E}"/>
+                <a16:creationId xmlns:a16="http://schemas.microsoft.com/office/drawing/2014/main" id="{2DBA49E2-5203-48AC-9D0B-4B3C58EE231E}"/>
               </a:ext>
             </a:extLst>
           </p:cNvPr>
@@ -4379,19 +4379,14 @@
           <a:lstStyle/>
           <a:p>
             <a:r>
-              <a:rPr lang="en-US" altLang="ko-KR" sz="1600" b="1" dirty="0" smtClean="0"/>
+              <a:rPr lang="en-US" altLang="ko-KR" sz="1600" b="1" dirty="0"/>
               <a:t>Node 1 </a:t>
             </a:r>
-            <a:endParaRPr lang="en-US" altLang="ko-KR" sz="1600" b="1" dirty="0"/>
-          </a:p>
-          <a:p>
-            <a:r>
-              <a:rPr lang="en-US" altLang="ko-KR" sz="1600" b="1" dirty="0"/>
-              <a:t>(</a:t>
-            </a:r>
-            <a:r>
-              <a:rPr lang="en-US" altLang="ko-KR" sz="1600" b="1" dirty="0" smtClean="0"/>
-              <a:t>192.168.2.192/26)</a:t>
+          </a:p>
+          <a:p>
+            <a:r>
+              <a:rPr lang="en-US" altLang="ko-KR" sz="1600" b="1"/>
+              <a:t>(192.168.2.0/24)</a:t>
             </a:r>
             <a:endParaRPr lang="ko-KR" altLang="en-US" sz="1600" b="1" dirty="0"/>
           </a:p>
@@ -4402,7 +4397,7 @@
           <p:cNvPr id="4" name="모서리가 둥근 직사각형 44">
             <a:extLst>
               <a:ext uri="{FF2B5EF4-FFF2-40B4-BE49-F238E27FC236}">
-                <a16:creationId xmlns:a16="http://schemas.microsoft.com/office/drawing/2014/main" xmlns="" id="{2DBA49E2-5203-48AC-9D0B-4B3C58EE231E}"/>
+                <a16:creationId xmlns:a16="http://schemas.microsoft.com/office/drawing/2014/main" id="{2DBA49E2-5203-48AC-9D0B-4B3C58EE231E}"/>
               </a:ext>
             </a:extLst>
           </p:cNvPr>
@@ -4457,7 +4452,7 @@
           <p:nvPr>
             <p:extLst>
               <p:ext uri="{D42A27DB-BD31-4B8C-83A1-F6EECF244321}">
-                <p14:modId xmlns:p14="http://schemas.microsoft.com/office/powerpoint/2010/main" val="3190202930"/>
+                <p14:modId xmlns:p14="http://schemas.microsoft.com/office/powerpoint/2010/main" val="1386017289"/>
               </p:ext>
             </p:extLst>
           </p:nvPr>
@@ -4476,14 +4471,14 @@
                 <a:gridCol w="1656184">
                   <a:extLst>
                     <a:ext uri="{9D8B030D-6E8A-4147-A177-3AD203B41FA5}">
-                      <a16:colId xmlns:a16="http://schemas.microsoft.com/office/drawing/2014/main" xmlns="" val="20000"/>
+                      <a16:colId xmlns:a16="http://schemas.microsoft.com/office/drawing/2014/main" val="20000"/>
                     </a:ext>
                   </a:extLst>
                 </a:gridCol>
                 <a:gridCol w="1368152">
                   <a:extLst>
                     <a:ext uri="{9D8B030D-6E8A-4147-A177-3AD203B41FA5}">
-                      <a16:colId xmlns:a16="http://schemas.microsoft.com/office/drawing/2014/main" xmlns="" val="20001"/>
+                      <a16:colId xmlns:a16="http://schemas.microsoft.com/office/drawing/2014/main" val="20001"/>
                     </a:ext>
                   </a:extLst>
                 </a:gridCol>
@@ -4595,7 +4590,7 @@
                 </a:tc>
                 <a:extLst>
                   <a:ext uri="{0D108BD9-81ED-4DB2-BD59-A6C34878D82A}">
-                    <a16:rowId xmlns:a16="http://schemas.microsoft.com/office/drawing/2014/main" xmlns="" val="10000"/>
+                    <a16:rowId xmlns:a16="http://schemas.microsoft.com/office/drawing/2014/main" val="10000"/>
                   </a:ext>
                 </a:extLst>
               </a:tr>
@@ -4607,8 +4602,8 @@
                     <a:p>
                       <a:pPr latinLnBrk="1"/>
                       <a:r>
-                        <a:rPr lang="en-US" altLang="ko-KR" sz="1400" dirty="0" smtClean="0"/>
-                        <a:t>192.168.3.192/26</a:t>
+                        <a:rPr lang="en-US" altLang="ko-KR" sz="1400"/>
+                        <a:t>192.168.3.192/24</a:t>
                       </a:r>
                       <a:endParaRPr lang="ko-KR" altLang="en-US" sz="1400" dirty="0"/>
                     </a:p>
@@ -4706,7 +4701,7 @@
                 </a:tc>
                 <a:extLst>
                   <a:ext uri="{0D108BD9-81ED-4DB2-BD59-A6C34878D82A}">
-                    <a16:rowId xmlns:a16="http://schemas.microsoft.com/office/drawing/2014/main" xmlns="" val="10001"/>
+                    <a16:rowId xmlns:a16="http://schemas.microsoft.com/office/drawing/2014/main" val="10001"/>
                   </a:ext>
                 </a:extLst>
               </a:tr>
@@ -4817,7 +4812,7 @@
                 </a:tc>
                 <a:extLst>
                   <a:ext uri="{0D108BD9-81ED-4DB2-BD59-A6C34878D82A}">
-                    <a16:rowId xmlns:a16="http://schemas.microsoft.com/office/drawing/2014/main" xmlns="" val="10002"/>
+                    <a16:rowId xmlns:a16="http://schemas.microsoft.com/office/drawing/2014/main" val="10002"/>
                   </a:ext>
                 </a:extLst>
               </a:tr>
@@ -4830,7 +4825,7 @@
           <p:cNvPr id="7" name="모서리가 둥근 직사각형 44">
             <a:extLst>
               <a:ext uri="{FF2B5EF4-FFF2-40B4-BE49-F238E27FC236}">
-                <a16:creationId xmlns:a16="http://schemas.microsoft.com/office/drawing/2014/main" xmlns="" id="{2DBA49E2-5203-48AC-9D0B-4B3C58EE231E}"/>
+                <a16:creationId xmlns:a16="http://schemas.microsoft.com/office/drawing/2014/main" id="{2DBA49E2-5203-48AC-9D0B-4B3C58EE231E}"/>
               </a:ext>
             </a:extLst>
           </p:cNvPr>
@@ -4881,7 +4876,7 @@
           <p:cNvPr id="8" name="모서리가 둥근 직사각형 44">
             <a:extLst>
               <a:ext uri="{FF2B5EF4-FFF2-40B4-BE49-F238E27FC236}">
-                <a16:creationId xmlns:a16="http://schemas.microsoft.com/office/drawing/2014/main" xmlns="" id="{2DBA49E2-5203-48AC-9D0B-4B3C58EE231E}"/>
+                <a16:creationId xmlns:a16="http://schemas.microsoft.com/office/drawing/2014/main" id="{2DBA49E2-5203-48AC-9D0B-4B3C58EE231E}"/>
               </a:ext>
             </a:extLst>
           </p:cNvPr>
@@ -4970,7 +4965,7 @@
           <p:cNvPr id="11" name="모서리가 둥근 직사각형 44">
             <a:extLst>
               <a:ext uri="{FF2B5EF4-FFF2-40B4-BE49-F238E27FC236}">
-                <a16:creationId xmlns:a16="http://schemas.microsoft.com/office/drawing/2014/main" xmlns="" id="{2DBA49E2-5203-48AC-9D0B-4B3C58EE231E}"/>
+                <a16:creationId xmlns:a16="http://schemas.microsoft.com/office/drawing/2014/main" id="{2DBA49E2-5203-48AC-9D0B-4B3C58EE231E}"/>
               </a:ext>
             </a:extLst>
           </p:cNvPr>
@@ -5012,8 +5007,8 @@
           <a:p>
             <a:pPr algn="ctr"/>
             <a:r>
-              <a:rPr lang="en-US" altLang="ko-KR" sz="1400" dirty="0" smtClean="0"/>
-              <a:t>192.168.2.195</a:t>
+              <a:rPr lang="en-US" altLang="ko-KR" sz="1400"/>
+              <a:t>192.168.2.10</a:t>
             </a:r>
             <a:endParaRPr lang="ko-KR" altLang="en-US" sz="1400" dirty="0"/>
           </a:p>
@@ -5024,7 +5019,7 @@
           <p:cNvPr id="13" name="모서리가 둥근 직사각형 44">
             <a:extLst>
               <a:ext uri="{FF2B5EF4-FFF2-40B4-BE49-F238E27FC236}">
-                <a16:creationId xmlns:a16="http://schemas.microsoft.com/office/drawing/2014/main" xmlns="" id="{2DBA49E2-5203-48AC-9D0B-4B3C58EE231E}"/>
+                <a16:creationId xmlns:a16="http://schemas.microsoft.com/office/drawing/2014/main" id="{2DBA49E2-5203-48AC-9D0B-4B3C58EE231E}"/>
               </a:ext>
             </a:extLst>
           </p:cNvPr>
@@ -5075,7 +5070,7 @@
           <p:cNvPr id="14" name="모서리가 둥근 직사각형 44">
             <a:extLst>
               <a:ext uri="{FF2B5EF4-FFF2-40B4-BE49-F238E27FC236}">
-                <a16:creationId xmlns:a16="http://schemas.microsoft.com/office/drawing/2014/main" xmlns="" id="{2DBA49E2-5203-48AC-9D0B-4B3C58EE231E}"/>
+                <a16:creationId xmlns:a16="http://schemas.microsoft.com/office/drawing/2014/main" id="{2DBA49E2-5203-48AC-9D0B-4B3C58EE231E}"/>
               </a:ext>
             </a:extLst>
           </p:cNvPr>
@@ -5114,20 +5109,15 @@
           <a:p>
             <a:pPr algn="r"/>
             <a:r>
-              <a:rPr lang="en-US" altLang="ko-KR" sz="1600" b="1" dirty="0" smtClean="0"/>
+              <a:rPr lang="en-US" altLang="ko-KR" sz="1600" b="1" dirty="0"/>
               <a:t>Node 2 </a:t>
             </a:r>
-            <a:endParaRPr lang="en-US" altLang="ko-KR" sz="1600" b="1" dirty="0"/>
           </a:p>
           <a:p>
             <a:pPr algn="r"/>
             <a:r>
-              <a:rPr lang="en-US" altLang="ko-KR" sz="1600" b="1" dirty="0"/>
-              <a:t>(</a:t>
-            </a:r>
-            <a:r>
-              <a:rPr lang="en-US" altLang="ko-KR" sz="1600" b="1" dirty="0" smtClean="0"/>
-              <a:t>192.168.3.192/26)</a:t>
+              <a:rPr lang="en-US" altLang="ko-KR" sz="1600" b="1"/>
+              <a:t>(192.168.3.0/24)</a:t>
             </a:r>
             <a:endParaRPr lang="ko-KR" altLang="en-US" sz="1600" b="1" dirty="0"/>
           </a:p>
@@ -5138,7 +5128,7 @@
           <p:cNvPr id="15" name="모서리가 둥근 직사각형 44">
             <a:extLst>
               <a:ext uri="{FF2B5EF4-FFF2-40B4-BE49-F238E27FC236}">
-                <a16:creationId xmlns:a16="http://schemas.microsoft.com/office/drawing/2014/main" xmlns="" id="{2DBA49E2-5203-48AC-9D0B-4B3C58EE231E}"/>
+                <a16:creationId xmlns:a16="http://schemas.microsoft.com/office/drawing/2014/main" id="{2DBA49E2-5203-48AC-9D0B-4B3C58EE231E}"/>
               </a:ext>
             </a:extLst>
           </p:cNvPr>
@@ -5193,7 +5183,7 @@
           <p:nvPr>
             <p:extLst>
               <p:ext uri="{D42A27DB-BD31-4B8C-83A1-F6EECF244321}">
-                <p14:modId xmlns:p14="http://schemas.microsoft.com/office/powerpoint/2010/main" val="1589712063"/>
+                <p14:modId xmlns:p14="http://schemas.microsoft.com/office/powerpoint/2010/main" val="4087282477"/>
               </p:ext>
             </p:extLst>
           </p:nvPr>
@@ -5212,14 +5202,14 @@
                 <a:gridCol w="1656184">
                   <a:extLst>
                     <a:ext uri="{9D8B030D-6E8A-4147-A177-3AD203B41FA5}">
-                      <a16:colId xmlns:a16="http://schemas.microsoft.com/office/drawing/2014/main" xmlns="" val="20000"/>
+                      <a16:colId xmlns:a16="http://schemas.microsoft.com/office/drawing/2014/main" val="20000"/>
                     </a:ext>
                   </a:extLst>
                 </a:gridCol>
                 <a:gridCol w="1368152">
                   <a:extLst>
                     <a:ext uri="{9D8B030D-6E8A-4147-A177-3AD203B41FA5}">
-                      <a16:colId xmlns:a16="http://schemas.microsoft.com/office/drawing/2014/main" xmlns="" val="20001"/>
+                      <a16:colId xmlns:a16="http://schemas.microsoft.com/office/drawing/2014/main" val="20001"/>
                     </a:ext>
                   </a:extLst>
                 </a:gridCol>
@@ -5331,7 +5321,7 @@
                 </a:tc>
                 <a:extLst>
                   <a:ext uri="{0D108BD9-81ED-4DB2-BD59-A6C34878D82A}">
-                    <a16:rowId xmlns:a16="http://schemas.microsoft.com/office/drawing/2014/main" xmlns="" val="10000"/>
+                    <a16:rowId xmlns:a16="http://schemas.microsoft.com/office/drawing/2014/main" val="10000"/>
                   </a:ext>
                 </a:extLst>
               </a:tr>
@@ -5343,8 +5333,8 @@
                     <a:p>
                       <a:pPr latinLnBrk="1"/>
                       <a:r>
-                        <a:rPr lang="en-US" altLang="ko-KR" sz="1400" dirty="0" smtClean="0"/>
-                        <a:t>192.168.2.192/26</a:t>
+                        <a:rPr lang="en-US" altLang="ko-KR" sz="1400"/>
+                        <a:t>192.168.2.192/24</a:t>
                       </a:r>
                       <a:endParaRPr lang="ko-KR" altLang="en-US" sz="1400" dirty="0"/>
                     </a:p>
@@ -5442,7 +5432,7 @@
                 </a:tc>
                 <a:extLst>
                   <a:ext uri="{0D108BD9-81ED-4DB2-BD59-A6C34878D82A}">
-                    <a16:rowId xmlns:a16="http://schemas.microsoft.com/office/drawing/2014/main" xmlns="" val="10001"/>
+                    <a16:rowId xmlns:a16="http://schemas.microsoft.com/office/drawing/2014/main" val="10001"/>
                   </a:ext>
                 </a:extLst>
               </a:tr>
@@ -5553,7 +5543,7 @@
                 </a:tc>
                 <a:extLst>
                   <a:ext uri="{0D108BD9-81ED-4DB2-BD59-A6C34878D82A}">
-                    <a16:rowId xmlns:a16="http://schemas.microsoft.com/office/drawing/2014/main" xmlns="" val="10002"/>
+                    <a16:rowId xmlns:a16="http://schemas.microsoft.com/office/drawing/2014/main" val="10002"/>
                   </a:ext>
                 </a:extLst>
               </a:tr>
@@ -5566,7 +5556,7 @@
           <p:cNvPr id="17" name="모서리가 둥근 직사각형 44">
             <a:extLst>
               <a:ext uri="{FF2B5EF4-FFF2-40B4-BE49-F238E27FC236}">
-                <a16:creationId xmlns:a16="http://schemas.microsoft.com/office/drawing/2014/main" xmlns="" id="{2DBA49E2-5203-48AC-9D0B-4B3C58EE231E}"/>
+                <a16:creationId xmlns:a16="http://schemas.microsoft.com/office/drawing/2014/main" id="{2DBA49E2-5203-48AC-9D0B-4B3C58EE231E}"/>
               </a:ext>
             </a:extLst>
           </p:cNvPr>
@@ -5617,7 +5607,7 @@
           <p:cNvPr id="18" name="모서리가 둥근 직사각형 44">
             <a:extLst>
               <a:ext uri="{FF2B5EF4-FFF2-40B4-BE49-F238E27FC236}">
-                <a16:creationId xmlns:a16="http://schemas.microsoft.com/office/drawing/2014/main" xmlns="" id="{2DBA49E2-5203-48AC-9D0B-4B3C58EE231E}"/>
+                <a16:creationId xmlns:a16="http://schemas.microsoft.com/office/drawing/2014/main" id="{2DBA49E2-5203-48AC-9D0B-4B3C58EE231E}"/>
               </a:ext>
             </a:extLst>
           </p:cNvPr>
@@ -5706,7 +5696,7 @@
           <p:cNvPr id="20" name="모서리가 둥근 직사각형 44">
             <a:extLst>
               <a:ext uri="{FF2B5EF4-FFF2-40B4-BE49-F238E27FC236}">
-                <a16:creationId xmlns:a16="http://schemas.microsoft.com/office/drawing/2014/main" xmlns="" id="{2DBA49E2-5203-48AC-9D0B-4B3C58EE231E}"/>
+                <a16:creationId xmlns:a16="http://schemas.microsoft.com/office/drawing/2014/main" id="{2DBA49E2-5203-48AC-9D0B-4B3C58EE231E}"/>
               </a:ext>
             </a:extLst>
           </p:cNvPr>
@@ -5748,8 +5738,8 @@
           <a:p>
             <a:pPr algn="ctr"/>
             <a:r>
-              <a:rPr lang="en-US" altLang="ko-KR" sz="1400" dirty="0" smtClean="0"/>
-              <a:t>192.168.3.195</a:t>
+              <a:rPr lang="en-US" altLang="ko-KR" sz="1400"/>
+              <a:t>192.168.3.10</a:t>
             </a:r>
             <a:endParaRPr lang="ko-KR" altLang="en-US" sz="1400" dirty="0"/>
           </a:p>
@@ -5760,7 +5750,7 @@
           <p:cNvPr id="21" name="모서리가 둥근 직사각형 44">
             <a:extLst>
               <a:ext uri="{FF2B5EF4-FFF2-40B4-BE49-F238E27FC236}">
-                <a16:creationId xmlns:a16="http://schemas.microsoft.com/office/drawing/2014/main" xmlns="" id="{2DBA49E2-5203-48AC-9D0B-4B3C58EE231E}"/>
+                <a16:creationId xmlns:a16="http://schemas.microsoft.com/office/drawing/2014/main" id="{2DBA49E2-5203-48AC-9D0B-4B3C58EE231E}"/>
               </a:ext>
             </a:extLst>
           </p:cNvPr>
@@ -5850,7 +5840,7 @@
           <p:cNvPr id="27" name="모서리가 둥근 직사각형 44">
             <a:extLst>
               <a:ext uri="{FF2B5EF4-FFF2-40B4-BE49-F238E27FC236}">
-                <a16:creationId xmlns:a16="http://schemas.microsoft.com/office/drawing/2014/main" xmlns="" id="{2DBA49E2-5203-48AC-9D0B-4B3C58EE231E}"/>
+                <a16:creationId xmlns:a16="http://schemas.microsoft.com/office/drawing/2014/main" id="{2DBA49E2-5203-48AC-9D0B-4B3C58EE231E}"/>
               </a:ext>
             </a:extLst>
           </p:cNvPr>
@@ -5904,7 +5894,7 @@
           <p:cNvPr id="30" name="모서리가 둥근 직사각형 44">
             <a:extLst>
               <a:ext uri="{FF2B5EF4-FFF2-40B4-BE49-F238E27FC236}">
-                <a16:creationId xmlns:a16="http://schemas.microsoft.com/office/drawing/2014/main" xmlns="" id="{2DBA49E2-5203-48AC-9D0B-4B3C58EE231E}"/>
+                <a16:creationId xmlns:a16="http://schemas.microsoft.com/office/drawing/2014/main" id="{2DBA49E2-5203-48AC-9D0B-4B3C58EE231E}"/>
               </a:ext>
             </a:extLst>
           </p:cNvPr>
@@ -5958,7 +5948,7 @@
           <p:cNvPr id="31" name="모서리가 둥근 직사각형 44">
             <a:extLst>
               <a:ext uri="{FF2B5EF4-FFF2-40B4-BE49-F238E27FC236}">
-                <a16:creationId xmlns:a16="http://schemas.microsoft.com/office/drawing/2014/main" xmlns="" id="{2DBA49E2-5203-48AC-9D0B-4B3C58EE231E}"/>
+                <a16:creationId xmlns:a16="http://schemas.microsoft.com/office/drawing/2014/main" id="{2DBA49E2-5203-48AC-9D0B-4B3C58EE231E}"/>
               </a:ext>
             </a:extLst>
           </p:cNvPr>

--- a/images/theory_analysis/Kubernetes_Calico_Plugin/Kubernetes_Calico_Plugin.pptx
+++ b/images/theory_analysis/Kubernetes_Calico_Plugin/Kubernetes_Calico_Plugin.pptx
@@ -214,7 +214,7 @@
           <a:p>
             <a:fld id="{6CD5550B-26C4-49A9-A5BA-636EF7BE6CE9}" type="datetimeFigureOut">
               <a:rPr lang="ko-KR" altLang="en-US" smtClean="0"/>
-              <a:t>2018-08-22</a:t>
+              <a:t>2018-08-26</a:t>
             </a:fld>
             <a:endParaRPr lang="ko-KR" altLang="en-US"/>
           </a:p>
@@ -828,7 +828,7 @@
           <a:p>
             <a:fld id="{FB30EDBD-1C2D-4C1E-B459-B60219FAB484}" type="datetimeFigureOut">
               <a:rPr lang="ko-KR" altLang="en-US" smtClean="0"/>
-              <a:t>2018-08-22</a:t>
+              <a:t>2018-08-26</a:t>
             </a:fld>
             <a:endParaRPr lang="ko-KR" altLang="en-US"/>
           </a:p>
@@ -991,7 +991,7 @@
           <a:p>
             <a:fld id="{FB30EDBD-1C2D-4C1E-B459-B60219FAB484}" type="datetimeFigureOut">
               <a:rPr lang="ko-KR" altLang="en-US" smtClean="0"/>
-              <a:t>2018-08-22</a:t>
+              <a:t>2018-08-26</a:t>
             </a:fld>
             <a:endParaRPr lang="ko-KR" altLang="en-US"/>
           </a:p>
@@ -1164,7 +1164,7 @@
           <a:p>
             <a:fld id="{FB30EDBD-1C2D-4C1E-B459-B60219FAB484}" type="datetimeFigureOut">
               <a:rPr lang="ko-KR" altLang="en-US" smtClean="0"/>
-              <a:t>2018-08-22</a:t>
+              <a:t>2018-08-26</a:t>
             </a:fld>
             <a:endParaRPr lang="ko-KR" altLang="en-US"/>
           </a:p>
@@ -1327,7 +1327,7 @@
           <a:p>
             <a:fld id="{FB30EDBD-1C2D-4C1E-B459-B60219FAB484}" type="datetimeFigureOut">
               <a:rPr lang="ko-KR" altLang="en-US" smtClean="0"/>
-              <a:t>2018-08-22</a:t>
+              <a:t>2018-08-26</a:t>
             </a:fld>
             <a:endParaRPr lang="ko-KR" altLang="en-US"/>
           </a:p>
@@ -1567,7 +1567,7 @@
           <a:p>
             <a:fld id="{FB30EDBD-1C2D-4C1E-B459-B60219FAB484}" type="datetimeFigureOut">
               <a:rPr lang="ko-KR" altLang="en-US" smtClean="0"/>
-              <a:t>2018-08-22</a:t>
+              <a:t>2018-08-26</a:t>
             </a:fld>
             <a:endParaRPr lang="ko-KR" altLang="en-US"/>
           </a:p>
@@ -1847,7 +1847,7 @@
           <a:p>
             <a:fld id="{FB30EDBD-1C2D-4C1E-B459-B60219FAB484}" type="datetimeFigureOut">
               <a:rPr lang="ko-KR" altLang="en-US" smtClean="0"/>
-              <a:t>2018-08-22</a:t>
+              <a:t>2018-08-26</a:t>
             </a:fld>
             <a:endParaRPr lang="ko-KR" altLang="en-US"/>
           </a:p>
@@ -2261,7 +2261,7 @@
           <a:p>
             <a:fld id="{FB30EDBD-1C2D-4C1E-B459-B60219FAB484}" type="datetimeFigureOut">
               <a:rPr lang="ko-KR" altLang="en-US" smtClean="0"/>
-              <a:t>2018-08-22</a:t>
+              <a:t>2018-08-26</a:t>
             </a:fld>
             <a:endParaRPr lang="ko-KR" altLang="en-US"/>
           </a:p>
@@ -2373,7 +2373,7 @@
           <a:p>
             <a:fld id="{FB30EDBD-1C2D-4C1E-B459-B60219FAB484}" type="datetimeFigureOut">
               <a:rPr lang="ko-KR" altLang="en-US" smtClean="0"/>
-              <a:t>2018-08-22</a:t>
+              <a:t>2018-08-26</a:t>
             </a:fld>
             <a:endParaRPr lang="ko-KR" altLang="en-US"/>
           </a:p>
@@ -2463,7 +2463,7 @@
           <a:p>
             <a:fld id="{FB30EDBD-1C2D-4C1E-B459-B60219FAB484}" type="datetimeFigureOut">
               <a:rPr lang="ko-KR" altLang="en-US" smtClean="0"/>
-              <a:t>2018-08-22</a:t>
+              <a:t>2018-08-26</a:t>
             </a:fld>
             <a:endParaRPr lang="ko-KR" altLang="en-US"/>
           </a:p>
@@ -2733,7 +2733,7 @@
           <a:p>
             <a:fld id="{FB30EDBD-1C2D-4C1E-B459-B60219FAB484}" type="datetimeFigureOut">
               <a:rPr lang="ko-KR" altLang="en-US" smtClean="0"/>
-              <a:t>2018-08-22</a:t>
+              <a:t>2018-08-26</a:t>
             </a:fld>
             <a:endParaRPr lang="ko-KR" altLang="en-US"/>
           </a:p>
@@ -2980,7 +2980,7 @@
           <a:p>
             <a:fld id="{FB30EDBD-1C2D-4C1E-B459-B60219FAB484}" type="datetimeFigureOut">
               <a:rPr lang="ko-KR" altLang="en-US" smtClean="0"/>
-              <a:t>2018-08-22</a:t>
+              <a:t>2018-08-26</a:t>
             </a:fld>
             <a:endParaRPr lang="ko-KR" altLang="en-US"/>
           </a:p>
@@ -3186,7 +3186,7 @@
           <a:p>
             <a:fld id="{FB30EDBD-1C2D-4C1E-B459-B60219FAB484}" type="datetimeFigureOut">
               <a:rPr lang="ko-KR" altLang="en-US" smtClean="0"/>
-              <a:t>2018-08-22</a:t>
+              <a:t>2018-08-26</a:t>
             </a:fld>
             <a:endParaRPr lang="ko-KR" altLang="en-US"/>
           </a:p>
@@ -4452,14 +4452,14 @@
           <p:nvPr>
             <p:extLst>
               <p:ext uri="{D42A27DB-BD31-4B8C-83A1-F6EECF244321}">
-                <p14:modId xmlns:p14="http://schemas.microsoft.com/office/powerpoint/2010/main" val="1386017289"/>
+                <p14:modId xmlns:p14="http://schemas.microsoft.com/office/powerpoint/2010/main" val="3299842159"/>
               </p:ext>
             </p:extLst>
           </p:nvPr>
         </p:nvGraphicFramePr>
         <p:xfrm>
-          <a:off x="899592" y="2355726"/>
-          <a:ext cx="3024336" cy="1112520"/>
+          <a:off x="783596" y="2355726"/>
+          <a:ext cx="3256329" cy="1112520"/>
         </p:xfrm>
         <a:graphic>
           <a:graphicData uri="http://schemas.openxmlformats.org/drawingml/2006/table">
@@ -4468,14 +4468,21 @@
                 <a:tableStyleId>{2D5ABB26-0587-4C30-8999-92F81FD0307C}</a:tableStyleId>
               </a:tblPr>
               <a:tblGrid>
-                <a:gridCol w="1656184">
+                <a:gridCol w="1556156">
                   <a:extLst>
                     <a:ext uri="{9D8B030D-6E8A-4147-A177-3AD203B41FA5}">
                       <a16:colId xmlns:a16="http://schemas.microsoft.com/office/drawing/2014/main" val="20000"/>
                     </a:ext>
                   </a:extLst>
                 </a:gridCol>
-                <a:gridCol w="1368152">
+                <a:gridCol w="936104">
+                  <a:extLst>
+                    <a:ext uri="{9D8B030D-6E8A-4147-A177-3AD203B41FA5}">
+                      <a16:colId xmlns:a16="http://schemas.microsoft.com/office/drawing/2014/main" val="2132610268"/>
+                    </a:ext>
+                  </a:extLst>
+                </a:gridCol>
+                <a:gridCol w="764069">
                   <a:extLst>
                     <a:ext uri="{9D8B030D-6E8A-4147-A177-3AD203B41FA5}">
                       <a16:colId xmlns:a16="http://schemas.microsoft.com/office/drawing/2014/main" val="20001"/>
@@ -4497,7 +4504,59 @@
                       <a:endParaRPr lang="ko-KR" altLang="en-US" sz="1400" dirty="0"/>
                     </a:p>
                   </a:txBody>
-                  <a:tcPr>
+                  <a:tcPr anchor="ctr">
+                    <a:lnL w="19050" cap="flat" cmpd="sng" algn="ctr">
+                      <a:solidFill>
+                        <a:schemeClr val="tx1"/>
+                      </a:solidFill>
+                      <a:prstDash val="solid"/>
+                      <a:round/>
+                      <a:headEnd type="none" w="med" len="med"/>
+                      <a:tailEnd type="none" w="med" len="med"/>
+                    </a:lnL>
+                    <a:lnR w="19050" cap="flat" cmpd="sng" algn="ctr">
+                      <a:solidFill>
+                        <a:schemeClr val="tx1"/>
+                      </a:solidFill>
+                      <a:prstDash val="solid"/>
+                      <a:round/>
+                      <a:headEnd type="none" w="med" len="med"/>
+                      <a:tailEnd type="none" w="med" len="med"/>
+                    </a:lnR>
+                    <a:lnT w="19050" cap="flat" cmpd="sng" algn="ctr">
+                      <a:solidFill>
+                        <a:schemeClr val="tx1"/>
+                      </a:solidFill>
+                      <a:prstDash val="solid"/>
+                      <a:round/>
+                      <a:headEnd type="none" w="med" len="med"/>
+                      <a:tailEnd type="none" w="med" len="med"/>
+                    </a:lnT>
+                    <a:lnB w="19050" cap="flat" cmpd="sng" algn="ctr">
+                      <a:solidFill>
+                        <a:schemeClr val="tx1"/>
+                      </a:solidFill>
+                      <a:prstDash val="solid"/>
+                      <a:round/>
+                      <a:headEnd type="none" w="med" len="med"/>
+                      <a:tailEnd type="none" w="med" len="med"/>
+                    </a:lnB>
+                  </a:tcPr>
+                </a:tc>
+                <a:tc>
+                  <a:txBody>
+                    <a:bodyPr/>
+                    <a:lstStyle/>
+                    <a:p>
+                      <a:pPr latinLnBrk="1"/>
+                      <a:r>
+                        <a:rPr lang="en-US" altLang="ko-KR" sz="1400"/>
+                        <a:t>0.0.0.0</a:t>
+                      </a:r>
+                      <a:endParaRPr lang="ko-KR" altLang="en-US" sz="1400" dirty="0"/>
+                    </a:p>
+                  </a:txBody>
+                  <a:tcPr anchor="ctr">
                     <a:lnL w="19050" cap="flat" cmpd="sng" algn="ctr">
                       <a:solidFill>
                         <a:schemeClr val="tx1"/>
@@ -4549,7 +4608,7 @@
                       <a:endParaRPr lang="ko-KR" altLang="en-US" sz="1400" dirty="0"/>
                     </a:p>
                   </a:txBody>
-                  <a:tcPr>
+                  <a:tcPr anchor="ctr">
                     <a:lnL w="19050" cap="flat" cmpd="sng" algn="ctr">
                       <a:solidFill>
                         <a:schemeClr val="tx1"/>
@@ -4608,7 +4667,59 @@
                       <a:endParaRPr lang="ko-KR" altLang="en-US" sz="1400" dirty="0"/>
                     </a:p>
                   </a:txBody>
-                  <a:tcPr>
+                  <a:tcPr anchor="ctr">
+                    <a:lnL w="19050" cap="flat" cmpd="sng" algn="ctr">
+                      <a:solidFill>
+                        <a:schemeClr val="tx1"/>
+                      </a:solidFill>
+                      <a:prstDash val="solid"/>
+                      <a:round/>
+                      <a:headEnd type="none" w="med" len="med"/>
+                      <a:tailEnd type="none" w="med" len="med"/>
+                    </a:lnL>
+                    <a:lnR w="19050" cap="flat" cmpd="sng" algn="ctr">
+                      <a:solidFill>
+                        <a:schemeClr val="tx1"/>
+                      </a:solidFill>
+                      <a:prstDash val="solid"/>
+                      <a:round/>
+                      <a:headEnd type="none" w="med" len="med"/>
+                      <a:tailEnd type="none" w="med" len="med"/>
+                    </a:lnR>
+                    <a:lnT w="19050" cap="flat" cmpd="sng" algn="ctr">
+                      <a:solidFill>
+                        <a:schemeClr val="tx1"/>
+                      </a:solidFill>
+                      <a:prstDash val="solid"/>
+                      <a:round/>
+                      <a:headEnd type="none" w="med" len="med"/>
+                      <a:tailEnd type="none" w="med" len="med"/>
+                    </a:lnT>
+                    <a:lnB w="19050" cap="flat" cmpd="sng" algn="ctr">
+                      <a:solidFill>
+                        <a:schemeClr val="tx1"/>
+                      </a:solidFill>
+                      <a:prstDash val="solid"/>
+                      <a:round/>
+                      <a:headEnd type="none" w="med" len="med"/>
+                      <a:tailEnd type="none" w="med" len="med"/>
+                    </a:lnB>
+                  </a:tcPr>
+                </a:tc>
+                <a:tc>
+                  <a:txBody>
+                    <a:bodyPr/>
+                    <a:lstStyle/>
+                    <a:p>
+                      <a:pPr latinLnBrk="1"/>
+                      <a:r>
+                        <a:rPr lang="en-US" altLang="ko-KR" sz="1400"/>
+                        <a:t>0.0.0.0</a:t>
+                      </a:r>
+                      <a:endParaRPr lang="ko-KR" altLang="en-US" sz="1400" dirty="0"/>
+                    </a:p>
+                  </a:txBody>
+                  <a:tcPr anchor="ctr">
                     <a:lnL w="19050" cap="flat" cmpd="sng" algn="ctr">
                       <a:solidFill>
                         <a:schemeClr val="tx1"/>
@@ -4660,7 +4771,7 @@
                       <a:endParaRPr lang="ko-KR" altLang="en-US" sz="1400" dirty="0"/>
                     </a:p>
                   </a:txBody>
-                  <a:tcPr>
+                  <a:tcPr anchor="ctr">
                     <a:lnL w="19050" cap="flat" cmpd="sng" algn="ctr">
                       <a:solidFill>
                         <a:schemeClr val="tx1"/>
@@ -4719,7 +4830,59 @@
                       <a:endParaRPr lang="ko-KR" altLang="en-US" sz="1400" dirty="0"/>
                     </a:p>
                   </a:txBody>
-                  <a:tcPr>
+                  <a:tcPr anchor="ctr">
+                    <a:lnL w="19050" cap="flat" cmpd="sng" algn="ctr">
+                      <a:solidFill>
+                        <a:schemeClr val="tx1"/>
+                      </a:solidFill>
+                      <a:prstDash val="solid"/>
+                      <a:round/>
+                      <a:headEnd type="none" w="med" len="med"/>
+                      <a:tailEnd type="none" w="med" len="med"/>
+                    </a:lnL>
+                    <a:lnR w="19050" cap="flat" cmpd="sng" algn="ctr">
+                      <a:solidFill>
+                        <a:schemeClr val="tx1"/>
+                      </a:solidFill>
+                      <a:prstDash val="solid"/>
+                      <a:round/>
+                      <a:headEnd type="none" w="med" len="med"/>
+                      <a:tailEnd type="none" w="med" len="med"/>
+                    </a:lnR>
+                    <a:lnT w="19050" cap="flat" cmpd="sng" algn="ctr">
+                      <a:solidFill>
+                        <a:schemeClr val="tx1"/>
+                      </a:solidFill>
+                      <a:prstDash val="solid"/>
+                      <a:round/>
+                      <a:headEnd type="none" w="med" len="med"/>
+                      <a:tailEnd type="none" w="med" len="med"/>
+                    </a:lnT>
+                    <a:lnB w="19050" cap="flat" cmpd="sng" algn="ctr">
+                      <a:solidFill>
+                        <a:schemeClr val="tx1"/>
+                      </a:solidFill>
+                      <a:prstDash val="solid"/>
+                      <a:round/>
+                      <a:headEnd type="none" w="med" len="med"/>
+                      <a:tailEnd type="none" w="med" len="med"/>
+                    </a:lnB>
+                  </a:tcPr>
+                </a:tc>
+                <a:tc>
+                  <a:txBody>
+                    <a:bodyPr/>
+                    <a:lstStyle/>
+                    <a:p>
+                      <a:pPr latinLnBrk="1"/>
+                      <a:r>
+                        <a:rPr lang="en-US" altLang="ko-KR" sz="1400"/>
+                        <a:t>0.0.0.0</a:t>
+                      </a:r>
+                      <a:endParaRPr lang="ko-KR" altLang="en-US" sz="1400" dirty="0"/>
+                    </a:p>
+                  </a:txBody>
+                  <a:tcPr anchor="ctr">
                     <a:lnL w="19050" cap="flat" cmpd="sng" algn="ctr">
                       <a:solidFill>
                         <a:schemeClr val="tx1"/>
@@ -4771,7 +4934,7 @@
                       <a:endParaRPr lang="ko-KR" altLang="en-US" sz="1400" dirty="0"/>
                     </a:p>
                   </a:txBody>
-                  <a:tcPr>
+                  <a:tcPr anchor="ctr">
                     <a:lnL w="19050" cap="flat" cmpd="sng" algn="ctr">
                       <a:solidFill>
                         <a:schemeClr val="tx1"/>
@@ -5183,14 +5346,14 @@
           <p:nvPr>
             <p:extLst>
               <p:ext uri="{D42A27DB-BD31-4B8C-83A1-F6EECF244321}">
-                <p14:modId xmlns:p14="http://schemas.microsoft.com/office/powerpoint/2010/main" val="4087282477"/>
+                <p14:modId xmlns:p14="http://schemas.microsoft.com/office/powerpoint/2010/main" val="3346343956"/>
               </p:ext>
             </p:extLst>
           </p:nvPr>
         </p:nvGraphicFramePr>
         <p:xfrm>
-          <a:off x="5220072" y="2355726"/>
-          <a:ext cx="3024336" cy="1112520"/>
+          <a:off x="5104076" y="2355726"/>
+          <a:ext cx="3256329" cy="1112520"/>
         </p:xfrm>
         <a:graphic>
           <a:graphicData uri="http://schemas.openxmlformats.org/drawingml/2006/table">
@@ -5199,14 +5362,21 @@
                 <a:tableStyleId>{2D5ABB26-0587-4C30-8999-92F81FD0307C}</a:tableStyleId>
               </a:tblPr>
               <a:tblGrid>
-                <a:gridCol w="1656184">
+                <a:gridCol w="1556156">
                   <a:extLst>
                     <a:ext uri="{9D8B030D-6E8A-4147-A177-3AD203B41FA5}">
                       <a16:colId xmlns:a16="http://schemas.microsoft.com/office/drawing/2014/main" val="20000"/>
                     </a:ext>
                   </a:extLst>
                 </a:gridCol>
-                <a:gridCol w="1368152">
+                <a:gridCol w="936104">
+                  <a:extLst>
+                    <a:ext uri="{9D8B030D-6E8A-4147-A177-3AD203B41FA5}">
+                      <a16:colId xmlns:a16="http://schemas.microsoft.com/office/drawing/2014/main" val="2983524949"/>
+                    </a:ext>
+                  </a:extLst>
+                </a:gridCol>
+                <a:gridCol w="764069">
                   <a:extLst>
                     <a:ext uri="{9D8B030D-6E8A-4147-A177-3AD203B41FA5}">
                       <a16:colId xmlns:a16="http://schemas.microsoft.com/office/drawing/2014/main" val="20001"/>
@@ -5228,7 +5398,59 @@
                       <a:endParaRPr lang="ko-KR" altLang="en-US" sz="1400" dirty="0"/>
                     </a:p>
                   </a:txBody>
-                  <a:tcPr>
+                  <a:tcPr anchor="ctr">
+                    <a:lnL w="19050" cap="flat" cmpd="sng" algn="ctr">
+                      <a:solidFill>
+                        <a:schemeClr val="tx1"/>
+                      </a:solidFill>
+                      <a:prstDash val="solid"/>
+                      <a:round/>
+                      <a:headEnd type="none" w="med" len="med"/>
+                      <a:tailEnd type="none" w="med" len="med"/>
+                    </a:lnL>
+                    <a:lnR w="19050" cap="flat" cmpd="sng" algn="ctr">
+                      <a:solidFill>
+                        <a:schemeClr val="tx1"/>
+                      </a:solidFill>
+                      <a:prstDash val="solid"/>
+                      <a:round/>
+                      <a:headEnd type="none" w="med" len="med"/>
+                      <a:tailEnd type="none" w="med" len="med"/>
+                    </a:lnR>
+                    <a:lnT w="19050" cap="flat" cmpd="sng" algn="ctr">
+                      <a:solidFill>
+                        <a:schemeClr val="tx1"/>
+                      </a:solidFill>
+                      <a:prstDash val="solid"/>
+                      <a:round/>
+                      <a:headEnd type="none" w="med" len="med"/>
+                      <a:tailEnd type="none" w="med" len="med"/>
+                    </a:lnT>
+                    <a:lnB w="19050" cap="flat" cmpd="sng" algn="ctr">
+                      <a:solidFill>
+                        <a:schemeClr val="tx1"/>
+                      </a:solidFill>
+                      <a:prstDash val="solid"/>
+                      <a:round/>
+                      <a:headEnd type="none" w="med" len="med"/>
+                      <a:tailEnd type="none" w="med" len="med"/>
+                    </a:lnB>
+                  </a:tcPr>
+                </a:tc>
+                <a:tc>
+                  <a:txBody>
+                    <a:bodyPr/>
+                    <a:lstStyle/>
+                    <a:p>
+                      <a:pPr latinLnBrk="1"/>
+                      <a:r>
+                        <a:rPr lang="en-US" altLang="ko-KR" sz="1400"/>
+                        <a:t>0.0.0.0</a:t>
+                      </a:r>
+                      <a:endParaRPr lang="ko-KR" altLang="en-US" sz="1400" dirty="0"/>
+                    </a:p>
+                  </a:txBody>
+                  <a:tcPr anchor="ctr">
                     <a:lnL w="19050" cap="flat" cmpd="sng" algn="ctr">
                       <a:solidFill>
                         <a:schemeClr val="tx1"/>
@@ -5280,7 +5502,7 @@
                       <a:endParaRPr lang="ko-KR" altLang="en-US" sz="1400" dirty="0"/>
                     </a:p>
                   </a:txBody>
-                  <a:tcPr>
+                  <a:tcPr anchor="ctr">
                     <a:lnL w="19050" cap="flat" cmpd="sng" algn="ctr">
                       <a:solidFill>
                         <a:schemeClr val="tx1"/>
@@ -5339,7 +5561,59 @@
                       <a:endParaRPr lang="ko-KR" altLang="en-US" sz="1400" dirty="0"/>
                     </a:p>
                   </a:txBody>
-                  <a:tcPr>
+                  <a:tcPr anchor="ctr">
+                    <a:lnL w="19050" cap="flat" cmpd="sng" algn="ctr">
+                      <a:solidFill>
+                        <a:schemeClr val="tx1"/>
+                      </a:solidFill>
+                      <a:prstDash val="solid"/>
+                      <a:round/>
+                      <a:headEnd type="none" w="med" len="med"/>
+                      <a:tailEnd type="none" w="med" len="med"/>
+                    </a:lnL>
+                    <a:lnR w="19050" cap="flat" cmpd="sng" algn="ctr">
+                      <a:solidFill>
+                        <a:schemeClr val="tx1"/>
+                      </a:solidFill>
+                      <a:prstDash val="solid"/>
+                      <a:round/>
+                      <a:headEnd type="none" w="med" len="med"/>
+                      <a:tailEnd type="none" w="med" len="med"/>
+                    </a:lnR>
+                    <a:lnT w="19050" cap="flat" cmpd="sng" algn="ctr">
+                      <a:solidFill>
+                        <a:schemeClr val="tx1"/>
+                      </a:solidFill>
+                      <a:prstDash val="solid"/>
+                      <a:round/>
+                      <a:headEnd type="none" w="med" len="med"/>
+                      <a:tailEnd type="none" w="med" len="med"/>
+                    </a:lnT>
+                    <a:lnB w="19050" cap="flat" cmpd="sng" algn="ctr">
+                      <a:solidFill>
+                        <a:schemeClr val="tx1"/>
+                      </a:solidFill>
+                      <a:prstDash val="solid"/>
+                      <a:round/>
+                      <a:headEnd type="none" w="med" len="med"/>
+                      <a:tailEnd type="none" w="med" len="med"/>
+                    </a:lnB>
+                  </a:tcPr>
+                </a:tc>
+                <a:tc>
+                  <a:txBody>
+                    <a:bodyPr/>
+                    <a:lstStyle/>
+                    <a:p>
+                      <a:pPr latinLnBrk="1"/>
+                      <a:r>
+                        <a:rPr lang="en-US" altLang="ko-KR" sz="1400"/>
+                        <a:t>0.0.0.0</a:t>
+                      </a:r>
+                      <a:endParaRPr lang="ko-KR" altLang="en-US" sz="1400" dirty="0"/>
+                    </a:p>
+                  </a:txBody>
+                  <a:tcPr anchor="ctr">
                     <a:lnL w="19050" cap="flat" cmpd="sng" algn="ctr">
                       <a:solidFill>
                         <a:schemeClr val="tx1"/>
@@ -5391,7 +5665,7 @@
                       <a:endParaRPr lang="ko-KR" altLang="en-US" sz="1400" dirty="0"/>
                     </a:p>
                   </a:txBody>
-                  <a:tcPr>
+                  <a:tcPr anchor="ctr">
                     <a:lnL w="19050" cap="flat" cmpd="sng" algn="ctr">
                       <a:solidFill>
                         <a:schemeClr val="tx1"/>
@@ -5450,7 +5724,59 @@
                       <a:endParaRPr lang="ko-KR" altLang="en-US" sz="1400" dirty="0"/>
                     </a:p>
                   </a:txBody>
-                  <a:tcPr>
+                  <a:tcPr anchor="ctr">
+                    <a:lnL w="19050" cap="flat" cmpd="sng" algn="ctr">
+                      <a:solidFill>
+                        <a:schemeClr val="tx1"/>
+                      </a:solidFill>
+                      <a:prstDash val="solid"/>
+                      <a:round/>
+                      <a:headEnd type="none" w="med" len="med"/>
+                      <a:tailEnd type="none" w="med" len="med"/>
+                    </a:lnL>
+                    <a:lnR w="19050" cap="flat" cmpd="sng" algn="ctr">
+                      <a:solidFill>
+                        <a:schemeClr val="tx1"/>
+                      </a:solidFill>
+                      <a:prstDash val="solid"/>
+                      <a:round/>
+                      <a:headEnd type="none" w="med" len="med"/>
+                      <a:tailEnd type="none" w="med" len="med"/>
+                    </a:lnR>
+                    <a:lnT w="19050" cap="flat" cmpd="sng" algn="ctr">
+                      <a:solidFill>
+                        <a:schemeClr val="tx1"/>
+                      </a:solidFill>
+                      <a:prstDash val="solid"/>
+                      <a:round/>
+                      <a:headEnd type="none" w="med" len="med"/>
+                      <a:tailEnd type="none" w="med" len="med"/>
+                    </a:lnT>
+                    <a:lnB w="19050" cap="flat" cmpd="sng" algn="ctr">
+                      <a:solidFill>
+                        <a:schemeClr val="tx1"/>
+                      </a:solidFill>
+                      <a:prstDash val="solid"/>
+                      <a:round/>
+                      <a:headEnd type="none" w="med" len="med"/>
+                      <a:tailEnd type="none" w="med" len="med"/>
+                    </a:lnB>
+                  </a:tcPr>
+                </a:tc>
+                <a:tc>
+                  <a:txBody>
+                    <a:bodyPr/>
+                    <a:lstStyle/>
+                    <a:p>
+                      <a:pPr latinLnBrk="1"/>
+                      <a:r>
+                        <a:rPr lang="en-US" altLang="ko-KR" sz="1400"/>
+                        <a:t>0.0.0.0</a:t>
+                      </a:r>
+                      <a:endParaRPr lang="ko-KR" altLang="en-US" sz="1400" dirty="0"/>
+                    </a:p>
+                  </a:txBody>
+                  <a:tcPr anchor="ctr">
                     <a:lnL w="19050" cap="flat" cmpd="sng" algn="ctr">
                       <a:solidFill>
                         <a:schemeClr val="tx1"/>
@@ -5502,7 +5828,7 @@
                       <a:endParaRPr lang="ko-KR" altLang="en-US" sz="1400" dirty="0"/>
                     </a:p>
                   </a:txBody>
-                  <a:tcPr>
+                  <a:tcPr anchor="ctr">
                     <a:lnL w="19050" cap="flat" cmpd="sng" algn="ctr">
                       <a:solidFill>
                         <a:schemeClr val="tx1"/>

--- a/images/theory_analysis/Kubernetes_Calico_Plugin/Kubernetes_Calico_Plugin.pptx
+++ b/images/theory_analysis/Kubernetes_Calico_Plugin/Kubernetes_Calico_Plugin.pptx
@@ -110,7 +110,7 @@
   </p:defaultTextStyle>
   <p:extLst>
     <p:ext uri="{EFAFB233-063F-42B5-8137-9DF3F51BA10A}">
-      <p15:sldGuideLst xmlns:p15="http://schemas.microsoft.com/office/powerpoint/2012/main">
+      <p15:sldGuideLst xmlns:p15="http://schemas.microsoft.com/office/powerpoint/2012/main" xmlns="">
         <p15:guide id="1" orient="horz" pos="2160">
           <p15:clr>
             <a:srgbClr val="A4A3A4"/>
@@ -214,7 +214,7 @@
           <a:p>
             <a:fld id="{6CD5550B-26C4-49A9-A5BA-636EF7BE6CE9}" type="datetimeFigureOut">
               <a:rPr lang="ko-KR" altLang="en-US" smtClean="0"/>
-              <a:t>2018-08-26</a:t>
+              <a:t>2018-08-28</a:t>
             </a:fld>
             <a:endParaRPr lang="ko-KR" altLang="en-US"/>
           </a:p>
@@ -828,7 +828,7 @@
           <a:p>
             <a:fld id="{FB30EDBD-1C2D-4C1E-B459-B60219FAB484}" type="datetimeFigureOut">
               <a:rPr lang="ko-KR" altLang="en-US" smtClean="0"/>
-              <a:t>2018-08-26</a:t>
+              <a:t>2018-08-28</a:t>
             </a:fld>
             <a:endParaRPr lang="ko-KR" altLang="en-US"/>
           </a:p>
@@ -991,7 +991,7 @@
           <a:p>
             <a:fld id="{FB30EDBD-1C2D-4C1E-B459-B60219FAB484}" type="datetimeFigureOut">
               <a:rPr lang="ko-KR" altLang="en-US" smtClean="0"/>
-              <a:t>2018-08-26</a:t>
+              <a:t>2018-08-28</a:t>
             </a:fld>
             <a:endParaRPr lang="ko-KR" altLang="en-US"/>
           </a:p>
@@ -1164,7 +1164,7 @@
           <a:p>
             <a:fld id="{FB30EDBD-1C2D-4C1E-B459-B60219FAB484}" type="datetimeFigureOut">
               <a:rPr lang="ko-KR" altLang="en-US" smtClean="0"/>
-              <a:t>2018-08-26</a:t>
+              <a:t>2018-08-28</a:t>
             </a:fld>
             <a:endParaRPr lang="ko-KR" altLang="en-US"/>
           </a:p>
@@ -1327,7 +1327,7 @@
           <a:p>
             <a:fld id="{FB30EDBD-1C2D-4C1E-B459-B60219FAB484}" type="datetimeFigureOut">
               <a:rPr lang="ko-KR" altLang="en-US" smtClean="0"/>
-              <a:t>2018-08-26</a:t>
+              <a:t>2018-08-28</a:t>
             </a:fld>
             <a:endParaRPr lang="ko-KR" altLang="en-US"/>
           </a:p>
@@ -1567,7 +1567,7 @@
           <a:p>
             <a:fld id="{FB30EDBD-1C2D-4C1E-B459-B60219FAB484}" type="datetimeFigureOut">
               <a:rPr lang="ko-KR" altLang="en-US" smtClean="0"/>
-              <a:t>2018-08-26</a:t>
+              <a:t>2018-08-28</a:t>
             </a:fld>
             <a:endParaRPr lang="ko-KR" altLang="en-US"/>
           </a:p>
@@ -1847,7 +1847,7 @@
           <a:p>
             <a:fld id="{FB30EDBD-1C2D-4C1E-B459-B60219FAB484}" type="datetimeFigureOut">
               <a:rPr lang="ko-KR" altLang="en-US" smtClean="0"/>
-              <a:t>2018-08-26</a:t>
+              <a:t>2018-08-28</a:t>
             </a:fld>
             <a:endParaRPr lang="ko-KR" altLang="en-US"/>
           </a:p>
@@ -2261,7 +2261,7 @@
           <a:p>
             <a:fld id="{FB30EDBD-1C2D-4C1E-B459-B60219FAB484}" type="datetimeFigureOut">
               <a:rPr lang="ko-KR" altLang="en-US" smtClean="0"/>
-              <a:t>2018-08-26</a:t>
+              <a:t>2018-08-28</a:t>
             </a:fld>
             <a:endParaRPr lang="ko-KR" altLang="en-US"/>
           </a:p>
@@ -2373,7 +2373,7 @@
           <a:p>
             <a:fld id="{FB30EDBD-1C2D-4C1E-B459-B60219FAB484}" type="datetimeFigureOut">
               <a:rPr lang="ko-KR" altLang="en-US" smtClean="0"/>
-              <a:t>2018-08-26</a:t>
+              <a:t>2018-08-28</a:t>
             </a:fld>
             <a:endParaRPr lang="ko-KR" altLang="en-US"/>
           </a:p>
@@ -2463,7 +2463,7 @@
           <a:p>
             <a:fld id="{FB30EDBD-1C2D-4C1E-B459-B60219FAB484}" type="datetimeFigureOut">
               <a:rPr lang="ko-KR" altLang="en-US" smtClean="0"/>
-              <a:t>2018-08-26</a:t>
+              <a:t>2018-08-28</a:t>
             </a:fld>
             <a:endParaRPr lang="ko-KR" altLang="en-US"/>
           </a:p>
@@ -2733,7 +2733,7 @@
           <a:p>
             <a:fld id="{FB30EDBD-1C2D-4C1E-B459-B60219FAB484}" type="datetimeFigureOut">
               <a:rPr lang="ko-KR" altLang="en-US" smtClean="0"/>
-              <a:t>2018-08-26</a:t>
+              <a:t>2018-08-28</a:t>
             </a:fld>
             <a:endParaRPr lang="ko-KR" altLang="en-US"/>
           </a:p>
@@ -2980,7 +2980,7 @@
           <a:p>
             <a:fld id="{FB30EDBD-1C2D-4C1E-B459-B60219FAB484}" type="datetimeFigureOut">
               <a:rPr lang="ko-KR" altLang="en-US" smtClean="0"/>
-              <a:t>2018-08-26</a:t>
+              <a:t>2018-08-28</a:t>
             </a:fld>
             <a:endParaRPr lang="ko-KR" altLang="en-US"/>
           </a:p>
@@ -3186,7 +3186,7 @@
           <a:p>
             <a:fld id="{FB30EDBD-1C2D-4C1E-B459-B60219FAB484}" type="datetimeFigureOut">
               <a:rPr lang="ko-KR" altLang="en-US" smtClean="0"/>
-              <a:t>2018-08-26</a:t>
+              <a:t>2018-08-28</a:t>
             </a:fld>
             <a:endParaRPr lang="ko-KR" altLang="en-US"/>
           </a:p>
@@ -3591,7 +3591,7 @@
           <p:cNvPr id="24" name="모서리가 둥근 직사각형 44">
             <a:extLst>
               <a:ext uri="{FF2B5EF4-FFF2-40B4-BE49-F238E27FC236}">
-                <a16:creationId xmlns:a16="http://schemas.microsoft.com/office/drawing/2014/main" id="{2DBA49E2-5203-48AC-9D0B-4B3C58EE231E}"/>
+                <a16:creationId xmlns:a16="http://schemas.microsoft.com/office/drawing/2014/main" xmlns="" id="{2DBA49E2-5203-48AC-9D0B-4B3C58EE231E}"/>
               </a:ext>
             </a:extLst>
           </p:cNvPr>
@@ -3642,7 +3642,7 @@
           <p:cNvPr id="27" name="모서리가 둥근 직사각형 55">
             <a:extLst>
               <a:ext uri="{FF2B5EF4-FFF2-40B4-BE49-F238E27FC236}">
-                <a16:creationId xmlns:a16="http://schemas.microsoft.com/office/drawing/2014/main" id="{0FB88AC0-5E25-4C22-9F9F-FF062E2DDB6A}"/>
+                <a16:creationId xmlns:a16="http://schemas.microsoft.com/office/drawing/2014/main" xmlns="" id="{0FB88AC0-5E25-4C22-9F9F-FF062E2DDB6A}"/>
               </a:ext>
             </a:extLst>
           </p:cNvPr>
@@ -3703,7 +3703,7 @@
           <p:cNvPr id="43" name="모서리가 둥근 직사각형 75">
             <a:extLst>
               <a:ext uri="{FF2B5EF4-FFF2-40B4-BE49-F238E27FC236}">
-                <a16:creationId xmlns:a16="http://schemas.microsoft.com/office/drawing/2014/main" id="{9DEDB479-C1E5-4779-9F62-829F1D8593EE}"/>
+                <a16:creationId xmlns:a16="http://schemas.microsoft.com/office/drawing/2014/main" xmlns="" id="{9DEDB479-C1E5-4779-9F62-829F1D8593EE}"/>
               </a:ext>
             </a:extLst>
           </p:cNvPr>
@@ -3754,7 +3754,7 @@
           <p:cNvPr id="45" name="모서리가 둥근 직사각형 75">
             <a:extLst>
               <a:ext uri="{FF2B5EF4-FFF2-40B4-BE49-F238E27FC236}">
-                <a16:creationId xmlns:a16="http://schemas.microsoft.com/office/drawing/2014/main" id="{07DA784D-B34A-413D-A378-7A7B113637C1}"/>
+                <a16:creationId xmlns:a16="http://schemas.microsoft.com/office/drawing/2014/main" xmlns="" id="{07DA784D-B34A-413D-A378-7A7B113637C1}"/>
               </a:ext>
             </a:extLst>
           </p:cNvPr>
@@ -3805,7 +3805,7 @@
           <p:cNvPr id="46" name="모서리가 둥근 직사각형 75">
             <a:extLst>
               <a:ext uri="{FF2B5EF4-FFF2-40B4-BE49-F238E27FC236}">
-                <a16:creationId xmlns:a16="http://schemas.microsoft.com/office/drawing/2014/main" id="{2EBEE14D-89BD-4822-AD15-7105D7141912}"/>
+                <a16:creationId xmlns:a16="http://schemas.microsoft.com/office/drawing/2014/main" xmlns="" id="{2EBEE14D-89BD-4822-AD15-7105D7141912}"/>
               </a:ext>
             </a:extLst>
           </p:cNvPr>
@@ -3860,7 +3860,7 @@
           <p:cNvPr id="23" name="모서리가 둥근 직사각형 75">
             <a:extLst>
               <a:ext uri="{FF2B5EF4-FFF2-40B4-BE49-F238E27FC236}">
-                <a16:creationId xmlns:a16="http://schemas.microsoft.com/office/drawing/2014/main" id="{9DEDB479-C1E5-4779-9F62-829F1D8593EE}"/>
+                <a16:creationId xmlns:a16="http://schemas.microsoft.com/office/drawing/2014/main" xmlns="" id="{9DEDB479-C1E5-4779-9F62-829F1D8593EE}"/>
               </a:ext>
             </a:extLst>
           </p:cNvPr>
@@ -4047,7 +4047,7 @@
           <p:cNvPr id="34" name="모서리가 둥근 직사각형 44">
             <a:extLst>
               <a:ext uri="{FF2B5EF4-FFF2-40B4-BE49-F238E27FC236}">
-                <a16:creationId xmlns:a16="http://schemas.microsoft.com/office/drawing/2014/main" id="{2DBA49E2-5203-48AC-9D0B-4B3C58EE231E}"/>
+                <a16:creationId xmlns:a16="http://schemas.microsoft.com/office/drawing/2014/main" xmlns="" id="{2DBA49E2-5203-48AC-9D0B-4B3C58EE231E}"/>
               </a:ext>
             </a:extLst>
           </p:cNvPr>
@@ -4101,7 +4101,7 @@
           <p:cNvPr id="25" name="직선 화살표 연결선 24">
             <a:extLst>
               <a:ext uri="{FF2B5EF4-FFF2-40B4-BE49-F238E27FC236}">
-                <a16:creationId xmlns:a16="http://schemas.microsoft.com/office/drawing/2014/main" id="{0322715C-2F82-4D9D-A92F-23E8E273B0BD}"/>
+                <a16:creationId xmlns:a16="http://schemas.microsoft.com/office/drawing/2014/main" xmlns="" id="{0322715C-2F82-4D9D-A92F-23E8E273B0BD}"/>
               </a:ext>
             </a:extLst>
           </p:cNvPr>
@@ -4148,7 +4148,7 @@
           <p:cNvPr id="8" name="모서리가 둥근 직사각형 75">
             <a:extLst>
               <a:ext uri="{FF2B5EF4-FFF2-40B4-BE49-F238E27FC236}">
-                <a16:creationId xmlns:a16="http://schemas.microsoft.com/office/drawing/2014/main" id="{9DEDB479-C1E5-4779-9F62-829F1D8593EE}"/>
+                <a16:creationId xmlns:a16="http://schemas.microsoft.com/office/drawing/2014/main" xmlns="" id="{9DEDB479-C1E5-4779-9F62-829F1D8593EE}"/>
               </a:ext>
             </a:extLst>
           </p:cNvPr>
@@ -4341,7 +4341,7 @@
           <p:cNvPr id="3" name="모서리가 둥근 직사각형 44">
             <a:extLst>
               <a:ext uri="{FF2B5EF4-FFF2-40B4-BE49-F238E27FC236}">
-                <a16:creationId xmlns:a16="http://schemas.microsoft.com/office/drawing/2014/main" id="{2DBA49E2-5203-48AC-9D0B-4B3C58EE231E}"/>
+                <a16:creationId xmlns:a16="http://schemas.microsoft.com/office/drawing/2014/main" xmlns="" id="{2DBA49E2-5203-48AC-9D0B-4B3C58EE231E}"/>
               </a:ext>
             </a:extLst>
           </p:cNvPr>
@@ -4397,7 +4397,7 @@
           <p:cNvPr id="4" name="모서리가 둥근 직사각형 44">
             <a:extLst>
               <a:ext uri="{FF2B5EF4-FFF2-40B4-BE49-F238E27FC236}">
-                <a16:creationId xmlns:a16="http://schemas.microsoft.com/office/drawing/2014/main" id="{2DBA49E2-5203-48AC-9D0B-4B3C58EE231E}"/>
+                <a16:creationId xmlns:a16="http://schemas.microsoft.com/office/drawing/2014/main" xmlns="" id="{2DBA49E2-5203-48AC-9D0B-4B3C58EE231E}"/>
               </a:ext>
             </a:extLst>
           </p:cNvPr>
@@ -4452,7 +4452,7 @@
           <p:nvPr>
             <p:extLst>
               <p:ext uri="{D42A27DB-BD31-4B8C-83A1-F6EECF244321}">
-                <p14:modId xmlns:p14="http://schemas.microsoft.com/office/powerpoint/2010/main" val="3299842159"/>
+                <p14:modId xmlns:p14="http://schemas.microsoft.com/office/powerpoint/2010/main" val="4146136023"/>
               </p:ext>
             </p:extLst>
           </p:nvPr>
@@ -4471,21 +4471,21 @@
                 <a:gridCol w="1556156">
                   <a:extLst>
                     <a:ext uri="{9D8B030D-6E8A-4147-A177-3AD203B41FA5}">
-                      <a16:colId xmlns:a16="http://schemas.microsoft.com/office/drawing/2014/main" val="20000"/>
+                      <a16:colId xmlns:a16="http://schemas.microsoft.com/office/drawing/2014/main" xmlns="" val="20000"/>
                     </a:ext>
                   </a:extLst>
                 </a:gridCol>
                 <a:gridCol w="936104">
                   <a:extLst>
                     <a:ext uri="{9D8B030D-6E8A-4147-A177-3AD203B41FA5}">
-                      <a16:colId xmlns:a16="http://schemas.microsoft.com/office/drawing/2014/main" val="2132610268"/>
+                      <a16:colId xmlns:a16="http://schemas.microsoft.com/office/drawing/2014/main" xmlns="" val="2132610268"/>
                     </a:ext>
                   </a:extLst>
                 </a:gridCol>
                 <a:gridCol w="764069">
                   <a:extLst>
                     <a:ext uri="{9D8B030D-6E8A-4147-A177-3AD203B41FA5}">
-                      <a16:colId xmlns:a16="http://schemas.microsoft.com/office/drawing/2014/main" val="20001"/>
+                      <a16:colId xmlns:a16="http://schemas.microsoft.com/office/drawing/2014/main" xmlns="" val="20001"/>
                     </a:ext>
                   </a:extLst>
                 </a:gridCol>
@@ -4498,8 +4498,8 @@
                     <a:p>
                       <a:pPr latinLnBrk="1"/>
                       <a:r>
-                        <a:rPr lang="en-US" altLang="ko-KR" sz="1400" dirty="0"/>
-                        <a:t>10.0.0.1/24</a:t>
+                        <a:rPr lang="en-US" altLang="ko-KR" sz="1400" dirty="0" smtClean="0"/>
+                        <a:t>10.0.0.0/24</a:t>
                       </a:r>
                       <a:endParaRPr lang="ko-KR" altLang="en-US" sz="1400" dirty="0"/>
                     </a:p>
@@ -4649,7 +4649,7 @@
                 </a:tc>
                 <a:extLst>
                   <a:ext uri="{0D108BD9-81ED-4DB2-BD59-A6C34878D82A}">
-                    <a16:rowId xmlns:a16="http://schemas.microsoft.com/office/drawing/2014/main" val="10000"/>
+                    <a16:rowId xmlns:a16="http://schemas.microsoft.com/office/drawing/2014/main" xmlns="" val="10000"/>
                   </a:ext>
                 </a:extLst>
               </a:tr>
@@ -4661,8 +4661,8 @@
                     <a:p>
                       <a:pPr latinLnBrk="1"/>
                       <a:r>
-                        <a:rPr lang="en-US" altLang="ko-KR" sz="1400"/>
-                        <a:t>192.168.3.192/24</a:t>
+                        <a:rPr lang="en-US" altLang="ko-KR" sz="1400" dirty="0" smtClean="0"/>
+                        <a:t>192.168.3.0/24</a:t>
                       </a:r>
                       <a:endParaRPr lang="ko-KR" altLang="en-US" sz="1400" dirty="0"/>
                     </a:p>
@@ -4812,7 +4812,7 @@
                 </a:tc>
                 <a:extLst>
                   <a:ext uri="{0D108BD9-81ED-4DB2-BD59-A6C34878D82A}">
-                    <a16:rowId xmlns:a16="http://schemas.microsoft.com/office/drawing/2014/main" val="10001"/>
+                    <a16:rowId xmlns:a16="http://schemas.microsoft.com/office/drawing/2014/main" xmlns="" val="10001"/>
                   </a:ext>
                 </a:extLst>
               </a:tr>
@@ -4975,7 +4975,7 @@
                 </a:tc>
                 <a:extLst>
                   <a:ext uri="{0D108BD9-81ED-4DB2-BD59-A6C34878D82A}">
-                    <a16:rowId xmlns:a16="http://schemas.microsoft.com/office/drawing/2014/main" val="10002"/>
+                    <a16:rowId xmlns:a16="http://schemas.microsoft.com/office/drawing/2014/main" xmlns="" val="10002"/>
                   </a:ext>
                 </a:extLst>
               </a:tr>
@@ -4988,7 +4988,7 @@
           <p:cNvPr id="7" name="모서리가 둥근 직사각형 44">
             <a:extLst>
               <a:ext uri="{FF2B5EF4-FFF2-40B4-BE49-F238E27FC236}">
-                <a16:creationId xmlns:a16="http://schemas.microsoft.com/office/drawing/2014/main" id="{2DBA49E2-5203-48AC-9D0B-4B3C58EE231E}"/>
+                <a16:creationId xmlns:a16="http://schemas.microsoft.com/office/drawing/2014/main" xmlns="" id="{2DBA49E2-5203-48AC-9D0B-4B3C58EE231E}"/>
               </a:ext>
             </a:extLst>
           </p:cNvPr>
@@ -5039,7 +5039,7 @@
           <p:cNvPr id="8" name="모서리가 둥근 직사각형 44">
             <a:extLst>
               <a:ext uri="{FF2B5EF4-FFF2-40B4-BE49-F238E27FC236}">
-                <a16:creationId xmlns:a16="http://schemas.microsoft.com/office/drawing/2014/main" id="{2DBA49E2-5203-48AC-9D0B-4B3C58EE231E}"/>
+                <a16:creationId xmlns:a16="http://schemas.microsoft.com/office/drawing/2014/main" xmlns="" id="{2DBA49E2-5203-48AC-9D0B-4B3C58EE231E}"/>
               </a:ext>
             </a:extLst>
           </p:cNvPr>
@@ -5128,7 +5128,7 @@
           <p:cNvPr id="11" name="모서리가 둥근 직사각형 44">
             <a:extLst>
               <a:ext uri="{FF2B5EF4-FFF2-40B4-BE49-F238E27FC236}">
-                <a16:creationId xmlns:a16="http://schemas.microsoft.com/office/drawing/2014/main" id="{2DBA49E2-5203-48AC-9D0B-4B3C58EE231E}"/>
+                <a16:creationId xmlns:a16="http://schemas.microsoft.com/office/drawing/2014/main" xmlns="" id="{2DBA49E2-5203-48AC-9D0B-4B3C58EE231E}"/>
               </a:ext>
             </a:extLst>
           </p:cNvPr>
@@ -5182,7 +5182,7 @@
           <p:cNvPr id="13" name="모서리가 둥근 직사각형 44">
             <a:extLst>
               <a:ext uri="{FF2B5EF4-FFF2-40B4-BE49-F238E27FC236}">
-                <a16:creationId xmlns:a16="http://schemas.microsoft.com/office/drawing/2014/main" id="{2DBA49E2-5203-48AC-9D0B-4B3C58EE231E}"/>
+                <a16:creationId xmlns:a16="http://schemas.microsoft.com/office/drawing/2014/main" xmlns="" id="{2DBA49E2-5203-48AC-9D0B-4B3C58EE231E}"/>
               </a:ext>
             </a:extLst>
           </p:cNvPr>
@@ -5233,7 +5233,7 @@
           <p:cNvPr id="14" name="모서리가 둥근 직사각형 44">
             <a:extLst>
               <a:ext uri="{FF2B5EF4-FFF2-40B4-BE49-F238E27FC236}">
-                <a16:creationId xmlns:a16="http://schemas.microsoft.com/office/drawing/2014/main" id="{2DBA49E2-5203-48AC-9D0B-4B3C58EE231E}"/>
+                <a16:creationId xmlns:a16="http://schemas.microsoft.com/office/drawing/2014/main" xmlns="" id="{2DBA49E2-5203-48AC-9D0B-4B3C58EE231E}"/>
               </a:ext>
             </a:extLst>
           </p:cNvPr>
@@ -5291,7 +5291,7 @@
           <p:cNvPr id="15" name="모서리가 둥근 직사각형 44">
             <a:extLst>
               <a:ext uri="{FF2B5EF4-FFF2-40B4-BE49-F238E27FC236}">
-                <a16:creationId xmlns:a16="http://schemas.microsoft.com/office/drawing/2014/main" id="{2DBA49E2-5203-48AC-9D0B-4B3C58EE231E}"/>
+                <a16:creationId xmlns:a16="http://schemas.microsoft.com/office/drawing/2014/main" xmlns="" id="{2DBA49E2-5203-48AC-9D0B-4B3C58EE231E}"/>
               </a:ext>
             </a:extLst>
           </p:cNvPr>
@@ -5346,7 +5346,7 @@
           <p:nvPr>
             <p:extLst>
               <p:ext uri="{D42A27DB-BD31-4B8C-83A1-F6EECF244321}">
-                <p14:modId xmlns:p14="http://schemas.microsoft.com/office/powerpoint/2010/main" val="3346343956"/>
+                <p14:modId xmlns:p14="http://schemas.microsoft.com/office/powerpoint/2010/main" val="437680378"/>
               </p:ext>
             </p:extLst>
           </p:nvPr>
@@ -5365,21 +5365,21 @@
                 <a:gridCol w="1556156">
                   <a:extLst>
                     <a:ext uri="{9D8B030D-6E8A-4147-A177-3AD203B41FA5}">
-                      <a16:colId xmlns:a16="http://schemas.microsoft.com/office/drawing/2014/main" val="20000"/>
+                      <a16:colId xmlns:a16="http://schemas.microsoft.com/office/drawing/2014/main" xmlns="" val="20000"/>
                     </a:ext>
                   </a:extLst>
                 </a:gridCol>
                 <a:gridCol w="936104">
                   <a:extLst>
                     <a:ext uri="{9D8B030D-6E8A-4147-A177-3AD203B41FA5}">
-                      <a16:colId xmlns:a16="http://schemas.microsoft.com/office/drawing/2014/main" val="2983524949"/>
+                      <a16:colId xmlns:a16="http://schemas.microsoft.com/office/drawing/2014/main" xmlns="" val="2983524949"/>
                     </a:ext>
                   </a:extLst>
                 </a:gridCol>
                 <a:gridCol w="764069">
                   <a:extLst>
                     <a:ext uri="{9D8B030D-6E8A-4147-A177-3AD203B41FA5}">
-                      <a16:colId xmlns:a16="http://schemas.microsoft.com/office/drawing/2014/main" val="20001"/>
+                      <a16:colId xmlns:a16="http://schemas.microsoft.com/office/drawing/2014/main" xmlns="" val="20001"/>
                     </a:ext>
                   </a:extLst>
                 </a:gridCol>
@@ -5392,8 +5392,8 @@
                     <a:p>
                       <a:pPr latinLnBrk="1"/>
                       <a:r>
-                        <a:rPr lang="en-US" altLang="ko-KR" sz="1400" dirty="0"/>
-                        <a:t>10.0.0.1/24</a:t>
+                        <a:rPr lang="en-US" altLang="ko-KR" sz="1400" dirty="0" smtClean="0"/>
+                        <a:t>10.0.0.0/24</a:t>
                       </a:r>
                       <a:endParaRPr lang="ko-KR" altLang="en-US" sz="1400" dirty="0"/>
                     </a:p>
@@ -5543,7 +5543,7 @@
                 </a:tc>
                 <a:extLst>
                   <a:ext uri="{0D108BD9-81ED-4DB2-BD59-A6C34878D82A}">
-                    <a16:rowId xmlns:a16="http://schemas.microsoft.com/office/drawing/2014/main" val="10000"/>
+                    <a16:rowId xmlns:a16="http://schemas.microsoft.com/office/drawing/2014/main" xmlns="" val="10000"/>
                   </a:ext>
                 </a:extLst>
               </a:tr>
@@ -5555,8 +5555,8 @@
                     <a:p>
                       <a:pPr latinLnBrk="1"/>
                       <a:r>
-                        <a:rPr lang="en-US" altLang="ko-KR" sz="1400"/>
-                        <a:t>192.168.2.192/24</a:t>
+                        <a:rPr lang="en-US" altLang="ko-KR" sz="1400" dirty="0" smtClean="0"/>
+                        <a:t>192.168.2.0/24</a:t>
                       </a:r>
                       <a:endParaRPr lang="ko-KR" altLang="en-US" sz="1400" dirty="0"/>
                     </a:p>
@@ -5706,7 +5706,7 @@
                 </a:tc>
                 <a:extLst>
                   <a:ext uri="{0D108BD9-81ED-4DB2-BD59-A6C34878D82A}">
-                    <a16:rowId xmlns:a16="http://schemas.microsoft.com/office/drawing/2014/main" val="10001"/>
+                    <a16:rowId xmlns:a16="http://schemas.microsoft.com/office/drawing/2014/main" xmlns="" val="10001"/>
                   </a:ext>
                 </a:extLst>
               </a:tr>
@@ -5869,7 +5869,7 @@
                 </a:tc>
                 <a:extLst>
                   <a:ext uri="{0D108BD9-81ED-4DB2-BD59-A6C34878D82A}">
-                    <a16:rowId xmlns:a16="http://schemas.microsoft.com/office/drawing/2014/main" val="10002"/>
+                    <a16:rowId xmlns:a16="http://schemas.microsoft.com/office/drawing/2014/main" xmlns="" val="10002"/>
                   </a:ext>
                 </a:extLst>
               </a:tr>
@@ -5882,7 +5882,7 @@
           <p:cNvPr id="17" name="모서리가 둥근 직사각형 44">
             <a:extLst>
               <a:ext uri="{FF2B5EF4-FFF2-40B4-BE49-F238E27FC236}">
-                <a16:creationId xmlns:a16="http://schemas.microsoft.com/office/drawing/2014/main" id="{2DBA49E2-5203-48AC-9D0B-4B3C58EE231E}"/>
+                <a16:creationId xmlns:a16="http://schemas.microsoft.com/office/drawing/2014/main" xmlns="" id="{2DBA49E2-5203-48AC-9D0B-4B3C58EE231E}"/>
               </a:ext>
             </a:extLst>
           </p:cNvPr>
@@ -5933,7 +5933,7 @@
           <p:cNvPr id="18" name="모서리가 둥근 직사각형 44">
             <a:extLst>
               <a:ext uri="{FF2B5EF4-FFF2-40B4-BE49-F238E27FC236}">
-                <a16:creationId xmlns:a16="http://schemas.microsoft.com/office/drawing/2014/main" id="{2DBA49E2-5203-48AC-9D0B-4B3C58EE231E}"/>
+                <a16:creationId xmlns:a16="http://schemas.microsoft.com/office/drawing/2014/main" xmlns="" id="{2DBA49E2-5203-48AC-9D0B-4B3C58EE231E}"/>
               </a:ext>
             </a:extLst>
           </p:cNvPr>
@@ -6022,7 +6022,7 @@
           <p:cNvPr id="20" name="모서리가 둥근 직사각형 44">
             <a:extLst>
               <a:ext uri="{FF2B5EF4-FFF2-40B4-BE49-F238E27FC236}">
-                <a16:creationId xmlns:a16="http://schemas.microsoft.com/office/drawing/2014/main" id="{2DBA49E2-5203-48AC-9D0B-4B3C58EE231E}"/>
+                <a16:creationId xmlns:a16="http://schemas.microsoft.com/office/drawing/2014/main" xmlns="" id="{2DBA49E2-5203-48AC-9D0B-4B3C58EE231E}"/>
               </a:ext>
             </a:extLst>
           </p:cNvPr>
@@ -6076,7 +6076,7 @@
           <p:cNvPr id="21" name="모서리가 둥근 직사각형 44">
             <a:extLst>
               <a:ext uri="{FF2B5EF4-FFF2-40B4-BE49-F238E27FC236}">
-                <a16:creationId xmlns:a16="http://schemas.microsoft.com/office/drawing/2014/main" id="{2DBA49E2-5203-48AC-9D0B-4B3C58EE231E}"/>
+                <a16:creationId xmlns:a16="http://schemas.microsoft.com/office/drawing/2014/main" xmlns="" id="{2DBA49E2-5203-48AC-9D0B-4B3C58EE231E}"/>
               </a:ext>
             </a:extLst>
           </p:cNvPr>
@@ -6166,7 +6166,7 @@
           <p:cNvPr id="27" name="모서리가 둥근 직사각형 44">
             <a:extLst>
               <a:ext uri="{FF2B5EF4-FFF2-40B4-BE49-F238E27FC236}">
-                <a16:creationId xmlns:a16="http://schemas.microsoft.com/office/drawing/2014/main" id="{2DBA49E2-5203-48AC-9D0B-4B3C58EE231E}"/>
+                <a16:creationId xmlns:a16="http://schemas.microsoft.com/office/drawing/2014/main" xmlns="" id="{2DBA49E2-5203-48AC-9D0B-4B3C58EE231E}"/>
               </a:ext>
             </a:extLst>
           </p:cNvPr>
@@ -6220,7 +6220,7 @@
           <p:cNvPr id="30" name="모서리가 둥근 직사각형 44">
             <a:extLst>
               <a:ext uri="{FF2B5EF4-FFF2-40B4-BE49-F238E27FC236}">
-                <a16:creationId xmlns:a16="http://schemas.microsoft.com/office/drawing/2014/main" id="{2DBA49E2-5203-48AC-9D0B-4B3C58EE231E}"/>
+                <a16:creationId xmlns:a16="http://schemas.microsoft.com/office/drawing/2014/main" xmlns="" id="{2DBA49E2-5203-48AC-9D0B-4B3C58EE231E}"/>
               </a:ext>
             </a:extLst>
           </p:cNvPr>
@@ -6274,7 +6274,7 @@
           <p:cNvPr id="31" name="모서리가 둥근 직사각형 44">
             <a:extLst>
               <a:ext uri="{FF2B5EF4-FFF2-40B4-BE49-F238E27FC236}">
-                <a16:creationId xmlns:a16="http://schemas.microsoft.com/office/drawing/2014/main" id="{2DBA49E2-5203-48AC-9D0B-4B3C58EE231E}"/>
+                <a16:creationId xmlns:a16="http://schemas.microsoft.com/office/drawing/2014/main" xmlns="" id="{2DBA49E2-5203-48AC-9D0B-4B3C58EE231E}"/>
               </a:ext>
             </a:extLst>
           </p:cNvPr>

--- a/images/theory_analysis/Kubernetes_Calico_Plugin/Kubernetes_Calico_Plugin.pptx
+++ b/images/theory_analysis/Kubernetes_Calico_Plugin/Kubernetes_Calico_Plugin.pptx
@@ -110,7 +110,7 @@
   </p:defaultTextStyle>
   <p:extLst>
     <p:ext uri="{EFAFB233-063F-42B5-8137-9DF3F51BA10A}">
-      <p15:sldGuideLst xmlns:p15="http://schemas.microsoft.com/office/powerpoint/2012/main" xmlns="">
+      <p15:sldGuideLst xmlns:p15="http://schemas.microsoft.com/office/powerpoint/2012/main">
         <p15:guide id="1" orient="horz" pos="2160">
           <p15:clr>
             <a:srgbClr val="A4A3A4"/>
@@ -214,7 +214,7 @@
           <a:p>
             <a:fld id="{6CD5550B-26C4-49A9-A5BA-636EF7BE6CE9}" type="datetimeFigureOut">
               <a:rPr lang="ko-KR" altLang="en-US" smtClean="0"/>
-              <a:t>2018-08-28</a:t>
+              <a:t>2018-11-14</a:t>
             </a:fld>
             <a:endParaRPr lang="ko-KR" altLang="en-US"/>
           </a:p>
@@ -828,7 +828,7 @@
           <a:p>
             <a:fld id="{FB30EDBD-1C2D-4C1E-B459-B60219FAB484}" type="datetimeFigureOut">
               <a:rPr lang="ko-KR" altLang="en-US" smtClean="0"/>
-              <a:t>2018-08-28</a:t>
+              <a:t>2018-11-14</a:t>
             </a:fld>
             <a:endParaRPr lang="ko-KR" altLang="en-US"/>
           </a:p>
@@ -991,7 +991,7 @@
           <a:p>
             <a:fld id="{FB30EDBD-1C2D-4C1E-B459-B60219FAB484}" type="datetimeFigureOut">
               <a:rPr lang="ko-KR" altLang="en-US" smtClean="0"/>
-              <a:t>2018-08-28</a:t>
+              <a:t>2018-11-14</a:t>
             </a:fld>
             <a:endParaRPr lang="ko-KR" altLang="en-US"/>
           </a:p>
@@ -1164,7 +1164,7 @@
           <a:p>
             <a:fld id="{FB30EDBD-1C2D-4C1E-B459-B60219FAB484}" type="datetimeFigureOut">
               <a:rPr lang="ko-KR" altLang="en-US" smtClean="0"/>
-              <a:t>2018-08-28</a:t>
+              <a:t>2018-11-14</a:t>
             </a:fld>
             <a:endParaRPr lang="ko-KR" altLang="en-US"/>
           </a:p>
@@ -1327,7 +1327,7 @@
           <a:p>
             <a:fld id="{FB30EDBD-1C2D-4C1E-B459-B60219FAB484}" type="datetimeFigureOut">
               <a:rPr lang="ko-KR" altLang="en-US" smtClean="0"/>
-              <a:t>2018-08-28</a:t>
+              <a:t>2018-11-14</a:t>
             </a:fld>
             <a:endParaRPr lang="ko-KR" altLang="en-US"/>
           </a:p>
@@ -1567,7 +1567,7 @@
           <a:p>
             <a:fld id="{FB30EDBD-1C2D-4C1E-B459-B60219FAB484}" type="datetimeFigureOut">
               <a:rPr lang="ko-KR" altLang="en-US" smtClean="0"/>
-              <a:t>2018-08-28</a:t>
+              <a:t>2018-11-14</a:t>
             </a:fld>
             <a:endParaRPr lang="ko-KR" altLang="en-US"/>
           </a:p>
@@ -1847,7 +1847,7 @@
           <a:p>
             <a:fld id="{FB30EDBD-1C2D-4C1E-B459-B60219FAB484}" type="datetimeFigureOut">
               <a:rPr lang="ko-KR" altLang="en-US" smtClean="0"/>
-              <a:t>2018-08-28</a:t>
+              <a:t>2018-11-14</a:t>
             </a:fld>
             <a:endParaRPr lang="ko-KR" altLang="en-US"/>
           </a:p>
@@ -2261,7 +2261,7 @@
           <a:p>
             <a:fld id="{FB30EDBD-1C2D-4C1E-B459-B60219FAB484}" type="datetimeFigureOut">
               <a:rPr lang="ko-KR" altLang="en-US" smtClean="0"/>
-              <a:t>2018-08-28</a:t>
+              <a:t>2018-11-14</a:t>
             </a:fld>
             <a:endParaRPr lang="ko-KR" altLang="en-US"/>
           </a:p>
@@ -2373,7 +2373,7 @@
           <a:p>
             <a:fld id="{FB30EDBD-1C2D-4C1E-B459-B60219FAB484}" type="datetimeFigureOut">
               <a:rPr lang="ko-KR" altLang="en-US" smtClean="0"/>
-              <a:t>2018-08-28</a:t>
+              <a:t>2018-11-14</a:t>
             </a:fld>
             <a:endParaRPr lang="ko-KR" altLang="en-US"/>
           </a:p>
@@ -2463,7 +2463,7 @@
           <a:p>
             <a:fld id="{FB30EDBD-1C2D-4C1E-B459-B60219FAB484}" type="datetimeFigureOut">
               <a:rPr lang="ko-KR" altLang="en-US" smtClean="0"/>
-              <a:t>2018-08-28</a:t>
+              <a:t>2018-11-14</a:t>
             </a:fld>
             <a:endParaRPr lang="ko-KR" altLang="en-US"/>
           </a:p>
@@ -2733,7 +2733,7 @@
           <a:p>
             <a:fld id="{FB30EDBD-1C2D-4C1E-B459-B60219FAB484}" type="datetimeFigureOut">
               <a:rPr lang="ko-KR" altLang="en-US" smtClean="0"/>
-              <a:t>2018-08-28</a:t>
+              <a:t>2018-11-14</a:t>
             </a:fld>
             <a:endParaRPr lang="ko-KR" altLang="en-US"/>
           </a:p>
@@ -2980,7 +2980,7 @@
           <a:p>
             <a:fld id="{FB30EDBD-1C2D-4C1E-B459-B60219FAB484}" type="datetimeFigureOut">
               <a:rPr lang="ko-KR" altLang="en-US" smtClean="0"/>
-              <a:t>2018-08-28</a:t>
+              <a:t>2018-11-14</a:t>
             </a:fld>
             <a:endParaRPr lang="ko-KR" altLang="en-US"/>
           </a:p>
@@ -3186,7 +3186,7 @@
           <a:p>
             <a:fld id="{FB30EDBD-1C2D-4C1E-B459-B60219FAB484}" type="datetimeFigureOut">
               <a:rPr lang="ko-KR" altLang="en-US" smtClean="0"/>
-              <a:t>2018-08-28</a:t>
+              <a:t>2018-11-14</a:t>
             </a:fld>
             <a:endParaRPr lang="ko-KR" altLang="en-US"/>
           </a:p>
@@ -3591,7 +3591,7 @@
           <p:cNvPr id="24" name="모서리가 둥근 직사각형 44">
             <a:extLst>
               <a:ext uri="{FF2B5EF4-FFF2-40B4-BE49-F238E27FC236}">
-                <a16:creationId xmlns:a16="http://schemas.microsoft.com/office/drawing/2014/main" xmlns="" id="{2DBA49E2-5203-48AC-9D0B-4B3C58EE231E}"/>
+                <a16:creationId xmlns:a16="http://schemas.microsoft.com/office/drawing/2014/main" id="{2DBA49E2-5203-48AC-9D0B-4B3C58EE231E}"/>
               </a:ext>
             </a:extLst>
           </p:cNvPr>
@@ -3642,7 +3642,7 @@
           <p:cNvPr id="27" name="모서리가 둥근 직사각형 55">
             <a:extLst>
               <a:ext uri="{FF2B5EF4-FFF2-40B4-BE49-F238E27FC236}">
-                <a16:creationId xmlns:a16="http://schemas.microsoft.com/office/drawing/2014/main" xmlns="" id="{0FB88AC0-5E25-4C22-9F9F-FF062E2DDB6A}"/>
+                <a16:creationId xmlns:a16="http://schemas.microsoft.com/office/drawing/2014/main" id="{0FB88AC0-5E25-4C22-9F9F-FF062E2DDB6A}"/>
               </a:ext>
             </a:extLst>
           </p:cNvPr>
@@ -3703,7 +3703,7 @@
           <p:cNvPr id="43" name="모서리가 둥근 직사각형 75">
             <a:extLst>
               <a:ext uri="{FF2B5EF4-FFF2-40B4-BE49-F238E27FC236}">
-                <a16:creationId xmlns:a16="http://schemas.microsoft.com/office/drawing/2014/main" xmlns="" id="{9DEDB479-C1E5-4779-9F62-829F1D8593EE}"/>
+                <a16:creationId xmlns:a16="http://schemas.microsoft.com/office/drawing/2014/main" id="{9DEDB479-C1E5-4779-9F62-829F1D8593EE}"/>
               </a:ext>
             </a:extLst>
           </p:cNvPr>
@@ -3754,7 +3754,7 @@
           <p:cNvPr id="45" name="모서리가 둥근 직사각형 75">
             <a:extLst>
               <a:ext uri="{FF2B5EF4-FFF2-40B4-BE49-F238E27FC236}">
-                <a16:creationId xmlns:a16="http://schemas.microsoft.com/office/drawing/2014/main" xmlns="" id="{07DA784D-B34A-413D-A378-7A7B113637C1}"/>
+                <a16:creationId xmlns:a16="http://schemas.microsoft.com/office/drawing/2014/main" id="{07DA784D-B34A-413D-A378-7A7B113637C1}"/>
               </a:ext>
             </a:extLst>
           </p:cNvPr>
@@ -3805,7 +3805,7 @@
           <p:cNvPr id="46" name="모서리가 둥근 직사각형 75">
             <a:extLst>
               <a:ext uri="{FF2B5EF4-FFF2-40B4-BE49-F238E27FC236}">
-                <a16:creationId xmlns:a16="http://schemas.microsoft.com/office/drawing/2014/main" xmlns="" id="{2EBEE14D-89BD-4822-AD15-7105D7141912}"/>
+                <a16:creationId xmlns:a16="http://schemas.microsoft.com/office/drawing/2014/main" id="{2EBEE14D-89BD-4822-AD15-7105D7141912}"/>
               </a:ext>
             </a:extLst>
           </p:cNvPr>
@@ -3860,7 +3860,7 @@
           <p:cNvPr id="23" name="모서리가 둥근 직사각형 75">
             <a:extLst>
               <a:ext uri="{FF2B5EF4-FFF2-40B4-BE49-F238E27FC236}">
-                <a16:creationId xmlns:a16="http://schemas.microsoft.com/office/drawing/2014/main" xmlns="" id="{9DEDB479-C1E5-4779-9F62-829F1D8593EE}"/>
+                <a16:creationId xmlns:a16="http://schemas.microsoft.com/office/drawing/2014/main" id="{9DEDB479-C1E5-4779-9F62-829F1D8593EE}"/>
               </a:ext>
             </a:extLst>
           </p:cNvPr>
@@ -4047,7 +4047,7 @@
           <p:cNvPr id="34" name="모서리가 둥근 직사각형 44">
             <a:extLst>
               <a:ext uri="{FF2B5EF4-FFF2-40B4-BE49-F238E27FC236}">
-                <a16:creationId xmlns:a16="http://schemas.microsoft.com/office/drawing/2014/main" xmlns="" id="{2DBA49E2-5203-48AC-9D0B-4B3C58EE231E}"/>
+                <a16:creationId xmlns:a16="http://schemas.microsoft.com/office/drawing/2014/main" id="{2DBA49E2-5203-48AC-9D0B-4B3C58EE231E}"/>
               </a:ext>
             </a:extLst>
           </p:cNvPr>
@@ -4101,7 +4101,7 @@
           <p:cNvPr id="25" name="직선 화살표 연결선 24">
             <a:extLst>
               <a:ext uri="{FF2B5EF4-FFF2-40B4-BE49-F238E27FC236}">
-                <a16:creationId xmlns:a16="http://schemas.microsoft.com/office/drawing/2014/main" xmlns="" id="{0322715C-2F82-4D9D-A92F-23E8E273B0BD}"/>
+                <a16:creationId xmlns:a16="http://schemas.microsoft.com/office/drawing/2014/main" id="{0322715C-2F82-4D9D-A92F-23E8E273B0BD}"/>
               </a:ext>
             </a:extLst>
           </p:cNvPr>
@@ -4148,7 +4148,7 @@
           <p:cNvPr id="8" name="모서리가 둥근 직사각형 75">
             <a:extLst>
               <a:ext uri="{FF2B5EF4-FFF2-40B4-BE49-F238E27FC236}">
-                <a16:creationId xmlns:a16="http://schemas.microsoft.com/office/drawing/2014/main" xmlns="" id="{9DEDB479-C1E5-4779-9F62-829F1D8593EE}"/>
+                <a16:creationId xmlns:a16="http://schemas.microsoft.com/office/drawing/2014/main" id="{9DEDB479-C1E5-4779-9F62-829F1D8593EE}"/>
               </a:ext>
             </a:extLst>
           </p:cNvPr>
@@ -4341,7 +4341,7 @@
           <p:cNvPr id="3" name="모서리가 둥근 직사각형 44">
             <a:extLst>
               <a:ext uri="{FF2B5EF4-FFF2-40B4-BE49-F238E27FC236}">
-                <a16:creationId xmlns:a16="http://schemas.microsoft.com/office/drawing/2014/main" xmlns="" id="{2DBA49E2-5203-48AC-9D0B-4B3C58EE231E}"/>
+                <a16:creationId xmlns:a16="http://schemas.microsoft.com/office/drawing/2014/main" id="{2DBA49E2-5203-48AC-9D0B-4B3C58EE231E}"/>
               </a:ext>
             </a:extLst>
           </p:cNvPr>
@@ -4351,7 +4351,7 @@
         <p:spPr>
           <a:xfrm>
             <a:off x="683568" y="843558"/>
-            <a:ext cx="3456384" cy="3528392"/>
+            <a:ext cx="3456384" cy="3672408"/>
           </a:xfrm>
           <a:prstGeom prst="roundRect">
             <a:avLst>
@@ -4397,7 +4397,7 @@
           <p:cNvPr id="4" name="모서리가 둥근 직사각형 44">
             <a:extLst>
               <a:ext uri="{FF2B5EF4-FFF2-40B4-BE49-F238E27FC236}">
-                <a16:creationId xmlns:a16="http://schemas.microsoft.com/office/drawing/2014/main" xmlns="" id="{2DBA49E2-5203-48AC-9D0B-4B3C58EE231E}"/>
+                <a16:creationId xmlns:a16="http://schemas.microsoft.com/office/drawing/2014/main" id="{2DBA49E2-5203-48AC-9D0B-4B3C58EE231E}"/>
               </a:ext>
             </a:extLst>
           </p:cNvPr>
@@ -4452,14 +4452,14 @@
           <p:nvPr>
             <p:extLst>
               <p:ext uri="{D42A27DB-BD31-4B8C-83A1-F6EECF244321}">
-                <p14:modId xmlns:p14="http://schemas.microsoft.com/office/powerpoint/2010/main" val="4146136023"/>
+                <p14:modId xmlns:p14="http://schemas.microsoft.com/office/powerpoint/2010/main" val="1547387844"/>
               </p:ext>
             </p:extLst>
           </p:nvPr>
         </p:nvGraphicFramePr>
         <p:xfrm>
           <a:off x="783596" y="2355726"/>
-          <a:ext cx="3256329" cy="1112520"/>
+          <a:ext cx="3256329" cy="936105"/>
         </p:xfrm>
         <a:graphic>
           <a:graphicData uri="http://schemas.openxmlformats.org/drawingml/2006/table">
@@ -4471,26 +4471,26 @@
                 <a:gridCol w="1556156">
                   <a:extLst>
                     <a:ext uri="{9D8B030D-6E8A-4147-A177-3AD203B41FA5}">
-                      <a16:colId xmlns:a16="http://schemas.microsoft.com/office/drawing/2014/main" xmlns="" val="20000"/>
+                      <a16:colId xmlns:a16="http://schemas.microsoft.com/office/drawing/2014/main" val="20000"/>
                     </a:ext>
                   </a:extLst>
                 </a:gridCol>
                 <a:gridCol w="936104">
                   <a:extLst>
                     <a:ext uri="{9D8B030D-6E8A-4147-A177-3AD203B41FA5}">
-                      <a16:colId xmlns:a16="http://schemas.microsoft.com/office/drawing/2014/main" xmlns="" val="2132610268"/>
+                      <a16:colId xmlns:a16="http://schemas.microsoft.com/office/drawing/2014/main" val="2132610268"/>
                     </a:ext>
                   </a:extLst>
                 </a:gridCol>
                 <a:gridCol w="764069">
                   <a:extLst>
                     <a:ext uri="{9D8B030D-6E8A-4147-A177-3AD203B41FA5}">
-                      <a16:colId xmlns:a16="http://schemas.microsoft.com/office/drawing/2014/main" xmlns="" val="20001"/>
+                      <a16:colId xmlns:a16="http://schemas.microsoft.com/office/drawing/2014/main" val="20001"/>
                     </a:ext>
                   </a:extLst>
                 </a:gridCol>
               </a:tblGrid>
-              <a:tr h="370840">
+              <a:tr h="312035">
                 <a:tc>
                   <a:txBody>
                     <a:bodyPr/>
@@ -4498,7 +4498,7 @@
                     <a:p>
                       <a:pPr latinLnBrk="1"/>
                       <a:r>
-                        <a:rPr lang="en-US" altLang="ko-KR" sz="1400" dirty="0" smtClean="0"/>
+                        <a:rPr lang="en-US" altLang="ko-KR" sz="1400" dirty="0"/>
                         <a:t>10.0.0.0/24</a:t>
                       </a:r>
                       <a:endParaRPr lang="ko-KR" altLang="en-US" sz="1400" dirty="0"/>
@@ -4649,11 +4649,11 @@
                 </a:tc>
                 <a:extLst>
                   <a:ext uri="{0D108BD9-81ED-4DB2-BD59-A6C34878D82A}">
-                    <a16:rowId xmlns:a16="http://schemas.microsoft.com/office/drawing/2014/main" xmlns="" val="10000"/>
+                    <a16:rowId xmlns:a16="http://schemas.microsoft.com/office/drawing/2014/main" val="10000"/>
                   </a:ext>
                 </a:extLst>
               </a:tr>
-              <a:tr h="370840">
+              <a:tr h="312035">
                 <a:tc>
                   <a:txBody>
                     <a:bodyPr/>
@@ -4661,7 +4661,7 @@
                     <a:p>
                       <a:pPr latinLnBrk="1"/>
                       <a:r>
-                        <a:rPr lang="en-US" altLang="ko-KR" sz="1400" dirty="0" smtClean="0"/>
+                        <a:rPr lang="en-US" altLang="ko-KR" sz="1400" dirty="0"/>
                         <a:t>192.168.3.0/24</a:t>
                       </a:r>
                       <a:endParaRPr lang="ko-KR" altLang="en-US" sz="1400" dirty="0"/>
@@ -4714,7 +4714,7 @@
                       <a:pPr latinLnBrk="1"/>
                       <a:r>
                         <a:rPr lang="en-US" altLang="ko-KR" sz="1400"/>
-                        <a:t>0.0.0.0</a:t>
+                        <a:t>10.0.0.30</a:t>
                       </a:r>
                       <a:endParaRPr lang="ko-KR" altLang="en-US" sz="1400" dirty="0"/>
                     </a:p>
@@ -4812,11 +4812,11 @@
                 </a:tc>
                 <a:extLst>
                   <a:ext uri="{0D108BD9-81ED-4DB2-BD59-A6C34878D82A}">
-                    <a16:rowId xmlns:a16="http://schemas.microsoft.com/office/drawing/2014/main" xmlns="" val="10001"/>
+                    <a16:rowId xmlns:a16="http://schemas.microsoft.com/office/drawing/2014/main" val="10001"/>
                   </a:ext>
                 </a:extLst>
               </a:tr>
-              <a:tr h="370840">
+              <a:tr h="312035">
                 <a:tc>
                   <a:txBody>
                     <a:bodyPr/>
@@ -4975,7 +4975,7 @@
                 </a:tc>
                 <a:extLst>
                   <a:ext uri="{0D108BD9-81ED-4DB2-BD59-A6C34878D82A}">
-                    <a16:rowId xmlns:a16="http://schemas.microsoft.com/office/drawing/2014/main" xmlns="" val="10002"/>
+                    <a16:rowId xmlns:a16="http://schemas.microsoft.com/office/drawing/2014/main" val="10002"/>
                   </a:ext>
                 </a:extLst>
               </a:tr>
@@ -4988,7 +4988,7 @@
           <p:cNvPr id="7" name="모서리가 둥근 직사각형 44">
             <a:extLst>
               <a:ext uri="{FF2B5EF4-FFF2-40B4-BE49-F238E27FC236}">
-                <a16:creationId xmlns:a16="http://schemas.microsoft.com/office/drawing/2014/main" xmlns="" id="{2DBA49E2-5203-48AC-9D0B-4B3C58EE231E}"/>
+                <a16:creationId xmlns:a16="http://schemas.microsoft.com/office/drawing/2014/main" id="{2DBA49E2-5203-48AC-9D0B-4B3C58EE231E}"/>
               </a:ext>
             </a:extLst>
           </p:cNvPr>
@@ -5039,7 +5039,7 @@
           <p:cNvPr id="8" name="모서리가 둥근 직사각형 44">
             <a:extLst>
               <a:ext uri="{FF2B5EF4-FFF2-40B4-BE49-F238E27FC236}">
-                <a16:creationId xmlns:a16="http://schemas.microsoft.com/office/drawing/2014/main" xmlns="" id="{2DBA49E2-5203-48AC-9D0B-4B3C58EE231E}"/>
+                <a16:creationId xmlns:a16="http://schemas.microsoft.com/office/drawing/2014/main" id="{2DBA49E2-5203-48AC-9D0B-4B3C58EE231E}"/>
               </a:ext>
             </a:extLst>
           </p:cNvPr>
@@ -5128,7 +5128,7 @@
           <p:cNvPr id="11" name="모서리가 둥근 직사각형 44">
             <a:extLst>
               <a:ext uri="{FF2B5EF4-FFF2-40B4-BE49-F238E27FC236}">
-                <a16:creationId xmlns:a16="http://schemas.microsoft.com/office/drawing/2014/main" xmlns="" id="{2DBA49E2-5203-48AC-9D0B-4B3C58EE231E}"/>
+                <a16:creationId xmlns:a16="http://schemas.microsoft.com/office/drawing/2014/main" id="{2DBA49E2-5203-48AC-9D0B-4B3C58EE231E}"/>
               </a:ext>
             </a:extLst>
           </p:cNvPr>
@@ -5182,7 +5182,7 @@
           <p:cNvPr id="13" name="모서리가 둥근 직사각형 44">
             <a:extLst>
               <a:ext uri="{FF2B5EF4-FFF2-40B4-BE49-F238E27FC236}">
-                <a16:creationId xmlns:a16="http://schemas.microsoft.com/office/drawing/2014/main" xmlns="" id="{2DBA49E2-5203-48AC-9D0B-4B3C58EE231E}"/>
+                <a16:creationId xmlns:a16="http://schemas.microsoft.com/office/drawing/2014/main" id="{2DBA49E2-5203-48AC-9D0B-4B3C58EE231E}"/>
               </a:ext>
             </a:extLst>
           </p:cNvPr>
@@ -5191,7 +5191,7 @@
         </p:nvSpPr>
         <p:spPr>
           <a:xfrm>
-            <a:off x="2843808" y="3651870"/>
+            <a:off x="2843808" y="3876680"/>
             <a:ext cx="1296144" cy="360040"/>
           </a:xfrm>
           <a:prstGeom prst="roundRect">
@@ -5233,7 +5233,7 @@
           <p:cNvPr id="14" name="모서리가 둥근 직사각형 44">
             <a:extLst>
               <a:ext uri="{FF2B5EF4-FFF2-40B4-BE49-F238E27FC236}">
-                <a16:creationId xmlns:a16="http://schemas.microsoft.com/office/drawing/2014/main" xmlns="" id="{2DBA49E2-5203-48AC-9D0B-4B3C58EE231E}"/>
+                <a16:creationId xmlns:a16="http://schemas.microsoft.com/office/drawing/2014/main" id="{2DBA49E2-5203-48AC-9D0B-4B3C58EE231E}"/>
               </a:ext>
             </a:extLst>
           </p:cNvPr>
@@ -5242,8 +5242,8 @@
         </p:nvSpPr>
         <p:spPr>
           <a:xfrm>
-            <a:off x="5004048" y="843558"/>
-            <a:ext cx="3456384" cy="3528392"/>
+            <a:off x="5004048" y="843557"/>
+            <a:ext cx="3456384" cy="3672403"/>
           </a:xfrm>
           <a:prstGeom prst="roundRect">
             <a:avLst>
@@ -5291,7 +5291,7 @@
           <p:cNvPr id="15" name="모서리가 둥근 직사각형 44">
             <a:extLst>
               <a:ext uri="{FF2B5EF4-FFF2-40B4-BE49-F238E27FC236}">
-                <a16:creationId xmlns:a16="http://schemas.microsoft.com/office/drawing/2014/main" xmlns="" id="{2DBA49E2-5203-48AC-9D0B-4B3C58EE231E}"/>
+                <a16:creationId xmlns:a16="http://schemas.microsoft.com/office/drawing/2014/main" id="{2DBA49E2-5203-48AC-9D0B-4B3C58EE231E}"/>
               </a:ext>
             </a:extLst>
           </p:cNvPr>
@@ -5346,14 +5346,14 @@
           <p:nvPr>
             <p:extLst>
               <p:ext uri="{D42A27DB-BD31-4B8C-83A1-F6EECF244321}">
-                <p14:modId xmlns:p14="http://schemas.microsoft.com/office/powerpoint/2010/main" val="437680378"/>
+                <p14:modId xmlns:p14="http://schemas.microsoft.com/office/powerpoint/2010/main" val="1465314685"/>
               </p:ext>
             </p:extLst>
           </p:nvPr>
         </p:nvGraphicFramePr>
         <p:xfrm>
           <a:off x="5104076" y="2355726"/>
-          <a:ext cx="3256329" cy="1112520"/>
+          <a:ext cx="3256329" cy="936105"/>
         </p:xfrm>
         <a:graphic>
           <a:graphicData uri="http://schemas.openxmlformats.org/drawingml/2006/table">
@@ -5365,26 +5365,26 @@
                 <a:gridCol w="1556156">
                   <a:extLst>
                     <a:ext uri="{9D8B030D-6E8A-4147-A177-3AD203B41FA5}">
-                      <a16:colId xmlns:a16="http://schemas.microsoft.com/office/drawing/2014/main" xmlns="" val="20000"/>
+                      <a16:colId xmlns:a16="http://schemas.microsoft.com/office/drawing/2014/main" val="20000"/>
                     </a:ext>
                   </a:extLst>
                 </a:gridCol>
                 <a:gridCol w="936104">
                   <a:extLst>
                     <a:ext uri="{9D8B030D-6E8A-4147-A177-3AD203B41FA5}">
-                      <a16:colId xmlns:a16="http://schemas.microsoft.com/office/drawing/2014/main" xmlns="" val="2983524949"/>
+                      <a16:colId xmlns:a16="http://schemas.microsoft.com/office/drawing/2014/main" val="2983524949"/>
                     </a:ext>
                   </a:extLst>
                 </a:gridCol>
                 <a:gridCol w="764069">
                   <a:extLst>
                     <a:ext uri="{9D8B030D-6E8A-4147-A177-3AD203B41FA5}">
-                      <a16:colId xmlns:a16="http://schemas.microsoft.com/office/drawing/2014/main" xmlns="" val="20001"/>
+                      <a16:colId xmlns:a16="http://schemas.microsoft.com/office/drawing/2014/main" val="20001"/>
                     </a:ext>
                   </a:extLst>
                 </a:gridCol>
               </a:tblGrid>
-              <a:tr h="370840">
+              <a:tr h="312035">
                 <a:tc>
                   <a:txBody>
                     <a:bodyPr/>
@@ -5392,7 +5392,7 @@
                     <a:p>
                       <a:pPr latinLnBrk="1"/>
                       <a:r>
-                        <a:rPr lang="en-US" altLang="ko-KR" sz="1400" dirty="0" smtClean="0"/>
+                        <a:rPr lang="en-US" altLang="ko-KR" sz="1400" dirty="0"/>
                         <a:t>10.0.0.0/24</a:t>
                       </a:r>
                       <a:endParaRPr lang="ko-KR" altLang="en-US" sz="1400" dirty="0"/>
@@ -5543,11 +5543,11 @@
                 </a:tc>
                 <a:extLst>
                   <a:ext uri="{0D108BD9-81ED-4DB2-BD59-A6C34878D82A}">
-                    <a16:rowId xmlns:a16="http://schemas.microsoft.com/office/drawing/2014/main" xmlns="" val="10000"/>
+                    <a16:rowId xmlns:a16="http://schemas.microsoft.com/office/drawing/2014/main" val="10000"/>
                   </a:ext>
                 </a:extLst>
               </a:tr>
-              <a:tr h="370840">
+              <a:tr h="312035">
                 <a:tc>
                   <a:txBody>
                     <a:bodyPr/>
@@ -5555,7 +5555,7 @@
                     <a:p>
                       <a:pPr latinLnBrk="1"/>
                       <a:r>
-                        <a:rPr lang="en-US" altLang="ko-KR" sz="1400" dirty="0" smtClean="0"/>
+                        <a:rPr lang="en-US" altLang="ko-KR" sz="1400" dirty="0"/>
                         <a:t>192.168.2.0/24</a:t>
                       </a:r>
                       <a:endParaRPr lang="ko-KR" altLang="en-US" sz="1400" dirty="0"/>
@@ -5608,7 +5608,7 @@
                       <a:pPr latinLnBrk="1"/>
                       <a:r>
                         <a:rPr lang="en-US" altLang="ko-KR" sz="1400"/>
-                        <a:t>0.0.0.0</a:t>
+                        <a:t>10.0.0.20</a:t>
                       </a:r>
                       <a:endParaRPr lang="ko-KR" altLang="en-US" sz="1400" dirty="0"/>
                     </a:p>
@@ -5706,11 +5706,11 @@
                 </a:tc>
                 <a:extLst>
                   <a:ext uri="{0D108BD9-81ED-4DB2-BD59-A6C34878D82A}">
-                    <a16:rowId xmlns:a16="http://schemas.microsoft.com/office/drawing/2014/main" xmlns="" val="10001"/>
+                    <a16:rowId xmlns:a16="http://schemas.microsoft.com/office/drawing/2014/main" val="10001"/>
                   </a:ext>
                 </a:extLst>
               </a:tr>
-              <a:tr h="370840">
+              <a:tr h="312035">
                 <a:tc>
                   <a:txBody>
                     <a:bodyPr/>
@@ -5869,7 +5869,7 @@
                 </a:tc>
                 <a:extLst>
                   <a:ext uri="{0D108BD9-81ED-4DB2-BD59-A6C34878D82A}">
-                    <a16:rowId xmlns:a16="http://schemas.microsoft.com/office/drawing/2014/main" xmlns="" val="10002"/>
+                    <a16:rowId xmlns:a16="http://schemas.microsoft.com/office/drawing/2014/main" val="10002"/>
                   </a:ext>
                 </a:extLst>
               </a:tr>
@@ -5882,7 +5882,7 @@
           <p:cNvPr id="17" name="모서리가 둥근 직사각형 44">
             <a:extLst>
               <a:ext uri="{FF2B5EF4-FFF2-40B4-BE49-F238E27FC236}">
-                <a16:creationId xmlns:a16="http://schemas.microsoft.com/office/drawing/2014/main" xmlns="" id="{2DBA49E2-5203-48AC-9D0B-4B3C58EE231E}"/>
+                <a16:creationId xmlns:a16="http://schemas.microsoft.com/office/drawing/2014/main" id="{2DBA49E2-5203-48AC-9D0B-4B3C58EE231E}"/>
               </a:ext>
             </a:extLst>
           </p:cNvPr>
@@ -5933,7 +5933,7 @@
           <p:cNvPr id="18" name="모서리가 둥근 직사각형 44">
             <a:extLst>
               <a:ext uri="{FF2B5EF4-FFF2-40B4-BE49-F238E27FC236}">
-                <a16:creationId xmlns:a16="http://schemas.microsoft.com/office/drawing/2014/main" xmlns="" id="{2DBA49E2-5203-48AC-9D0B-4B3C58EE231E}"/>
+                <a16:creationId xmlns:a16="http://schemas.microsoft.com/office/drawing/2014/main" id="{2DBA49E2-5203-48AC-9D0B-4B3C58EE231E}"/>
               </a:ext>
             </a:extLst>
           </p:cNvPr>
@@ -6022,7 +6022,7 @@
           <p:cNvPr id="20" name="모서리가 둥근 직사각형 44">
             <a:extLst>
               <a:ext uri="{FF2B5EF4-FFF2-40B4-BE49-F238E27FC236}">
-                <a16:creationId xmlns:a16="http://schemas.microsoft.com/office/drawing/2014/main" xmlns="" id="{2DBA49E2-5203-48AC-9D0B-4B3C58EE231E}"/>
+                <a16:creationId xmlns:a16="http://schemas.microsoft.com/office/drawing/2014/main" id="{2DBA49E2-5203-48AC-9D0B-4B3C58EE231E}"/>
               </a:ext>
             </a:extLst>
           </p:cNvPr>
@@ -6076,7 +6076,7 @@
           <p:cNvPr id="21" name="모서리가 둥근 직사각형 44">
             <a:extLst>
               <a:ext uri="{FF2B5EF4-FFF2-40B4-BE49-F238E27FC236}">
-                <a16:creationId xmlns:a16="http://schemas.microsoft.com/office/drawing/2014/main" xmlns="" id="{2DBA49E2-5203-48AC-9D0B-4B3C58EE231E}"/>
+                <a16:creationId xmlns:a16="http://schemas.microsoft.com/office/drawing/2014/main" id="{2DBA49E2-5203-48AC-9D0B-4B3C58EE231E}"/>
               </a:ext>
             </a:extLst>
           </p:cNvPr>
@@ -6085,7 +6085,7 @@
         </p:nvSpPr>
         <p:spPr>
           <a:xfrm>
-            <a:off x="5004048" y="3651870"/>
+            <a:off x="5004048" y="3876680"/>
             <a:ext cx="1296144" cy="360040"/>
           </a:xfrm>
           <a:prstGeom prst="roundRect">
@@ -6133,7 +6133,7 @@
         </p:nvCxnSpPr>
         <p:spPr>
           <a:xfrm flipH="1">
-            <a:off x="4139952" y="3831890"/>
+            <a:off x="4139952" y="4056700"/>
             <a:ext cx="864096" cy="0"/>
           </a:xfrm>
           <a:prstGeom prst="line">
@@ -6166,7 +6166,7 @@
           <p:cNvPr id="27" name="모서리가 둥근 직사각형 44">
             <a:extLst>
               <a:ext uri="{FF2B5EF4-FFF2-40B4-BE49-F238E27FC236}">
-                <a16:creationId xmlns:a16="http://schemas.microsoft.com/office/drawing/2014/main" xmlns="" id="{2DBA49E2-5203-48AC-9D0B-4B3C58EE231E}"/>
+                <a16:creationId xmlns:a16="http://schemas.microsoft.com/office/drawing/2014/main" id="{2DBA49E2-5203-48AC-9D0B-4B3C58EE231E}"/>
               </a:ext>
             </a:extLst>
           </p:cNvPr>
@@ -6175,7 +6175,7 @@
         </p:nvSpPr>
         <p:spPr>
           <a:xfrm>
-            <a:off x="2653392" y="4003124"/>
+            <a:off x="2653392" y="4227934"/>
             <a:ext cx="1676975" cy="288032"/>
           </a:xfrm>
           <a:prstGeom prst="roundRect">
@@ -6220,7 +6220,7 @@
           <p:cNvPr id="30" name="모서리가 둥근 직사각형 44">
             <a:extLst>
               <a:ext uri="{FF2B5EF4-FFF2-40B4-BE49-F238E27FC236}">
-                <a16:creationId xmlns:a16="http://schemas.microsoft.com/office/drawing/2014/main" xmlns="" id="{2DBA49E2-5203-48AC-9D0B-4B3C58EE231E}"/>
+                <a16:creationId xmlns:a16="http://schemas.microsoft.com/office/drawing/2014/main" id="{2DBA49E2-5203-48AC-9D0B-4B3C58EE231E}"/>
               </a:ext>
             </a:extLst>
           </p:cNvPr>
@@ -6229,7 +6229,7 @@
         </p:nvSpPr>
         <p:spPr>
           <a:xfrm>
-            <a:off x="4813632" y="4003124"/>
+            <a:off x="4813632" y="4227934"/>
             <a:ext cx="1676975" cy="288032"/>
           </a:xfrm>
           <a:prstGeom prst="roundRect">
@@ -6274,7 +6274,7 @@
           <p:cNvPr id="31" name="모서리가 둥근 직사각형 44">
             <a:extLst>
               <a:ext uri="{FF2B5EF4-FFF2-40B4-BE49-F238E27FC236}">
-                <a16:creationId xmlns:a16="http://schemas.microsoft.com/office/drawing/2014/main" xmlns="" id="{2DBA49E2-5203-48AC-9D0B-4B3C58EE231E}"/>
+                <a16:creationId xmlns:a16="http://schemas.microsoft.com/office/drawing/2014/main" id="{2DBA49E2-5203-48AC-9D0B-4B3C58EE231E}"/>
               </a:ext>
             </a:extLst>
           </p:cNvPr>
@@ -6283,7 +6283,7 @@
         </p:nvSpPr>
         <p:spPr>
           <a:xfrm>
-            <a:off x="683568" y="4443958"/>
+            <a:off x="733582" y="4587974"/>
             <a:ext cx="3356356" cy="432048"/>
           </a:xfrm>
           <a:prstGeom prst="roundRect">
@@ -6331,6 +6331,306 @@
             <a:r>
               <a:rPr lang="en-US" altLang="ko-KR" sz="1400" dirty="0"/>
               <a:t>Container Network 192.168.0.0/24</a:t>
+            </a:r>
+            <a:endParaRPr lang="ko-KR" altLang="en-US" sz="1400" dirty="0"/>
+          </a:p>
+        </p:txBody>
+      </p:sp>
+      <p:sp>
+        <p:nvSpPr>
+          <p:cNvPr id="24" name="모서리가 둥근 직사각형 44">
+            <a:extLst>
+              <a:ext uri="{FF2B5EF4-FFF2-40B4-BE49-F238E27FC236}">
+                <a16:creationId xmlns:a16="http://schemas.microsoft.com/office/drawing/2014/main" id="{9B4218E2-A225-481E-8507-7EF5A1CBCB42}"/>
+              </a:ext>
+            </a:extLst>
+          </p:cNvPr>
+          <p:cNvSpPr/>
+          <p:nvPr/>
+        </p:nvSpPr>
+        <p:spPr>
+          <a:xfrm>
+            <a:off x="1043608" y="3435846"/>
+            <a:ext cx="1428300" cy="360040"/>
+          </a:xfrm>
+          <a:prstGeom prst="roundRect">
+            <a:avLst>
+              <a:gd name="adj" fmla="val 6195"/>
+            </a:avLst>
+          </a:prstGeom>
+          <a:ln/>
+        </p:spPr>
+        <p:style>
+          <a:lnRef idx="2">
+            <a:schemeClr val="dk1"/>
+          </a:lnRef>
+          <a:fillRef idx="1">
+            <a:schemeClr val="lt1"/>
+          </a:fillRef>
+          <a:effectRef idx="0">
+            <a:schemeClr val="dk1"/>
+          </a:effectRef>
+          <a:fontRef idx="minor">
+            <a:schemeClr val="dk1"/>
+          </a:fontRef>
+        </p:style>
+        <p:txBody>
+          <a:bodyPr rtlCol="0" anchor="ctr"/>
+          <a:lstStyle/>
+          <a:p>
+            <a:pPr algn="ctr"/>
+            <a:r>
+              <a:rPr lang="en-US" altLang="ko-KR" sz="1400"/>
+              <a:t>tunl0</a:t>
+            </a:r>
+            <a:endParaRPr lang="ko-KR" altLang="en-US" sz="1400" dirty="0"/>
+          </a:p>
+        </p:txBody>
+      </p:sp>
+      <p:sp>
+        <p:nvSpPr>
+          <p:cNvPr id="25" name="모서리가 둥근 직사각형 44">
+            <a:extLst>
+              <a:ext uri="{FF2B5EF4-FFF2-40B4-BE49-F238E27FC236}">
+                <a16:creationId xmlns:a16="http://schemas.microsoft.com/office/drawing/2014/main" id="{67FBA169-6C87-4774-AF1E-4B581018FB6C}"/>
+              </a:ext>
+            </a:extLst>
+          </p:cNvPr>
+          <p:cNvSpPr/>
+          <p:nvPr/>
+        </p:nvSpPr>
+        <p:spPr>
+          <a:xfrm>
+            <a:off x="6672092" y="3435846"/>
+            <a:ext cx="1428300" cy="360040"/>
+          </a:xfrm>
+          <a:prstGeom prst="roundRect">
+            <a:avLst>
+              <a:gd name="adj" fmla="val 6195"/>
+            </a:avLst>
+          </a:prstGeom>
+          <a:ln/>
+        </p:spPr>
+        <p:style>
+          <a:lnRef idx="2">
+            <a:schemeClr val="dk1"/>
+          </a:lnRef>
+          <a:fillRef idx="1">
+            <a:schemeClr val="lt1"/>
+          </a:fillRef>
+          <a:effectRef idx="0">
+            <a:schemeClr val="dk1"/>
+          </a:effectRef>
+          <a:fontRef idx="minor">
+            <a:schemeClr val="dk1"/>
+          </a:fontRef>
+        </p:style>
+        <p:txBody>
+          <a:bodyPr rtlCol="0" anchor="ctr"/>
+          <a:lstStyle/>
+          <a:p>
+            <a:pPr algn="ctr"/>
+            <a:r>
+              <a:rPr lang="en-US" altLang="ko-KR" sz="1400"/>
+              <a:t>tunl0</a:t>
+            </a:r>
+            <a:endParaRPr lang="ko-KR" altLang="en-US" sz="1400" dirty="0"/>
+          </a:p>
+        </p:txBody>
+      </p:sp>
+      <p:cxnSp>
+        <p:nvCxnSpPr>
+          <p:cNvPr id="26" name="직선 연결선 25">
+            <a:extLst>
+              <a:ext uri="{FF2B5EF4-FFF2-40B4-BE49-F238E27FC236}">
+                <a16:creationId xmlns:a16="http://schemas.microsoft.com/office/drawing/2014/main" id="{B7AED245-81A0-4C82-B0B6-01DD482E1A62}"/>
+              </a:ext>
+            </a:extLst>
+          </p:cNvPr>
+          <p:cNvCxnSpPr>
+            <a:cxnSpLocks/>
+            <a:stCxn id="25" idx="2"/>
+            <a:endCxn id="21" idx="3"/>
+          </p:cNvCxnSpPr>
+          <p:nvPr/>
+        </p:nvCxnSpPr>
+        <p:spPr>
+          <a:xfrm flipH="1">
+            <a:off x="6300192" y="3795886"/>
+            <a:ext cx="1086050" cy="260814"/>
+          </a:xfrm>
+          <a:prstGeom prst="line">
+            <a:avLst/>
+          </a:prstGeom>
+          <a:ln w="19050">
+            <a:solidFill>
+              <a:schemeClr val="tx1"/>
+            </a:solidFill>
+          </a:ln>
+        </p:spPr>
+        <p:style>
+          <a:lnRef idx="1">
+            <a:schemeClr val="accent1"/>
+          </a:lnRef>
+          <a:fillRef idx="0">
+            <a:schemeClr val="accent1"/>
+          </a:fillRef>
+          <a:effectRef idx="0">
+            <a:schemeClr val="accent1"/>
+          </a:effectRef>
+          <a:fontRef idx="minor">
+            <a:schemeClr val="tx1"/>
+          </a:fontRef>
+        </p:style>
+      </p:cxnSp>
+      <p:cxnSp>
+        <p:nvCxnSpPr>
+          <p:cNvPr id="28" name="직선 연결선 27">
+            <a:extLst>
+              <a:ext uri="{FF2B5EF4-FFF2-40B4-BE49-F238E27FC236}">
+                <a16:creationId xmlns:a16="http://schemas.microsoft.com/office/drawing/2014/main" id="{3C0857F0-86B6-4F75-9994-45B428A3D122}"/>
+              </a:ext>
+            </a:extLst>
+          </p:cNvPr>
+          <p:cNvCxnSpPr>
+            <a:cxnSpLocks/>
+            <a:stCxn id="24" idx="2"/>
+            <a:endCxn id="13" idx="1"/>
+          </p:cNvCxnSpPr>
+          <p:nvPr/>
+        </p:nvCxnSpPr>
+        <p:spPr>
+          <a:xfrm>
+            <a:off x="1757758" y="3795886"/>
+            <a:ext cx="1086050" cy="260814"/>
+          </a:xfrm>
+          <a:prstGeom prst="line">
+            <a:avLst/>
+          </a:prstGeom>
+          <a:ln w="19050">
+            <a:solidFill>
+              <a:schemeClr val="tx1"/>
+            </a:solidFill>
+          </a:ln>
+        </p:spPr>
+        <p:style>
+          <a:lnRef idx="1">
+            <a:schemeClr val="accent1"/>
+          </a:lnRef>
+          <a:fillRef idx="0">
+            <a:schemeClr val="accent1"/>
+          </a:fillRef>
+          <a:effectRef idx="0">
+            <a:schemeClr val="accent1"/>
+          </a:effectRef>
+          <a:fontRef idx="minor">
+            <a:schemeClr val="tx1"/>
+          </a:fontRef>
+        </p:style>
+      </p:cxnSp>
+      <p:sp>
+        <p:nvSpPr>
+          <p:cNvPr id="32" name="모서리가 둥근 직사각형 44">
+            <a:extLst>
+              <a:ext uri="{FF2B5EF4-FFF2-40B4-BE49-F238E27FC236}">
+                <a16:creationId xmlns:a16="http://schemas.microsoft.com/office/drawing/2014/main" id="{499BAD8E-D61B-46DC-8873-2F04EE15EA45}"/>
+              </a:ext>
+            </a:extLst>
+          </p:cNvPr>
+          <p:cNvSpPr/>
+          <p:nvPr/>
+        </p:nvSpPr>
+        <p:spPr>
+          <a:xfrm>
+            <a:off x="5292080" y="3471851"/>
+            <a:ext cx="1676975" cy="288032"/>
+          </a:xfrm>
+          <a:prstGeom prst="roundRect">
+            <a:avLst>
+              <a:gd name="adj" fmla="val 6195"/>
+            </a:avLst>
+          </a:prstGeom>
+          <a:noFill/>
+          <a:ln>
+            <a:noFill/>
+          </a:ln>
+        </p:spPr>
+        <p:style>
+          <a:lnRef idx="2">
+            <a:schemeClr val="dk1"/>
+          </a:lnRef>
+          <a:fillRef idx="1">
+            <a:schemeClr val="lt1"/>
+          </a:fillRef>
+          <a:effectRef idx="0">
+            <a:schemeClr val="dk1"/>
+          </a:effectRef>
+          <a:fontRef idx="minor">
+            <a:schemeClr val="dk1"/>
+          </a:fontRef>
+        </p:style>
+        <p:txBody>
+          <a:bodyPr rtlCol="0" anchor="ctr"/>
+          <a:lstStyle/>
+          <a:p>
+            <a:pPr algn="ctr"/>
+            <a:r>
+              <a:rPr lang="en-US" altLang="ko-KR" sz="1400"/>
+              <a:t>192.168.3.1</a:t>
+            </a:r>
+            <a:endParaRPr lang="ko-KR" altLang="en-US" sz="1400" dirty="0"/>
+          </a:p>
+        </p:txBody>
+      </p:sp>
+      <p:sp>
+        <p:nvSpPr>
+          <p:cNvPr id="33" name="모서리가 둥근 직사각형 44">
+            <a:extLst>
+              <a:ext uri="{FF2B5EF4-FFF2-40B4-BE49-F238E27FC236}">
+                <a16:creationId xmlns:a16="http://schemas.microsoft.com/office/drawing/2014/main" id="{FDFF6683-3E9E-4991-A3CE-E3FE27351BFA}"/>
+              </a:ext>
+            </a:extLst>
+          </p:cNvPr>
+          <p:cNvSpPr/>
+          <p:nvPr/>
+        </p:nvSpPr>
+        <p:spPr>
+          <a:xfrm>
+            <a:off x="2174945" y="3471851"/>
+            <a:ext cx="1676975" cy="288032"/>
+          </a:xfrm>
+          <a:prstGeom prst="roundRect">
+            <a:avLst>
+              <a:gd name="adj" fmla="val 6195"/>
+            </a:avLst>
+          </a:prstGeom>
+          <a:noFill/>
+          <a:ln>
+            <a:noFill/>
+          </a:ln>
+        </p:spPr>
+        <p:style>
+          <a:lnRef idx="2">
+            <a:schemeClr val="dk1"/>
+          </a:lnRef>
+          <a:fillRef idx="1">
+            <a:schemeClr val="lt1"/>
+          </a:fillRef>
+          <a:effectRef idx="0">
+            <a:schemeClr val="dk1"/>
+          </a:effectRef>
+          <a:fontRef idx="minor">
+            <a:schemeClr val="dk1"/>
+          </a:fontRef>
+        </p:style>
+        <p:txBody>
+          <a:bodyPr rtlCol="0" anchor="ctr"/>
+          <a:lstStyle/>
+          <a:p>
+            <a:pPr algn="ctr"/>
+            <a:r>
+              <a:rPr lang="en-US" altLang="ko-KR" sz="1400"/>
+              <a:t>192.168.2.1</a:t>
             </a:r>
             <a:endParaRPr lang="ko-KR" altLang="en-US" sz="1400" dirty="0"/>
           </a:p>

--- a/images/theory_analysis/Kubernetes_Calico_Plugin/Kubernetes_Calico_Plugin.pptx
+++ b/images/theory_analysis/Kubernetes_Calico_Plugin/Kubernetes_Calico_Plugin.pptx
@@ -214,7 +214,7 @@
           <a:p>
             <a:fld id="{6CD5550B-26C4-49A9-A5BA-636EF7BE6CE9}" type="datetimeFigureOut">
               <a:rPr lang="ko-KR" altLang="en-US" smtClean="0"/>
-              <a:t>2018-11-14</a:t>
+              <a:t>2019-02-04</a:t>
             </a:fld>
             <a:endParaRPr lang="ko-KR" altLang="en-US"/>
           </a:p>
@@ -828,7 +828,7 @@
           <a:p>
             <a:fld id="{FB30EDBD-1C2D-4C1E-B459-B60219FAB484}" type="datetimeFigureOut">
               <a:rPr lang="ko-KR" altLang="en-US" smtClean="0"/>
-              <a:t>2018-11-14</a:t>
+              <a:t>2019-02-04</a:t>
             </a:fld>
             <a:endParaRPr lang="ko-KR" altLang="en-US"/>
           </a:p>
@@ -991,7 +991,7 @@
           <a:p>
             <a:fld id="{FB30EDBD-1C2D-4C1E-B459-B60219FAB484}" type="datetimeFigureOut">
               <a:rPr lang="ko-KR" altLang="en-US" smtClean="0"/>
-              <a:t>2018-11-14</a:t>
+              <a:t>2019-02-04</a:t>
             </a:fld>
             <a:endParaRPr lang="ko-KR" altLang="en-US"/>
           </a:p>
@@ -1164,7 +1164,7 @@
           <a:p>
             <a:fld id="{FB30EDBD-1C2D-4C1E-B459-B60219FAB484}" type="datetimeFigureOut">
               <a:rPr lang="ko-KR" altLang="en-US" smtClean="0"/>
-              <a:t>2018-11-14</a:t>
+              <a:t>2019-02-04</a:t>
             </a:fld>
             <a:endParaRPr lang="ko-KR" altLang="en-US"/>
           </a:p>
@@ -1327,7 +1327,7 @@
           <a:p>
             <a:fld id="{FB30EDBD-1C2D-4C1E-B459-B60219FAB484}" type="datetimeFigureOut">
               <a:rPr lang="ko-KR" altLang="en-US" smtClean="0"/>
-              <a:t>2018-11-14</a:t>
+              <a:t>2019-02-04</a:t>
             </a:fld>
             <a:endParaRPr lang="ko-KR" altLang="en-US"/>
           </a:p>
@@ -1567,7 +1567,7 @@
           <a:p>
             <a:fld id="{FB30EDBD-1C2D-4C1E-B459-B60219FAB484}" type="datetimeFigureOut">
               <a:rPr lang="ko-KR" altLang="en-US" smtClean="0"/>
-              <a:t>2018-11-14</a:t>
+              <a:t>2019-02-04</a:t>
             </a:fld>
             <a:endParaRPr lang="ko-KR" altLang="en-US"/>
           </a:p>
@@ -1847,7 +1847,7 @@
           <a:p>
             <a:fld id="{FB30EDBD-1C2D-4C1E-B459-B60219FAB484}" type="datetimeFigureOut">
               <a:rPr lang="ko-KR" altLang="en-US" smtClean="0"/>
-              <a:t>2018-11-14</a:t>
+              <a:t>2019-02-04</a:t>
             </a:fld>
             <a:endParaRPr lang="ko-KR" altLang="en-US"/>
           </a:p>
@@ -2261,7 +2261,7 @@
           <a:p>
             <a:fld id="{FB30EDBD-1C2D-4C1E-B459-B60219FAB484}" type="datetimeFigureOut">
               <a:rPr lang="ko-KR" altLang="en-US" smtClean="0"/>
-              <a:t>2018-11-14</a:t>
+              <a:t>2019-02-04</a:t>
             </a:fld>
             <a:endParaRPr lang="ko-KR" altLang="en-US"/>
           </a:p>
@@ -2373,7 +2373,7 @@
           <a:p>
             <a:fld id="{FB30EDBD-1C2D-4C1E-B459-B60219FAB484}" type="datetimeFigureOut">
               <a:rPr lang="ko-KR" altLang="en-US" smtClean="0"/>
-              <a:t>2018-11-14</a:t>
+              <a:t>2019-02-04</a:t>
             </a:fld>
             <a:endParaRPr lang="ko-KR" altLang="en-US"/>
           </a:p>
@@ -2463,7 +2463,7 @@
           <a:p>
             <a:fld id="{FB30EDBD-1C2D-4C1E-B459-B60219FAB484}" type="datetimeFigureOut">
               <a:rPr lang="ko-KR" altLang="en-US" smtClean="0"/>
-              <a:t>2018-11-14</a:t>
+              <a:t>2019-02-04</a:t>
             </a:fld>
             <a:endParaRPr lang="ko-KR" altLang="en-US"/>
           </a:p>
@@ -2733,7 +2733,7 @@
           <a:p>
             <a:fld id="{FB30EDBD-1C2D-4C1E-B459-B60219FAB484}" type="datetimeFigureOut">
               <a:rPr lang="ko-KR" altLang="en-US" smtClean="0"/>
-              <a:t>2018-11-14</a:t>
+              <a:t>2019-02-04</a:t>
             </a:fld>
             <a:endParaRPr lang="ko-KR" altLang="en-US"/>
           </a:p>
@@ -2980,7 +2980,7 @@
           <a:p>
             <a:fld id="{FB30EDBD-1C2D-4C1E-B459-B60219FAB484}" type="datetimeFigureOut">
               <a:rPr lang="ko-KR" altLang="en-US" smtClean="0"/>
-              <a:t>2018-11-14</a:t>
+              <a:t>2019-02-04</a:t>
             </a:fld>
             <a:endParaRPr lang="ko-KR" altLang="en-US"/>
           </a:p>
@@ -3186,7 +3186,7 @@
           <a:p>
             <a:fld id="{FB30EDBD-1C2D-4C1E-B459-B60219FAB484}" type="datetimeFigureOut">
               <a:rPr lang="ko-KR" altLang="en-US" smtClean="0"/>
-              <a:t>2018-11-14</a:t>
+              <a:t>2019-02-04</a:t>
             </a:fld>
             <a:endParaRPr lang="ko-KR" altLang="en-US"/>
           </a:p>
@@ -3631,7 +3631,7 @@
             <a:pPr algn="ctr"/>
             <a:r>
               <a:rPr lang="en-US" altLang="ko-KR" sz="1600"/>
-              <a:t>Node</a:t>
+              <a:t>Host</a:t>
             </a:r>
             <a:endParaRPr lang="ko-KR" altLang="en-US" sz="1600" dirty="0"/>
           </a:p>
@@ -3689,7 +3689,7 @@
             <a:pPr algn="ctr"/>
             <a:r>
               <a:rPr lang="en-US" altLang="ko-KR" sz="1200" b="1"/>
-              <a:t>(Node </a:t>
+              <a:t>(Host </a:t>
             </a:r>
             <a:r>
               <a:rPr lang="en-US" altLang="ko-KR" sz="1200" b="1" dirty="0"/>
@@ -4379,8 +4379,12 @@
           <a:lstStyle/>
           <a:p>
             <a:r>
+              <a:rPr lang="en-US" altLang="ko-KR" sz="1600" b="1"/>
+              <a:t>Host </a:t>
+            </a:r>
+            <a:r>
               <a:rPr lang="en-US" altLang="ko-KR" sz="1600" b="1" dirty="0"/>
-              <a:t>Node 1 </a:t>
+              <a:t>1 </a:t>
             </a:r>
           </a:p>
           <a:p>
@@ -5272,8 +5276,12 @@
           <a:p>
             <a:pPr algn="r"/>
             <a:r>
+              <a:rPr lang="en-US" altLang="ko-KR" sz="1600" b="1"/>
+              <a:t>Host </a:t>
+            </a:r>
+            <a:r>
               <a:rPr lang="en-US" altLang="ko-KR" sz="1600" b="1" dirty="0"/>
-              <a:t>Node 2 </a:t>
+              <a:t>2 </a:t>
             </a:r>
           </a:p>
           <a:p>
@@ -6319,8 +6327,12 @@
               <a:buChar char="•"/>
             </a:pPr>
             <a:r>
+              <a:rPr lang="en-US" altLang="ko-KR" sz="1400"/>
+              <a:t>Host </a:t>
+            </a:r>
+            <a:r>
               <a:rPr lang="en-US" altLang="ko-KR" sz="1400" dirty="0"/>
-              <a:t>Node Network : 10.0.0.0/24</a:t>
+              <a:t>Network : 10.0.0.0/24</a:t>
             </a:r>
           </a:p>
           <a:p>

--- a/images/theory_analysis/Kubernetes_Calico_Plugin/Kubernetes_Calico_Plugin.pptx
+++ b/images/theory_analysis/Kubernetes_Calico_Plugin/Kubernetes_Calico_Plugin.pptx
@@ -5,11 +5,14 @@
     <p:sldMasterId id="2147483648" r:id="rId1"/>
   </p:sldMasterIdLst>
   <p:notesMasterIdLst>
-    <p:notesMasterId r:id="rId4"/>
+    <p:notesMasterId r:id="rId7"/>
   </p:notesMasterIdLst>
   <p:sldIdLst>
     <p:sldId id="442" r:id="rId2"/>
     <p:sldId id="443" r:id="rId3"/>
+    <p:sldId id="445" r:id="rId4"/>
+    <p:sldId id="446" r:id="rId5"/>
+    <p:sldId id="444" r:id="rId6"/>
   </p:sldIdLst>
   <p:sldSz cx="9144000" cy="5143500" type="screen16x9"/>
   <p:notesSz cx="6858000" cy="9144000"/>
@@ -214,7 +217,7 @@
           <a:p>
             <a:fld id="{6CD5550B-26C4-49A9-A5BA-636EF7BE6CE9}" type="datetimeFigureOut">
               <a:rPr lang="ko-KR" altLang="en-US" smtClean="0"/>
-              <a:t>2019-02-04</a:t>
+              <a:t>2019-06-04</a:t>
             </a:fld>
             <a:endParaRPr lang="ko-KR" altLang="en-US"/>
           </a:p>
@@ -649,6 +652,90 @@
 </p:notes>
 </file>
 
+<file path=ppt/notesSlides/notesSlide3.xml><?xml version="1.0" encoding="utf-8"?>
+<p:notes xmlns:a="http://schemas.openxmlformats.org/drawingml/2006/main" xmlns:r="http://schemas.openxmlformats.org/officeDocument/2006/relationships" xmlns:p="http://schemas.openxmlformats.org/presentationml/2006/main">
+  <p:cSld>
+    <p:spTree>
+      <p:nvGrpSpPr>
+        <p:cNvPr id="1" name=""/>
+        <p:cNvGrpSpPr/>
+        <p:nvPr/>
+      </p:nvGrpSpPr>
+      <p:grpSpPr>
+        <a:xfrm>
+          <a:off x="0" y="0"/>
+          <a:ext cx="0" cy="0"/>
+          <a:chOff x="0" y="0"/>
+          <a:chExt cx="0" cy="0"/>
+        </a:xfrm>
+      </p:grpSpPr>
+      <p:sp>
+        <p:nvSpPr>
+          <p:cNvPr id="2" name="슬라이드 이미지 개체 틀 1"/>
+          <p:cNvSpPr>
+            <a:spLocks noGrp="1" noRot="1" noChangeAspect="1"/>
+          </p:cNvSpPr>
+          <p:nvPr>
+            <p:ph type="sldImg"/>
+          </p:nvPr>
+        </p:nvSpPr>
+        <p:spPr/>
+      </p:sp>
+      <p:sp>
+        <p:nvSpPr>
+          <p:cNvPr id="3" name="슬라이드 노트 개체 틀 2"/>
+          <p:cNvSpPr>
+            <a:spLocks noGrp="1"/>
+          </p:cNvSpPr>
+          <p:nvPr>
+            <p:ph type="body" idx="1"/>
+          </p:nvPr>
+        </p:nvSpPr>
+        <p:spPr/>
+        <p:txBody>
+          <a:bodyPr/>
+          <a:lstStyle/>
+          <a:p>
+            <a:endParaRPr lang="ko-KR" altLang="en-US" dirty="0"/>
+          </a:p>
+        </p:txBody>
+      </p:sp>
+      <p:sp>
+        <p:nvSpPr>
+          <p:cNvPr id="4" name="슬라이드 번호 개체 틀 3"/>
+          <p:cNvSpPr>
+            <a:spLocks noGrp="1"/>
+          </p:cNvSpPr>
+          <p:nvPr>
+            <p:ph type="sldNum" sz="quarter" idx="10"/>
+          </p:nvPr>
+        </p:nvSpPr>
+        <p:spPr/>
+        <p:txBody>
+          <a:bodyPr/>
+          <a:lstStyle/>
+          <a:p>
+            <a:fld id="{BA5DFA43-8D57-47FB-BC46-057616015C3B}" type="slidenum">
+              <a:rPr lang="ko-KR" altLang="en-US" smtClean="0"/>
+              <a:t>5</a:t>
+            </a:fld>
+            <a:endParaRPr lang="ko-KR" altLang="en-US"/>
+          </a:p>
+        </p:txBody>
+      </p:sp>
+    </p:spTree>
+    <p:extLst>
+      <p:ext uri="{BB962C8B-B14F-4D97-AF65-F5344CB8AC3E}">
+        <p14:creationId xmlns:p14="http://schemas.microsoft.com/office/powerpoint/2010/main" val="2297956014"/>
+      </p:ext>
+    </p:extLst>
+  </p:cSld>
+  <p:clrMapOvr>
+    <a:masterClrMapping/>
+  </p:clrMapOvr>
+</p:notes>
+</file>
+
 <file path=ppt/slideLayouts/slideLayout1.xml><?xml version="1.0" encoding="utf-8"?>
 <p:sldLayout xmlns:a="http://schemas.openxmlformats.org/drawingml/2006/main" xmlns:r="http://schemas.openxmlformats.org/officeDocument/2006/relationships" xmlns:p="http://schemas.openxmlformats.org/presentationml/2006/main" type="title" preserve="1">
   <p:cSld name="제목 슬라이드">
@@ -828,7 +915,7 @@
           <a:p>
             <a:fld id="{FB30EDBD-1C2D-4C1E-B459-B60219FAB484}" type="datetimeFigureOut">
               <a:rPr lang="ko-KR" altLang="en-US" smtClean="0"/>
-              <a:t>2019-02-04</a:t>
+              <a:t>2019-06-04</a:t>
             </a:fld>
             <a:endParaRPr lang="ko-KR" altLang="en-US"/>
           </a:p>
@@ -991,7 +1078,7 @@
           <a:p>
             <a:fld id="{FB30EDBD-1C2D-4C1E-B459-B60219FAB484}" type="datetimeFigureOut">
               <a:rPr lang="ko-KR" altLang="en-US" smtClean="0"/>
-              <a:t>2019-02-04</a:t>
+              <a:t>2019-06-04</a:t>
             </a:fld>
             <a:endParaRPr lang="ko-KR" altLang="en-US"/>
           </a:p>
@@ -1164,7 +1251,7 @@
           <a:p>
             <a:fld id="{FB30EDBD-1C2D-4C1E-B459-B60219FAB484}" type="datetimeFigureOut">
               <a:rPr lang="ko-KR" altLang="en-US" smtClean="0"/>
-              <a:t>2019-02-04</a:t>
+              <a:t>2019-06-04</a:t>
             </a:fld>
             <a:endParaRPr lang="ko-KR" altLang="en-US"/>
           </a:p>
@@ -1327,7 +1414,7 @@
           <a:p>
             <a:fld id="{FB30EDBD-1C2D-4C1E-B459-B60219FAB484}" type="datetimeFigureOut">
               <a:rPr lang="ko-KR" altLang="en-US" smtClean="0"/>
-              <a:t>2019-02-04</a:t>
+              <a:t>2019-06-04</a:t>
             </a:fld>
             <a:endParaRPr lang="ko-KR" altLang="en-US"/>
           </a:p>
@@ -1567,7 +1654,7 @@
           <a:p>
             <a:fld id="{FB30EDBD-1C2D-4C1E-B459-B60219FAB484}" type="datetimeFigureOut">
               <a:rPr lang="ko-KR" altLang="en-US" smtClean="0"/>
-              <a:t>2019-02-04</a:t>
+              <a:t>2019-06-04</a:t>
             </a:fld>
             <a:endParaRPr lang="ko-KR" altLang="en-US"/>
           </a:p>
@@ -1847,7 +1934,7 @@
           <a:p>
             <a:fld id="{FB30EDBD-1C2D-4C1E-B459-B60219FAB484}" type="datetimeFigureOut">
               <a:rPr lang="ko-KR" altLang="en-US" smtClean="0"/>
-              <a:t>2019-02-04</a:t>
+              <a:t>2019-06-04</a:t>
             </a:fld>
             <a:endParaRPr lang="ko-KR" altLang="en-US"/>
           </a:p>
@@ -2261,7 +2348,7 @@
           <a:p>
             <a:fld id="{FB30EDBD-1C2D-4C1E-B459-B60219FAB484}" type="datetimeFigureOut">
               <a:rPr lang="ko-KR" altLang="en-US" smtClean="0"/>
-              <a:t>2019-02-04</a:t>
+              <a:t>2019-06-04</a:t>
             </a:fld>
             <a:endParaRPr lang="ko-KR" altLang="en-US"/>
           </a:p>
@@ -2373,7 +2460,7 @@
           <a:p>
             <a:fld id="{FB30EDBD-1C2D-4C1E-B459-B60219FAB484}" type="datetimeFigureOut">
               <a:rPr lang="ko-KR" altLang="en-US" smtClean="0"/>
-              <a:t>2019-02-04</a:t>
+              <a:t>2019-06-04</a:t>
             </a:fld>
             <a:endParaRPr lang="ko-KR" altLang="en-US"/>
           </a:p>
@@ -2463,7 +2550,7 @@
           <a:p>
             <a:fld id="{FB30EDBD-1C2D-4C1E-B459-B60219FAB484}" type="datetimeFigureOut">
               <a:rPr lang="ko-KR" altLang="en-US" smtClean="0"/>
-              <a:t>2019-02-04</a:t>
+              <a:t>2019-06-04</a:t>
             </a:fld>
             <a:endParaRPr lang="ko-KR" altLang="en-US"/>
           </a:p>
@@ -2733,7 +2820,7 @@
           <a:p>
             <a:fld id="{FB30EDBD-1C2D-4C1E-B459-B60219FAB484}" type="datetimeFigureOut">
               <a:rPr lang="ko-KR" altLang="en-US" smtClean="0"/>
-              <a:t>2019-02-04</a:t>
+              <a:t>2019-06-04</a:t>
             </a:fld>
             <a:endParaRPr lang="ko-KR" altLang="en-US"/>
           </a:p>
@@ -2980,7 +3067,7 @@
           <a:p>
             <a:fld id="{FB30EDBD-1C2D-4C1E-B459-B60219FAB484}" type="datetimeFigureOut">
               <a:rPr lang="ko-KR" altLang="en-US" smtClean="0"/>
-              <a:t>2019-02-04</a:t>
+              <a:t>2019-06-04</a:t>
             </a:fld>
             <a:endParaRPr lang="ko-KR" altLang="en-US"/>
           </a:p>
@@ -3186,7 +3273,7 @@
           <a:p>
             <a:fld id="{FB30EDBD-1C2D-4C1E-B459-B60219FAB484}" type="datetimeFigureOut">
               <a:rPr lang="ko-KR" altLang="en-US" smtClean="0"/>
-              <a:t>2019-02-04</a:t>
+              <a:t>2019-06-04</a:t>
             </a:fld>
             <a:endParaRPr lang="ko-KR" altLang="en-US"/>
           </a:p>
@@ -4350,6 +4437,2794 @@
         </p:nvSpPr>
         <p:spPr>
           <a:xfrm>
+            <a:off x="683568" y="771551"/>
+            <a:ext cx="3456384" cy="3816424"/>
+          </a:xfrm>
+          <a:prstGeom prst="roundRect">
+            <a:avLst>
+              <a:gd name="adj" fmla="val 1946"/>
+            </a:avLst>
+          </a:prstGeom>
+          <a:ln/>
+        </p:spPr>
+        <p:style>
+          <a:lnRef idx="2">
+            <a:schemeClr val="dk1"/>
+          </a:lnRef>
+          <a:fillRef idx="1">
+            <a:schemeClr val="lt1"/>
+          </a:fillRef>
+          <a:effectRef idx="0">
+            <a:schemeClr val="dk1"/>
+          </a:effectRef>
+          <a:fontRef idx="minor">
+            <a:schemeClr val="dk1"/>
+          </a:fontRef>
+        </p:style>
+        <p:txBody>
+          <a:bodyPr rtlCol="0" anchor="b"/>
+          <a:lstStyle/>
+          <a:p>
+            <a:r>
+              <a:rPr lang="en-US" altLang="ko-KR" sz="1600" b="1"/>
+              <a:t>Host </a:t>
+            </a:r>
+            <a:r>
+              <a:rPr lang="en-US" altLang="ko-KR" sz="1600" b="1" dirty="0"/>
+              <a:t>1 </a:t>
+            </a:r>
+          </a:p>
+          <a:p>
+            <a:r>
+              <a:rPr lang="en-US" altLang="ko-KR" sz="1600" b="1"/>
+              <a:t>(192.168.2.0/24)</a:t>
+            </a:r>
+            <a:endParaRPr lang="ko-KR" altLang="en-US" sz="1600" b="1" dirty="0"/>
+          </a:p>
+        </p:txBody>
+      </p:sp>
+      <p:sp>
+        <p:nvSpPr>
+          <p:cNvPr id="4" name="모서리가 둥근 직사각형 44">
+            <a:extLst>
+              <a:ext uri="{FF2B5EF4-FFF2-40B4-BE49-F238E27FC236}">
+                <a16:creationId xmlns:a16="http://schemas.microsoft.com/office/drawing/2014/main" id="{2DBA49E2-5203-48AC-9D0B-4B3C58EE231E}"/>
+              </a:ext>
+            </a:extLst>
+          </p:cNvPr>
+          <p:cNvSpPr/>
+          <p:nvPr/>
+        </p:nvSpPr>
+        <p:spPr>
+          <a:xfrm>
+            <a:off x="827584" y="915567"/>
+            <a:ext cx="3168352" cy="720080"/>
+          </a:xfrm>
+          <a:prstGeom prst="roundRect">
+            <a:avLst>
+              <a:gd name="adj" fmla="val 6195"/>
+            </a:avLst>
+          </a:prstGeom>
+          <a:ln/>
+        </p:spPr>
+        <p:style>
+          <a:lnRef idx="2">
+            <a:schemeClr val="dk1"/>
+          </a:lnRef>
+          <a:fillRef idx="1">
+            <a:schemeClr val="lt1"/>
+          </a:fillRef>
+          <a:effectRef idx="0">
+            <a:schemeClr val="dk1"/>
+          </a:effectRef>
+          <a:fontRef idx="minor">
+            <a:schemeClr val="dk1"/>
+          </a:fontRef>
+        </p:style>
+        <p:txBody>
+          <a:bodyPr rtlCol="0" anchor="t"/>
+          <a:lstStyle/>
+          <a:p>
+            <a:pPr algn="ctr"/>
+            <a:r>
+              <a:rPr lang="en-US" altLang="ko-KR" sz="1600" dirty="0"/>
+              <a:t>Container A </a:t>
+            </a:r>
+            <a:endParaRPr lang="ko-KR" altLang="en-US" sz="1600" dirty="0"/>
+          </a:p>
+        </p:txBody>
+      </p:sp>
+      <p:graphicFrame>
+        <p:nvGraphicFramePr>
+          <p:cNvPr id="2" name="표 1"/>
+          <p:cNvGraphicFramePr>
+            <a:graphicFrameLocks noGrp="1"/>
+          </p:cNvGraphicFramePr>
+          <p:nvPr>
+            <p:extLst>
+              <p:ext uri="{D42A27DB-BD31-4B8C-83A1-F6EECF244321}">
+                <p14:modId xmlns:p14="http://schemas.microsoft.com/office/powerpoint/2010/main" val="3159432521"/>
+              </p:ext>
+            </p:extLst>
+          </p:nvPr>
+        </p:nvGraphicFramePr>
+        <p:xfrm>
+          <a:off x="783596" y="2204566"/>
+          <a:ext cx="3256329" cy="1248140"/>
+        </p:xfrm>
+        <a:graphic>
+          <a:graphicData uri="http://schemas.openxmlformats.org/drawingml/2006/table">
+            <a:tbl>
+              <a:tblPr firstRow="1" bandRow="1">
+                <a:tableStyleId>{2D5ABB26-0587-4C30-8999-92F81FD0307C}</a:tableStyleId>
+              </a:tblPr>
+              <a:tblGrid>
+                <a:gridCol w="1556156">
+                  <a:extLst>
+                    <a:ext uri="{9D8B030D-6E8A-4147-A177-3AD203B41FA5}">
+                      <a16:colId xmlns:a16="http://schemas.microsoft.com/office/drawing/2014/main" val="20000"/>
+                    </a:ext>
+                  </a:extLst>
+                </a:gridCol>
+                <a:gridCol w="936104">
+                  <a:extLst>
+                    <a:ext uri="{9D8B030D-6E8A-4147-A177-3AD203B41FA5}">
+                      <a16:colId xmlns:a16="http://schemas.microsoft.com/office/drawing/2014/main" val="2132610268"/>
+                    </a:ext>
+                  </a:extLst>
+                </a:gridCol>
+                <a:gridCol w="764069">
+                  <a:extLst>
+                    <a:ext uri="{9D8B030D-6E8A-4147-A177-3AD203B41FA5}">
+                      <a16:colId xmlns:a16="http://schemas.microsoft.com/office/drawing/2014/main" val="20001"/>
+                    </a:ext>
+                  </a:extLst>
+                </a:gridCol>
+              </a:tblGrid>
+              <a:tr h="312035">
+                <a:tc>
+                  <a:txBody>
+                    <a:bodyPr/>
+                    <a:lstStyle/>
+                    <a:p>
+                      <a:pPr latinLnBrk="1"/>
+                      <a:r>
+                        <a:rPr lang="en-US" altLang="ko-KR" sz="1400" dirty="0"/>
+                        <a:t>10.0.0.0/24</a:t>
+                      </a:r>
+                      <a:endParaRPr lang="ko-KR" altLang="en-US" sz="1400" dirty="0"/>
+                    </a:p>
+                  </a:txBody>
+                  <a:tcPr anchor="ctr">
+                    <a:lnL w="19050" cap="flat" cmpd="sng" algn="ctr">
+                      <a:solidFill>
+                        <a:schemeClr val="tx1"/>
+                      </a:solidFill>
+                      <a:prstDash val="solid"/>
+                      <a:round/>
+                      <a:headEnd type="none" w="med" len="med"/>
+                      <a:tailEnd type="none" w="med" len="med"/>
+                    </a:lnL>
+                    <a:lnR w="19050" cap="flat" cmpd="sng" algn="ctr">
+                      <a:solidFill>
+                        <a:schemeClr val="tx1"/>
+                      </a:solidFill>
+                      <a:prstDash val="solid"/>
+                      <a:round/>
+                      <a:headEnd type="none" w="med" len="med"/>
+                      <a:tailEnd type="none" w="med" len="med"/>
+                    </a:lnR>
+                    <a:lnT w="19050" cap="flat" cmpd="sng" algn="ctr">
+                      <a:solidFill>
+                        <a:schemeClr val="tx1"/>
+                      </a:solidFill>
+                      <a:prstDash val="solid"/>
+                      <a:round/>
+                      <a:headEnd type="none" w="med" len="med"/>
+                      <a:tailEnd type="none" w="med" len="med"/>
+                    </a:lnT>
+                    <a:lnB w="19050" cap="flat" cmpd="sng" algn="ctr">
+                      <a:solidFill>
+                        <a:schemeClr val="tx1"/>
+                      </a:solidFill>
+                      <a:prstDash val="solid"/>
+                      <a:round/>
+                      <a:headEnd type="none" w="med" len="med"/>
+                      <a:tailEnd type="none" w="med" len="med"/>
+                    </a:lnB>
+                  </a:tcPr>
+                </a:tc>
+                <a:tc>
+                  <a:txBody>
+                    <a:bodyPr/>
+                    <a:lstStyle/>
+                    <a:p>
+                      <a:pPr latinLnBrk="1"/>
+                      <a:r>
+                        <a:rPr lang="en-US" altLang="ko-KR" sz="1400"/>
+                        <a:t>10.0.0.1</a:t>
+                      </a:r>
+                      <a:endParaRPr lang="ko-KR" altLang="en-US" sz="1400" dirty="0"/>
+                    </a:p>
+                  </a:txBody>
+                  <a:tcPr anchor="ctr">
+                    <a:lnL w="19050" cap="flat" cmpd="sng" algn="ctr">
+                      <a:solidFill>
+                        <a:schemeClr val="tx1"/>
+                      </a:solidFill>
+                      <a:prstDash val="solid"/>
+                      <a:round/>
+                      <a:headEnd type="none" w="med" len="med"/>
+                      <a:tailEnd type="none" w="med" len="med"/>
+                    </a:lnL>
+                    <a:lnR w="19050" cap="flat" cmpd="sng" algn="ctr">
+                      <a:solidFill>
+                        <a:schemeClr val="tx1"/>
+                      </a:solidFill>
+                      <a:prstDash val="solid"/>
+                      <a:round/>
+                      <a:headEnd type="none" w="med" len="med"/>
+                      <a:tailEnd type="none" w="med" len="med"/>
+                    </a:lnR>
+                    <a:lnT w="19050" cap="flat" cmpd="sng" algn="ctr">
+                      <a:solidFill>
+                        <a:schemeClr val="tx1"/>
+                      </a:solidFill>
+                      <a:prstDash val="solid"/>
+                      <a:round/>
+                      <a:headEnd type="none" w="med" len="med"/>
+                      <a:tailEnd type="none" w="med" len="med"/>
+                    </a:lnT>
+                    <a:lnB w="19050" cap="flat" cmpd="sng" algn="ctr">
+                      <a:solidFill>
+                        <a:schemeClr val="tx1"/>
+                      </a:solidFill>
+                      <a:prstDash val="solid"/>
+                      <a:round/>
+                      <a:headEnd type="none" w="med" len="med"/>
+                      <a:tailEnd type="none" w="med" len="med"/>
+                    </a:lnB>
+                  </a:tcPr>
+                </a:tc>
+                <a:tc>
+                  <a:txBody>
+                    <a:bodyPr/>
+                    <a:lstStyle/>
+                    <a:p>
+                      <a:pPr latinLnBrk="1"/>
+                      <a:r>
+                        <a:rPr lang="en-US" altLang="ko-KR" sz="1400" dirty="0" err="1"/>
+                        <a:t>eth0</a:t>
+                      </a:r>
+                      <a:endParaRPr lang="ko-KR" altLang="en-US" sz="1400" dirty="0"/>
+                    </a:p>
+                  </a:txBody>
+                  <a:tcPr anchor="ctr">
+                    <a:lnL w="19050" cap="flat" cmpd="sng" algn="ctr">
+                      <a:solidFill>
+                        <a:schemeClr val="tx1"/>
+                      </a:solidFill>
+                      <a:prstDash val="solid"/>
+                      <a:round/>
+                      <a:headEnd type="none" w="med" len="med"/>
+                      <a:tailEnd type="none" w="med" len="med"/>
+                    </a:lnL>
+                    <a:lnR w="19050" cap="flat" cmpd="sng" algn="ctr">
+                      <a:solidFill>
+                        <a:schemeClr val="tx1"/>
+                      </a:solidFill>
+                      <a:prstDash val="solid"/>
+                      <a:round/>
+                      <a:headEnd type="none" w="med" len="med"/>
+                      <a:tailEnd type="none" w="med" len="med"/>
+                    </a:lnR>
+                    <a:lnT w="19050" cap="flat" cmpd="sng" algn="ctr">
+                      <a:solidFill>
+                        <a:schemeClr val="tx1"/>
+                      </a:solidFill>
+                      <a:prstDash val="solid"/>
+                      <a:round/>
+                      <a:headEnd type="none" w="med" len="med"/>
+                      <a:tailEnd type="none" w="med" len="med"/>
+                    </a:lnT>
+                    <a:lnB w="19050" cap="flat" cmpd="sng" algn="ctr">
+                      <a:solidFill>
+                        <a:schemeClr val="tx1"/>
+                      </a:solidFill>
+                      <a:prstDash val="solid"/>
+                      <a:round/>
+                      <a:headEnd type="none" w="med" len="med"/>
+                      <a:tailEnd type="none" w="med" len="med"/>
+                    </a:lnB>
+                  </a:tcPr>
+                </a:tc>
+                <a:extLst>
+                  <a:ext uri="{0D108BD9-81ED-4DB2-BD59-A6C34878D82A}">
+                    <a16:rowId xmlns:a16="http://schemas.microsoft.com/office/drawing/2014/main" val="10000"/>
+                  </a:ext>
+                </a:extLst>
+              </a:tr>
+              <a:tr h="312035">
+                <a:tc>
+                  <a:txBody>
+                    <a:bodyPr/>
+                    <a:lstStyle/>
+                    <a:p>
+                      <a:pPr latinLnBrk="1"/>
+                      <a:r>
+                        <a:rPr lang="en-US" altLang="ko-KR" sz="1400" dirty="0"/>
+                        <a:t>192.168.3.0/24</a:t>
+                      </a:r>
+                      <a:endParaRPr lang="ko-KR" altLang="en-US" sz="1400" dirty="0"/>
+                    </a:p>
+                  </a:txBody>
+                  <a:tcPr anchor="ctr">
+                    <a:lnL w="19050" cap="flat" cmpd="sng" algn="ctr">
+                      <a:solidFill>
+                        <a:schemeClr val="tx1"/>
+                      </a:solidFill>
+                      <a:prstDash val="solid"/>
+                      <a:round/>
+                      <a:headEnd type="none" w="med" len="med"/>
+                      <a:tailEnd type="none" w="med" len="med"/>
+                    </a:lnL>
+                    <a:lnR w="19050" cap="flat" cmpd="sng" algn="ctr">
+                      <a:solidFill>
+                        <a:schemeClr val="tx1"/>
+                      </a:solidFill>
+                      <a:prstDash val="solid"/>
+                      <a:round/>
+                      <a:headEnd type="none" w="med" len="med"/>
+                      <a:tailEnd type="none" w="med" len="med"/>
+                    </a:lnR>
+                    <a:lnT w="19050" cap="flat" cmpd="sng" algn="ctr">
+                      <a:solidFill>
+                        <a:schemeClr val="tx1"/>
+                      </a:solidFill>
+                      <a:prstDash val="solid"/>
+                      <a:round/>
+                      <a:headEnd type="none" w="med" len="med"/>
+                      <a:tailEnd type="none" w="med" len="med"/>
+                    </a:lnT>
+                    <a:lnB w="19050" cap="flat" cmpd="sng" algn="ctr">
+                      <a:solidFill>
+                        <a:schemeClr val="tx1"/>
+                      </a:solidFill>
+                      <a:prstDash val="solid"/>
+                      <a:round/>
+                      <a:headEnd type="none" w="med" len="med"/>
+                      <a:tailEnd type="none" w="med" len="med"/>
+                    </a:lnB>
+                  </a:tcPr>
+                </a:tc>
+                <a:tc>
+                  <a:txBody>
+                    <a:bodyPr/>
+                    <a:lstStyle/>
+                    <a:p>
+                      <a:pPr latinLnBrk="1"/>
+                      <a:r>
+                        <a:rPr lang="en-US" altLang="ko-KR" sz="1400"/>
+                        <a:t>10.0.0.30</a:t>
+                      </a:r>
+                      <a:endParaRPr lang="ko-KR" altLang="en-US" sz="1400" dirty="0"/>
+                    </a:p>
+                  </a:txBody>
+                  <a:tcPr anchor="ctr">
+                    <a:lnL w="19050" cap="flat" cmpd="sng" algn="ctr">
+                      <a:solidFill>
+                        <a:schemeClr val="tx1"/>
+                      </a:solidFill>
+                      <a:prstDash val="solid"/>
+                      <a:round/>
+                      <a:headEnd type="none" w="med" len="med"/>
+                      <a:tailEnd type="none" w="med" len="med"/>
+                    </a:lnL>
+                    <a:lnR w="19050" cap="flat" cmpd="sng" algn="ctr">
+                      <a:solidFill>
+                        <a:schemeClr val="tx1"/>
+                      </a:solidFill>
+                      <a:prstDash val="solid"/>
+                      <a:round/>
+                      <a:headEnd type="none" w="med" len="med"/>
+                      <a:tailEnd type="none" w="med" len="med"/>
+                    </a:lnR>
+                    <a:lnT w="19050" cap="flat" cmpd="sng" algn="ctr">
+                      <a:solidFill>
+                        <a:schemeClr val="tx1"/>
+                      </a:solidFill>
+                      <a:prstDash val="solid"/>
+                      <a:round/>
+                      <a:headEnd type="none" w="med" len="med"/>
+                      <a:tailEnd type="none" w="med" len="med"/>
+                    </a:lnT>
+                    <a:lnB w="19050" cap="flat" cmpd="sng" algn="ctr">
+                      <a:solidFill>
+                        <a:schemeClr val="tx1"/>
+                      </a:solidFill>
+                      <a:prstDash val="solid"/>
+                      <a:round/>
+                      <a:headEnd type="none" w="med" len="med"/>
+                      <a:tailEnd type="none" w="med" len="med"/>
+                    </a:lnB>
+                  </a:tcPr>
+                </a:tc>
+                <a:tc>
+                  <a:txBody>
+                    <a:bodyPr/>
+                    <a:lstStyle/>
+                    <a:p>
+                      <a:pPr latinLnBrk="1"/>
+                      <a:r>
+                        <a:rPr lang="en-US" altLang="ko-KR" sz="1400"/>
+                        <a:t>tunl0</a:t>
+                      </a:r>
+                      <a:endParaRPr lang="ko-KR" altLang="en-US" sz="1400" dirty="0"/>
+                    </a:p>
+                  </a:txBody>
+                  <a:tcPr anchor="ctr">
+                    <a:lnL w="19050" cap="flat" cmpd="sng" algn="ctr">
+                      <a:solidFill>
+                        <a:schemeClr val="tx1"/>
+                      </a:solidFill>
+                      <a:prstDash val="solid"/>
+                      <a:round/>
+                      <a:headEnd type="none" w="med" len="med"/>
+                      <a:tailEnd type="none" w="med" len="med"/>
+                    </a:lnL>
+                    <a:lnR w="19050" cap="flat" cmpd="sng" algn="ctr">
+                      <a:solidFill>
+                        <a:schemeClr val="tx1"/>
+                      </a:solidFill>
+                      <a:prstDash val="solid"/>
+                      <a:round/>
+                      <a:headEnd type="none" w="med" len="med"/>
+                      <a:tailEnd type="none" w="med" len="med"/>
+                    </a:lnR>
+                    <a:lnT w="19050" cap="flat" cmpd="sng" algn="ctr">
+                      <a:solidFill>
+                        <a:schemeClr val="tx1"/>
+                      </a:solidFill>
+                      <a:prstDash val="solid"/>
+                      <a:round/>
+                      <a:headEnd type="none" w="med" len="med"/>
+                      <a:tailEnd type="none" w="med" len="med"/>
+                    </a:lnT>
+                    <a:lnB w="19050" cap="flat" cmpd="sng" algn="ctr">
+                      <a:solidFill>
+                        <a:schemeClr val="tx1"/>
+                      </a:solidFill>
+                      <a:prstDash val="solid"/>
+                      <a:round/>
+                      <a:headEnd type="none" w="med" len="med"/>
+                      <a:tailEnd type="none" w="med" len="med"/>
+                    </a:lnB>
+                  </a:tcPr>
+                </a:tc>
+                <a:extLst>
+                  <a:ext uri="{0D108BD9-81ED-4DB2-BD59-A6C34878D82A}">
+                    <a16:rowId xmlns:a16="http://schemas.microsoft.com/office/drawing/2014/main" val="10001"/>
+                  </a:ext>
+                </a:extLst>
+              </a:tr>
+              <a:tr h="312035">
+                <a:tc>
+                  <a:txBody>
+                    <a:bodyPr/>
+                    <a:lstStyle/>
+                    <a:p>
+                      <a:pPr latinLnBrk="1"/>
+                      <a:r>
+                        <a:rPr lang="en-US" altLang="ko-KR" sz="1400"/>
+                        <a:t>192.168.2.0/24</a:t>
+                      </a:r>
+                      <a:endParaRPr lang="ko-KR" altLang="en-US" sz="1400" dirty="0"/>
+                    </a:p>
+                  </a:txBody>
+                  <a:tcPr anchor="ctr">
+                    <a:lnL w="19050" cap="flat" cmpd="sng" algn="ctr">
+                      <a:solidFill>
+                        <a:schemeClr val="tx1"/>
+                      </a:solidFill>
+                      <a:prstDash val="solid"/>
+                      <a:round/>
+                      <a:headEnd type="none" w="med" len="med"/>
+                      <a:tailEnd type="none" w="med" len="med"/>
+                    </a:lnL>
+                    <a:lnR w="19050" cap="flat" cmpd="sng" algn="ctr">
+                      <a:solidFill>
+                        <a:schemeClr val="tx1"/>
+                      </a:solidFill>
+                      <a:prstDash val="solid"/>
+                      <a:round/>
+                      <a:headEnd type="none" w="med" len="med"/>
+                      <a:tailEnd type="none" w="med" len="med"/>
+                    </a:lnR>
+                    <a:lnT w="19050" cap="flat" cmpd="sng" algn="ctr">
+                      <a:solidFill>
+                        <a:schemeClr val="tx1"/>
+                      </a:solidFill>
+                      <a:prstDash val="solid"/>
+                      <a:round/>
+                      <a:headEnd type="none" w="med" len="med"/>
+                      <a:tailEnd type="none" w="med" len="med"/>
+                    </a:lnT>
+                    <a:lnB w="19050" cap="flat" cmpd="sng" algn="ctr">
+                      <a:solidFill>
+                        <a:schemeClr val="tx1"/>
+                      </a:solidFill>
+                      <a:prstDash val="solid"/>
+                      <a:round/>
+                      <a:headEnd type="none" w="med" len="med"/>
+                      <a:tailEnd type="none" w="med" len="med"/>
+                    </a:lnB>
+                  </a:tcPr>
+                </a:tc>
+                <a:tc>
+                  <a:txBody>
+                    <a:bodyPr/>
+                    <a:lstStyle/>
+                    <a:p>
+                      <a:pPr latinLnBrk="1"/>
+                      <a:r>
+                        <a:rPr lang="en-US" altLang="ko-KR" sz="1400"/>
+                        <a:t>0.0.0.0</a:t>
+                      </a:r>
+                      <a:endParaRPr lang="ko-KR" altLang="en-US" sz="1400" dirty="0"/>
+                    </a:p>
+                  </a:txBody>
+                  <a:tcPr anchor="ctr">
+                    <a:lnL w="19050" cap="flat" cmpd="sng" algn="ctr">
+                      <a:solidFill>
+                        <a:schemeClr val="tx1"/>
+                      </a:solidFill>
+                      <a:prstDash val="solid"/>
+                      <a:round/>
+                      <a:headEnd type="none" w="med" len="med"/>
+                      <a:tailEnd type="none" w="med" len="med"/>
+                    </a:lnL>
+                    <a:lnR w="19050" cap="flat" cmpd="sng" algn="ctr">
+                      <a:solidFill>
+                        <a:schemeClr val="tx1"/>
+                      </a:solidFill>
+                      <a:prstDash val="solid"/>
+                      <a:round/>
+                      <a:headEnd type="none" w="med" len="med"/>
+                      <a:tailEnd type="none" w="med" len="med"/>
+                    </a:lnR>
+                    <a:lnT w="19050" cap="flat" cmpd="sng" algn="ctr">
+                      <a:solidFill>
+                        <a:schemeClr val="tx1"/>
+                      </a:solidFill>
+                      <a:prstDash val="solid"/>
+                      <a:round/>
+                      <a:headEnd type="none" w="med" len="med"/>
+                      <a:tailEnd type="none" w="med" len="med"/>
+                    </a:lnT>
+                    <a:lnB w="19050" cap="flat" cmpd="sng" algn="ctr">
+                      <a:solidFill>
+                        <a:schemeClr val="tx1"/>
+                      </a:solidFill>
+                      <a:prstDash val="solid"/>
+                      <a:round/>
+                      <a:headEnd type="none" w="med" len="med"/>
+                      <a:tailEnd type="none" w="med" len="med"/>
+                    </a:lnB>
+                  </a:tcPr>
+                </a:tc>
+                <a:tc>
+                  <a:txBody>
+                    <a:bodyPr/>
+                    <a:lstStyle/>
+                    <a:p>
+                      <a:pPr latinLnBrk="1"/>
+                      <a:r>
+                        <a:rPr lang="en-US" altLang="ko-KR" sz="1400"/>
+                        <a:t>*</a:t>
+                      </a:r>
+                      <a:endParaRPr lang="ko-KR" altLang="en-US" sz="1400" dirty="0"/>
+                    </a:p>
+                  </a:txBody>
+                  <a:tcPr anchor="ctr">
+                    <a:lnL w="19050" cap="flat" cmpd="sng" algn="ctr">
+                      <a:solidFill>
+                        <a:schemeClr val="tx1"/>
+                      </a:solidFill>
+                      <a:prstDash val="solid"/>
+                      <a:round/>
+                      <a:headEnd type="none" w="med" len="med"/>
+                      <a:tailEnd type="none" w="med" len="med"/>
+                    </a:lnL>
+                    <a:lnR w="19050" cap="flat" cmpd="sng" algn="ctr">
+                      <a:solidFill>
+                        <a:schemeClr val="tx1"/>
+                      </a:solidFill>
+                      <a:prstDash val="solid"/>
+                      <a:round/>
+                      <a:headEnd type="none" w="med" len="med"/>
+                      <a:tailEnd type="none" w="med" len="med"/>
+                    </a:lnR>
+                    <a:lnT w="19050" cap="flat" cmpd="sng" algn="ctr">
+                      <a:solidFill>
+                        <a:schemeClr val="tx1"/>
+                      </a:solidFill>
+                      <a:prstDash val="solid"/>
+                      <a:round/>
+                      <a:headEnd type="none" w="med" len="med"/>
+                      <a:tailEnd type="none" w="med" len="med"/>
+                    </a:lnT>
+                    <a:lnB w="19050" cap="flat" cmpd="sng" algn="ctr">
+                      <a:solidFill>
+                        <a:schemeClr val="tx1"/>
+                      </a:solidFill>
+                      <a:prstDash val="solid"/>
+                      <a:round/>
+                      <a:headEnd type="none" w="med" len="med"/>
+                      <a:tailEnd type="none" w="med" len="med"/>
+                    </a:lnB>
+                  </a:tcPr>
+                </a:tc>
+                <a:extLst>
+                  <a:ext uri="{0D108BD9-81ED-4DB2-BD59-A6C34878D82A}">
+                    <a16:rowId xmlns:a16="http://schemas.microsoft.com/office/drawing/2014/main" val="10002"/>
+                  </a:ext>
+                </a:extLst>
+              </a:tr>
+              <a:tr h="312035">
+                <a:tc>
+                  <a:txBody>
+                    <a:bodyPr/>
+                    <a:lstStyle/>
+                    <a:p>
+                      <a:pPr latinLnBrk="1"/>
+                      <a:r>
+                        <a:rPr lang="en-US" altLang="ko-KR" sz="1400"/>
+                        <a:t>192.168.2.10/32</a:t>
+                      </a:r>
+                      <a:endParaRPr lang="ko-KR" altLang="en-US" sz="1400" dirty="0"/>
+                    </a:p>
+                  </a:txBody>
+                  <a:tcPr anchor="ctr">
+                    <a:lnL w="19050" cap="flat" cmpd="sng" algn="ctr">
+                      <a:solidFill>
+                        <a:schemeClr val="tx1"/>
+                      </a:solidFill>
+                      <a:prstDash val="solid"/>
+                      <a:round/>
+                      <a:headEnd type="none" w="med" len="med"/>
+                      <a:tailEnd type="none" w="med" len="med"/>
+                    </a:lnL>
+                    <a:lnR w="19050" cap="flat" cmpd="sng" algn="ctr">
+                      <a:solidFill>
+                        <a:schemeClr val="tx1"/>
+                      </a:solidFill>
+                      <a:prstDash val="solid"/>
+                      <a:round/>
+                      <a:headEnd type="none" w="med" len="med"/>
+                      <a:tailEnd type="none" w="med" len="med"/>
+                    </a:lnR>
+                    <a:lnT w="19050" cap="flat" cmpd="sng" algn="ctr">
+                      <a:solidFill>
+                        <a:schemeClr val="tx1"/>
+                      </a:solidFill>
+                      <a:prstDash val="solid"/>
+                      <a:round/>
+                      <a:headEnd type="none" w="med" len="med"/>
+                      <a:tailEnd type="none" w="med" len="med"/>
+                    </a:lnT>
+                    <a:lnB w="19050" cap="flat" cmpd="sng" algn="ctr">
+                      <a:solidFill>
+                        <a:schemeClr val="tx1"/>
+                      </a:solidFill>
+                      <a:prstDash val="solid"/>
+                      <a:round/>
+                      <a:headEnd type="none" w="med" len="med"/>
+                      <a:tailEnd type="none" w="med" len="med"/>
+                    </a:lnB>
+                  </a:tcPr>
+                </a:tc>
+                <a:tc>
+                  <a:txBody>
+                    <a:bodyPr/>
+                    <a:lstStyle/>
+                    <a:p>
+                      <a:pPr latinLnBrk="1"/>
+                      <a:r>
+                        <a:rPr lang="en-US" altLang="ko-KR" sz="1400"/>
+                        <a:t>0.0.0.0</a:t>
+                      </a:r>
+                      <a:endParaRPr lang="ko-KR" altLang="en-US" sz="1400" dirty="0"/>
+                    </a:p>
+                  </a:txBody>
+                  <a:tcPr anchor="ctr">
+                    <a:lnL w="19050" cap="flat" cmpd="sng" algn="ctr">
+                      <a:solidFill>
+                        <a:schemeClr val="tx1"/>
+                      </a:solidFill>
+                      <a:prstDash val="solid"/>
+                      <a:round/>
+                      <a:headEnd type="none" w="med" len="med"/>
+                      <a:tailEnd type="none" w="med" len="med"/>
+                    </a:lnL>
+                    <a:lnR w="19050" cap="flat" cmpd="sng" algn="ctr">
+                      <a:solidFill>
+                        <a:schemeClr val="tx1"/>
+                      </a:solidFill>
+                      <a:prstDash val="solid"/>
+                      <a:round/>
+                      <a:headEnd type="none" w="med" len="med"/>
+                      <a:tailEnd type="none" w="med" len="med"/>
+                    </a:lnR>
+                    <a:lnT w="19050" cap="flat" cmpd="sng" algn="ctr">
+                      <a:solidFill>
+                        <a:schemeClr val="tx1"/>
+                      </a:solidFill>
+                      <a:prstDash val="solid"/>
+                      <a:round/>
+                      <a:headEnd type="none" w="med" len="med"/>
+                      <a:tailEnd type="none" w="med" len="med"/>
+                    </a:lnT>
+                    <a:lnB w="19050" cap="flat" cmpd="sng" algn="ctr">
+                      <a:solidFill>
+                        <a:schemeClr val="tx1"/>
+                      </a:solidFill>
+                      <a:prstDash val="solid"/>
+                      <a:round/>
+                      <a:headEnd type="none" w="med" len="med"/>
+                      <a:tailEnd type="none" w="med" len="med"/>
+                    </a:lnB>
+                  </a:tcPr>
+                </a:tc>
+                <a:tc>
+                  <a:txBody>
+                    <a:bodyPr/>
+                    <a:lstStyle/>
+                    <a:p>
+                      <a:pPr latinLnBrk="1"/>
+                      <a:r>
+                        <a:rPr lang="en-US" altLang="ko-KR" sz="1400" dirty="0" err="1"/>
+                        <a:t>calixxx</a:t>
+                      </a:r>
+                      <a:endParaRPr lang="ko-KR" altLang="en-US" sz="1400" dirty="0"/>
+                    </a:p>
+                  </a:txBody>
+                  <a:tcPr anchor="ctr">
+                    <a:lnL w="19050" cap="flat" cmpd="sng" algn="ctr">
+                      <a:solidFill>
+                        <a:schemeClr val="tx1"/>
+                      </a:solidFill>
+                      <a:prstDash val="solid"/>
+                      <a:round/>
+                      <a:headEnd type="none" w="med" len="med"/>
+                      <a:tailEnd type="none" w="med" len="med"/>
+                    </a:lnL>
+                    <a:lnR w="19050" cap="flat" cmpd="sng" algn="ctr">
+                      <a:solidFill>
+                        <a:schemeClr val="tx1"/>
+                      </a:solidFill>
+                      <a:prstDash val="solid"/>
+                      <a:round/>
+                      <a:headEnd type="none" w="med" len="med"/>
+                      <a:tailEnd type="none" w="med" len="med"/>
+                    </a:lnR>
+                    <a:lnT w="19050" cap="flat" cmpd="sng" algn="ctr">
+                      <a:solidFill>
+                        <a:schemeClr val="tx1"/>
+                      </a:solidFill>
+                      <a:prstDash val="solid"/>
+                      <a:round/>
+                      <a:headEnd type="none" w="med" len="med"/>
+                      <a:tailEnd type="none" w="med" len="med"/>
+                    </a:lnT>
+                    <a:lnB w="19050" cap="flat" cmpd="sng" algn="ctr">
+                      <a:solidFill>
+                        <a:schemeClr val="tx1"/>
+                      </a:solidFill>
+                      <a:prstDash val="solid"/>
+                      <a:round/>
+                      <a:headEnd type="none" w="med" len="med"/>
+                      <a:tailEnd type="none" w="med" len="med"/>
+                    </a:lnB>
+                  </a:tcPr>
+                </a:tc>
+                <a:extLst>
+                  <a:ext uri="{0D108BD9-81ED-4DB2-BD59-A6C34878D82A}">
+                    <a16:rowId xmlns:a16="http://schemas.microsoft.com/office/drawing/2014/main" val="1432748193"/>
+                  </a:ext>
+                </a:extLst>
+              </a:tr>
+            </a:tbl>
+          </a:graphicData>
+        </a:graphic>
+      </p:graphicFrame>
+      <p:sp>
+        <p:nvSpPr>
+          <p:cNvPr id="7" name="모서리가 둥근 직사각형 44">
+            <a:extLst>
+              <a:ext uri="{FF2B5EF4-FFF2-40B4-BE49-F238E27FC236}">
+                <a16:creationId xmlns:a16="http://schemas.microsoft.com/office/drawing/2014/main" id="{2DBA49E2-5203-48AC-9D0B-4B3C58EE231E}"/>
+              </a:ext>
+            </a:extLst>
+          </p:cNvPr>
+          <p:cNvSpPr/>
+          <p:nvPr/>
+        </p:nvSpPr>
+        <p:spPr>
+          <a:xfrm>
+            <a:off x="1043608" y="1275607"/>
+            <a:ext cx="1296144" cy="360040"/>
+          </a:xfrm>
+          <a:prstGeom prst="roundRect">
+            <a:avLst>
+              <a:gd name="adj" fmla="val 6195"/>
+            </a:avLst>
+          </a:prstGeom>
+          <a:ln/>
+        </p:spPr>
+        <p:style>
+          <a:lnRef idx="2">
+            <a:schemeClr val="dk1"/>
+          </a:lnRef>
+          <a:fillRef idx="1">
+            <a:schemeClr val="lt1"/>
+          </a:fillRef>
+          <a:effectRef idx="0">
+            <a:schemeClr val="dk1"/>
+          </a:effectRef>
+          <a:fontRef idx="minor">
+            <a:schemeClr val="dk1"/>
+          </a:fontRef>
+        </p:style>
+        <p:txBody>
+          <a:bodyPr rtlCol="0" anchor="ctr"/>
+          <a:lstStyle/>
+          <a:p>
+            <a:pPr algn="ctr"/>
+            <a:r>
+              <a:rPr lang="en-US" altLang="ko-KR" sz="1400" dirty="0" err="1"/>
+              <a:t>eth0</a:t>
+            </a:r>
+            <a:endParaRPr lang="ko-KR" altLang="en-US" sz="1400" dirty="0"/>
+          </a:p>
+        </p:txBody>
+      </p:sp>
+      <p:sp>
+        <p:nvSpPr>
+          <p:cNvPr id="8" name="모서리가 둥근 직사각형 44">
+            <a:extLst>
+              <a:ext uri="{FF2B5EF4-FFF2-40B4-BE49-F238E27FC236}">
+                <a16:creationId xmlns:a16="http://schemas.microsoft.com/office/drawing/2014/main" id="{2DBA49E2-5203-48AC-9D0B-4B3C58EE231E}"/>
+              </a:ext>
+            </a:extLst>
+          </p:cNvPr>
+          <p:cNvSpPr/>
+          <p:nvPr/>
+        </p:nvSpPr>
+        <p:spPr>
+          <a:xfrm>
+            <a:off x="1043608" y="1779663"/>
+            <a:ext cx="1296144" cy="360040"/>
+          </a:xfrm>
+          <a:prstGeom prst="roundRect">
+            <a:avLst>
+              <a:gd name="adj" fmla="val 6195"/>
+            </a:avLst>
+          </a:prstGeom>
+          <a:ln/>
+        </p:spPr>
+        <p:style>
+          <a:lnRef idx="2">
+            <a:schemeClr val="dk1"/>
+          </a:lnRef>
+          <a:fillRef idx="1">
+            <a:schemeClr val="lt1"/>
+          </a:fillRef>
+          <a:effectRef idx="0">
+            <a:schemeClr val="dk1"/>
+          </a:effectRef>
+          <a:fontRef idx="minor">
+            <a:schemeClr val="dk1"/>
+          </a:fontRef>
+        </p:style>
+        <p:txBody>
+          <a:bodyPr rtlCol="0" anchor="ctr"/>
+          <a:lstStyle/>
+          <a:p>
+            <a:pPr algn="ctr"/>
+            <a:r>
+              <a:rPr lang="en-US" altLang="ko-KR" sz="1400" dirty="0" err="1"/>
+              <a:t>calixxx</a:t>
+            </a:r>
+            <a:endParaRPr lang="ko-KR" altLang="en-US" sz="1400" dirty="0"/>
+          </a:p>
+        </p:txBody>
+      </p:sp>
+      <p:cxnSp>
+        <p:nvCxnSpPr>
+          <p:cNvPr id="10" name="직선 연결선 9"/>
+          <p:cNvCxnSpPr>
+            <a:stCxn id="7" idx="2"/>
+            <a:endCxn id="8" idx="0"/>
+          </p:cNvCxnSpPr>
+          <p:nvPr/>
+        </p:nvCxnSpPr>
+        <p:spPr>
+          <a:xfrm>
+            <a:off x="1691680" y="1635647"/>
+            <a:ext cx="0" cy="144016"/>
+          </a:xfrm>
+          <a:prstGeom prst="line">
+            <a:avLst/>
+          </a:prstGeom>
+          <a:ln w="19050">
+            <a:solidFill>
+              <a:schemeClr val="tx1"/>
+            </a:solidFill>
+          </a:ln>
+        </p:spPr>
+        <p:style>
+          <a:lnRef idx="1">
+            <a:schemeClr val="accent1"/>
+          </a:lnRef>
+          <a:fillRef idx="0">
+            <a:schemeClr val="accent1"/>
+          </a:fillRef>
+          <a:effectRef idx="0">
+            <a:schemeClr val="accent1"/>
+          </a:effectRef>
+          <a:fontRef idx="minor">
+            <a:schemeClr val="tx1"/>
+          </a:fontRef>
+        </p:style>
+      </p:cxnSp>
+      <p:sp>
+        <p:nvSpPr>
+          <p:cNvPr id="11" name="모서리가 둥근 직사각형 44">
+            <a:extLst>
+              <a:ext uri="{FF2B5EF4-FFF2-40B4-BE49-F238E27FC236}">
+                <a16:creationId xmlns:a16="http://schemas.microsoft.com/office/drawing/2014/main" id="{2DBA49E2-5203-48AC-9D0B-4B3C58EE231E}"/>
+              </a:ext>
+            </a:extLst>
+          </p:cNvPr>
+          <p:cNvSpPr/>
+          <p:nvPr/>
+        </p:nvSpPr>
+        <p:spPr>
+          <a:xfrm>
+            <a:off x="2123728" y="1306087"/>
+            <a:ext cx="1676975" cy="288032"/>
+          </a:xfrm>
+          <a:prstGeom prst="roundRect">
+            <a:avLst>
+              <a:gd name="adj" fmla="val 6195"/>
+            </a:avLst>
+          </a:prstGeom>
+          <a:noFill/>
+          <a:ln>
+            <a:noFill/>
+          </a:ln>
+        </p:spPr>
+        <p:style>
+          <a:lnRef idx="2">
+            <a:schemeClr val="dk1"/>
+          </a:lnRef>
+          <a:fillRef idx="1">
+            <a:schemeClr val="lt1"/>
+          </a:fillRef>
+          <a:effectRef idx="0">
+            <a:schemeClr val="dk1"/>
+          </a:effectRef>
+          <a:fontRef idx="minor">
+            <a:schemeClr val="dk1"/>
+          </a:fontRef>
+        </p:style>
+        <p:txBody>
+          <a:bodyPr rtlCol="0" anchor="ctr"/>
+          <a:lstStyle/>
+          <a:p>
+            <a:pPr algn="ctr"/>
+            <a:r>
+              <a:rPr lang="en-US" altLang="ko-KR" sz="1400"/>
+              <a:t>192.168.2.10</a:t>
+            </a:r>
+            <a:endParaRPr lang="ko-KR" altLang="en-US" sz="1400" dirty="0"/>
+          </a:p>
+        </p:txBody>
+      </p:sp>
+      <p:sp>
+        <p:nvSpPr>
+          <p:cNvPr id="13" name="모서리가 둥근 직사각형 44">
+            <a:extLst>
+              <a:ext uri="{FF2B5EF4-FFF2-40B4-BE49-F238E27FC236}">
+                <a16:creationId xmlns:a16="http://schemas.microsoft.com/office/drawing/2014/main" id="{2DBA49E2-5203-48AC-9D0B-4B3C58EE231E}"/>
+              </a:ext>
+            </a:extLst>
+          </p:cNvPr>
+          <p:cNvSpPr/>
+          <p:nvPr/>
+        </p:nvSpPr>
+        <p:spPr>
+          <a:xfrm>
+            <a:off x="2843808" y="3948689"/>
+            <a:ext cx="1296144" cy="360040"/>
+          </a:xfrm>
+          <a:prstGeom prst="roundRect">
+            <a:avLst>
+              <a:gd name="adj" fmla="val 6195"/>
+            </a:avLst>
+          </a:prstGeom>
+          <a:ln/>
+        </p:spPr>
+        <p:style>
+          <a:lnRef idx="2">
+            <a:schemeClr val="dk1"/>
+          </a:lnRef>
+          <a:fillRef idx="1">
+            <a:schemeClr val="lt1"/>
+          </a:fillRef>
+          <a:effectRef idx="0">
+            <a:schemeClr val="dk1"/>
+          </a:effectRef>
+          <a:fontRef idx="minor">
+            <a:schemeClr val="dk1"/>
+          </a:fontRef>
+        </p:style>
+        <p:txBody>
+          <a:bodyPr rtlCol="0" anchor="ctr"/>
+          <a:lstStyle/>
+          <a:p>
+            <a:pPr algn="ctr"/>
+            <a:r>
+              <a:rPr lang="en-US" altLang="ko-KR" sz="1400" dirty="0" err="1"/>
+              <a:t>eth0</a:t>
+            </a:r>
+            <a:endParaRPr lang="ko-KR" altLang="en-US" sz="1400" dirty="0"/>
+          </a:p>
+        </p:txBody>
+      </p:sp>
+      <p:sp>
+        <p:nvSpPr>
+          <p:cNvPr id="14" name="모서리가 둥근 직사각형 44">
+            <a:extLst>
+              <a:ext uri="{FF2B5EF4-FFF2-40B4-BE49-F238E27FC236}">
+                <a16:creationId xmlns:a16="http://schemas.microsoft.com/office/drawing/2014/main" id="{2DBA49E2-5203-48AC-9D0B-4B3C58EE231E}"/>
+              </a:ext>
+            </a:extLst>
+          </p:cNvPr>
+          <p:cNvSpPr/>
+          <p:nvPr/>
+        </p:nvSpPr>
+        <p:spPr>
+          <a:xfrm>
+            <a:off x="5004048" y="771550"/>
+            <a:ext cx="3456384" cy="3816419"/>
+          </a:xfrm>
+          <a:prstGeom prst="roundRect">
+            <a:avLst>
+              <a:gd name="adj" fmla="val 2406"/>
+            </a:avLst>
+          </a:prstGeom>
+          <a:ln/>
+        </p:spPr>
+        <p:style>
+          <a:lnRef idx="2">
+            <a:schemeClr val="dk1"/>
+          </a:lnRef>
+          <a:fillRef idx="1">
+            <a:schemeClr val="lt1"/>
+          </a:fillRef>
+          <a:effectRef idx="0">
+            <a:schemeClr val="dk1"/>
+          </a:effectRef>
+          <a:fontRef idx="minor">
+            <a:schemeClr val="dk1"/>
+          </a:fontRef>
+        </p:style>
+        <p:txBody>
+          <a:bodyPr rtlCol="0" anchor="b"/>
+          <a:lstStyle/>
+          <a:p>
+            <a:pPr algn="r"/>
+            <a:r>
+              <a:rPr lang="en-US" altLang="ko-KR" sz="1600" b="1"/>
+              <a:t>Host </a:t>
+            </a:r>
+            <a:r>
+              <a:rPr lang="en-US" altLang="ko-KR" sz="1600" b="1" dirty="0"/>
+              <a:t>2 </a:t>
+            </a:r>
+          </a:p>
+          <a:p>
+            <a:pPr algn="r"/>
+            <a:r>
+              <a:rPr lang="en-US" altLang="ko-KR" sz="1600" b="1"/>
+              <a:t>(192.168.3.0/24)</a:t>
+            </a:r>
+            <a:endParaRPr lang="ko-KR" altLang="en-US" sz="1600" b="1" dirty="0"/>
+          </a:p>
+        </p:txBody>
+      </p:sp>
+      <p:sp>
+        <p:nvSpPr>
+          <p:cNvPr id="15" name="모서리가 둥근 직사각형 44">
+            <a:extLst>
+              <a:ext uri="{FF2B5EF4-FFF2-40B4-BE49-F238E27FC236}">
+                <a16:creationId xmlns:a16="http://schemas.microsoft.com/office/drawing/2014/main" id="{2DBA49E2-5203-48AC-9D0B-4B3C58EE231E}"/>
+              </a:ext>
+            </a:extLst>
+          </p:cNvPr>
+          <p:cNvSpPr/>
+          <p:nvPr/>
+        </p:nvSpPr>
+        <p:spPr>
+          <a:xfrm>
+            <a:off x="5148064" y="915567"/>
+            <a:ext cx="3168352" cy="720080"/>
+          </a:xfrm>
+          <a:prstGeom prst="roundRect">
+            <a:avLst>
+              <a:gd name="adj" fmla="val 6195"/>
+            </a:avLst>
+          </a:prstGeom>
+          <a:ln/>
+        </p:spPr>
+        <p:style>
+          <a:lnRef idx="2">
+            <a:schemeClr val="dk1"/>
+          </a:lnRef>
+          <a:fillRef idx="1">
+            <a:schemeClr val="lt1"/>
+          </a:fillRef>
+          <a:effectRef idx="0">
+            <a:schemeClr val="dk1"/>
+          </a:effectRef>
+          <a:fontRef idx="minor">
+            <a:schemeClr val="dk1"/>
+          </a:fontRef>
+        </p:style>
+        <p:txBody>
+          <a:bodyPr rtlCol="0" anchor="t"/>
+          <a:lstStyle/>
+          <a:p>
+            <a:pPr algn="ctr"/>
+            <a:r>
+              <a:rPr lang="en-US" altLang="ko-KR" sz="1600" dirty="0"/>
+              <a:t>Container B </a:t>
+            </a:r>
+            <a:endParaRPr lang="ko-KR" altLang="en-US" sz="1600" dirty="0"/>
+          </a:p>
+        </p:txBody>
+      </p:sp>
+      <p:graphicFrame>
+        <p:nvGraphicFramePr>
+          <p:cNvPr id="16" name="표 15"/>
+          <p:cNvGraphicFramePr>
+            <a:graphicFrameLocks noGrp="1"/>
+          </p:cNvGraphicFramePr>
+          <p:nvPr>
+            <p:extLst>
+              <p:ext uri="{D42A27DB-BD31-4B8C-83A1-F6EECF244321}">
+                <p14:modId xmlns:p14="http://schemas.microsoft.com/office/powerpoint/2010/main" val="3321033544"/>
+              </p:ext>
+            </p:extLst>
+          </p:nvPr>
+        </p:nvGraphicFramePr>
+        <p:xfrm>
+          <a:off x="5104076" y="2204566"/>
+          <a:ext cx="3256329" cy="1248140"/>
+        </p:xfrm>
+        <a:graphic>
+          <a:graphicData uri="http://schemas.openxmlformats.org/drawingml/2006/table">
+            <a:tbl>
+              <a:tblPr firstRow="1" bandRow="1">
+                <a:tableStyleId>{2D5ABB26-0587-4C30-8999-92F81FD0307C}</a:tableStyleId>
+              </a:tblPr>
+              <a:tblGrid>
+                <a:gridCol w="1556156">
+                  <a:extLst>
+                    <a:ext uri="{9D8B030D-6E8A-4147-A177-3AD203B41FA5}">
+                      <a16:colId xmlns:a16="http://schemas.microsoft.com/office/drawing/2014/main" val="20000"/>
+                    </a:ext>
+                  </a:extLst>
+                </a:gridCol>
+                <a:gridCol w="936104">
+                  <a:extLst>
+                    <a:ext uri="{9D8B030D-6E8A-4147-A177-3AD203B41FA5}">
+                      <a16:colId xmlns:a16="http://schemas.microsoft.com/office/drawing/2014/main" val="2983524949"/>
+                    </a:ext>
+                  </a:extLst>
+                </a:gridCol>
+                <a:gridCol w="764069">
+                  <a:extLst>
+                    <a:ext uri="{9D8B030D-6E8A-4147-A177-3AD203B41FA5}">
+                      <a16:colId xmlns:a16="http://schemas.microsoft.com/office/drawing/2014/main" val="20001"/>
+                    </a:ext>
+                  </a:extLst>
+                </a:gridCol>
+              </a:tblGrid>
+              <a:tr h="312035">
+                <a:tc>
+                  <a:txBody>
+                    <a:bodyPr/>
+                    <a:lstStyle/>
+                    <a:p>
+                      <a:pPr latinLnBrk="1"/>
+                      <a:r>
+                        <a:rPr lang="en-US" altLang="ko-KR" sz="1400" dirty="0"/>
+                        <a:t>10.0.0.0/24</a:t>
+                      </a:r>
+                      <a:endParaRPr lang="ko-KR" altLang="en-US" sz="1400" dirty="0"/>
+                    </a:p>
+                  </a:txBody>
+                  <a:tcPr anchor="ctr">
+                    <a:lnL w="19050" cap="flat" cmpd="sng" algn="ctr">
+                      <a:solidFill>
+                        <a:schemeClr val="tx1"/>
+                      </a:solidFill>
+                      <a:prstDash val="solid"/>
+                      <a:round/>
+                      <a:headEnd type="none" w="med" len="med"/>
+                      <a:tailEnd type="none" w="med" len="med"/>
+                    </a:lnL>
+                    <a:lnR w="19050" cap="flat" cmpd="sng" algn="ctr">
+                      <a:solidFill>
+                        <a:schemeClr val="tx1"/>
+                      </a:solidFill>
+                      <a:prstDash val="solid"/>
+                      <a:round/>
+                      <a:headEnd type="none" w="med" len="med"/>
+                      <a:tailEnd type="none" w="med" len="med"/>
+                    </a:lnR>
+                    <a:lnT w="19050" cap="flat" cmpd="sng" algn="ctr">
+                      <a:solidFill>
+                        <a:schemeClr val="tx1"/>
+                      </a:solidFill>
+                      <a:prstDash val="solid"/>
+                      <a:round/>
+                      <a:headEnd type="none" w="med" len="med"/>
+                      <a:tailEnd type="none" w="med" len="med"/>
+                    </a:lnT>
+                    <a:lnB w="19050" cap="flat" cmpd="sng" algn="ctr">
+                      <a:solidFill>
+                        <a:schemeClr val="tx1"/>
+                      </a:solidFill>
+                      <a:prstDash val="solid"/>
+                      <a:round/>
+                      <a:headEnd type="none" w="med" len="med"/>
+                      <a:tailEnd type="none" w="med" len="med"/>
+                    </a:lnB>
+                  </a:tcPr>
+                </a:tc>
+                <a:tc>
+                  <a:txBody>
+                    <a:bodyPr/>
+                    <a:lstStyle/>
+                    <a:p>
+                      <a:pPr latinLnBrk="1"/>
+                      <a:r>
+                        <a:rPr lang="en-US" altLang="ko-KR" sz="1400"/>
+                        <a:t>10.0.0.1</a:t>
+                      </a:r>
+                      <a:endParaRPr lang="ko-KR" altLang="en-US" sz="1400" dirty="0"/>
+                    </a:p>
+                  </a:txBody>
+                  <a:tcPr anchor="ctr">
+                    <a:lnL w="19050" cap="flat" cmpd="sng" algn="ctr">
+                      <a:solidFill>
+                        <a:schemeClr val="tx1"/>
+                      </a:solidFill>
+                      <a:prstDash val="solid"/>
+                      <a:round/>
+                      <a:headEnd type="none" w="med" len="med"/>
+                      <a:tailEnd type="none" w="med" len="med"/>
+                    </a:lnL>
+                    <a:lnR w="19050" cap="flat" cmpd="sng" algn="ctr">
+                      <a:solidFill>
+                        <a:schemeClr val="tx1"/>
+                      </a:solidFill>
+                      <a:prstDash val="solid"/>
+                      <a:round/>
+                      <a:headEnd type="none" w="med" len="med"/>
+                      <a:tailEnd type="none" w="med" len="med"/>
+                    </a:lnR>
+                    <a:lnT w="19050" cap="flat" cmpd="sng" algn="ctr">
+                      <a:solidFill>
+                        <a:schemeClr val="tx1"/>
+                      </a:solidFill>
+                      <a:prstDash val="solid"/>
+                      <a:round/>
+                      <a:headEnd type="none" w="med" len="med"/>
+                      <a:tailEnd type="none" w="med" len="med"/>
+                    </a:lnT>
+                    <a:lnB w="19050" cap="flat" cmpd="sng" algn="ctr">
+                      <a:solidFill>
+                        <a:schemeClr val="tx1"/>
+                      </a:solidFill>
+                      <a:prstDash val="solid"/>
+                      <a:round/>
+                      <a:headEnd type="none" w="med" len="med"/>
+                      <a:tailEnd type="none" w="med" len="med"/>
+                    </a:lnB>
+                  </a:tcPr>
+                </a:tc>
+                <a:tc>
+                  <a:txBody>
+                    <a:bodyPr/>
+                    <a:lstStyle/>
+                    <a:p>
+                      <a:pPr latinLnBrk="1"/>
+                      <a:r>
+                        <a:rPr lang="en-US" altLang="ko-KR" sz="1400" dirty="0" err="1"/>
+                        <a:t>eth0</a:t>
+                      </a:r>
+                      <a:endParaRPr lang="ko-KR" altLang="en-US" sz="1400" dirty="0"/>
+                    </a:p>
+                  </a:txBody>
+                  <a:tcPr anchor="ctr">
+                    <a:lnL w="19050" cap="flat" cmpd="sng" algn="ctr">
+                      <a:solidFill>
+                        <a:schemeClr val="tx1"/>
+                      </a:solidFill>
+                      <a:prstDash val="solid"/>
+                      <a:round/>
+                      <a:headEnd type="none" w="med" len="med"/>
+                      <a:tailEnd type="none" w="med" len="med"/>
+                    </a:lnL>
+                    <a:lnR w="19050" cap="flat" cmpd="sng" algn="ctr">
+                      <a:solidFill>
+                        <a:schemeClr val="tx1"/>
+                      </a:solidFill>
+                      <a:prstDash val="solid"/>
+                      <a:round/>
+                      <a:headEnd type="none" w="med" len="med"/>
+                      <a:tailEnd type="none" w="med" len="med"/>
+                    </a:lnR>
+                    <a:lnT w="19050" cap="flat" cmpd="sng" algn="ctr">
+                      <a:solidFill>
+                        <a:schemeClr val="tx1"/>
+                      </a:solidFill>
+                      <a:prstDash val="solid"/>
+                      <a:round/>
+                      <a:headEnd type="none" w="med" len="med"/>
+                      <a:tailEnd type="none" w="med" len="med"/>
+                    </a:lnT>
+                    <a:lnB w="19050" cap="flat" cmpd="sng" algn="ctr">
+                      <a:solidFill>
+                        <a:schemeClr val="tx1"/>
+                      </a:solidFill>
+                      <a:prstDash val="solid"/>
+                      <a:round/>
+                      <a:headEnd type="none" w="med" len="med"/>
+                      <a:tailEnd type="none" w="med" len="med"/>
+                    </a:lnB>
+                  </a:tcPr>
+                </a:tc>
+                <a:extLst>
+                  <a:ext uri="{0D108BD9-81ED-4DB2-BD59-A6C34878D82A}">
+                    <a16:rowId xmlns:a16="http://schemas.microsoft.com/office/drawing/2014/main" val="10000"/>
+                  </a:ext>
+                </a:extLst>
+              </a:tr>
+              <a:tr h="312035">
+                <a:tc>
+                  <a:txBody>
+                    <a:bodyPr/>
+                    <a:lstStyle/>
+                    <a:p>
+                      <a:pPr latinLnBrk="1"/>
+                      <a:r>
+                        <a:rPr lang="en-US" altLang="ko-KR" sz="1400" dirty="0"/>
+                        <a:t>192.168.2.0/24</a:t>
+                      </a:r>
+                      <a:endParaRPr lang="ko-KR" altLang="en-US" sz="1400" dirty="0"/>
+                    </a:p>
+                  </a:txBody>
+                  <a:tcPr anchor="ctr">
+                    <a:lnL w="19050" cap="flat" cmpd="sng" algn="ctr">
+                      <a:solidFill>
+                        <a:schemeClr val="tx1"/>
+                      </a:solidFill>
+                      <a:prstDash val="solid"/>
+                      <a:round/>
+                      <a:headEnd type="none" w="med" len="med"/>
+                      <a:tailEnd type="none" w="med" len="med"/>
+                    </a:lnL>
+                    <a:lnR w="19050" cap="flat" cmpd="sng" algn="ctr">
+                      <a:solidFill>
+                        <a:schemeClr val="tx1"/>
+                      </a:solidFill>
+                      <a:prstDash val="solid"/>
+                      <a:round/>
+                      <a:headEnd type="none" w="med" len="med"/>
+                      <a:tailEnd type="none" w="med" len="med"/>
+                    </a:lnR>
+                    <a:lnT w="19050" cap="flat" cmpd="sng" algn="ctr">
+                      <a:solidFill>
+                        <a:schemeClr val="tx1"/>
+                      </a:solidFill>
+                      <a:prstDash val="solid"/>
+                      <a:round/>
+                      <a:headEnd type="none" w="med" len="med"/>
+                      <a:tailEnd type="none" w="med" len="med"/>
+                    </a:lnT>
+                    <a:lnB w="19050" cap="flat" cmpd="sng" algn="ctr">
+                      <a:solidFill>
+                        <a:schemeClr val="tx1"/>
+                      </a:solidFill>
+                      <a:prstDash val="solid"/>
+                      <a:round/>
+                      <a:headEnd type="none" w="med" len="med"/>
+                      <a:tailEnd type="none" w="med" len="med"/>
+                    </a:lnB>
+                  </a:tcPr>
+                </a:tc>
+                <a:tc>
+                  <a:txBody>
+                    <a:bodyPr/>
+                    <a:lstStyle/>
+                    <a:p>
+                      <a:pPr latinLnBrk="1"/>
+                      <a:r>
+                        <a:rPr lang="en-US" altLang="ko-KR" sz="1400"/>
+                        <a:t>10.0.0.20</a:t>
+                      </a:r>
+                      <a:endParaRPr lang="ko-KR" altLang="en-US" sz="1400" dirty="0"/>
+                    </a:p>
+                  </a:txBody>
+                  <a:tcPr anchor="ctr">
+                    <a:lnL w="19050" cap="flat" cmpd="sng" algn="ctr">
+                      <a:solidFill>
+                        <a:schemeClr val="tx1"/>
+                      </a:solidFill>
+                      <a:prstDash val="solid"/>
+                      <a:round/>
+                      <a:headEnd type="none" w="med" len="med"/>
+                      <a:tailEnd type="none" w="med" len="med"/>
+                    </a:lnL>
+                    <a:lnR w="19050" cap="flat" cmpd="sng" algn="ctr">
+                      <a:solidFill>
+                        <a:schemeClr val="tx1"/>
+                      </a:solidFill>
+                      <a:prstDash val="solid"/>
+                      <a:round/>
+                      <a:headEnd type="none" w="med" len="med"/>
+                      <a:tailEnd type="none" w="med" len="med"/>
+                    </a:lnR>
+                    <a:lnT w="19050" cap="flat" cmpd="sng" algn="ctr">
+                      <a:solidFill>
+                        <a:schemeClr val="tx1"/>
+                      </a:solidFill>
+                      <a:prstDash val="solid"/>
+                      <a:round/>
+                      <a:headEnd type="none" w="med" len="med"/>
+                      <a:tailEnd type="none" w="med" len="med"/>
+                    </a:lnT>
+                    <a:lnB w="19050" cap="flat" cmpd="sng" algn="ctr">
+                      <a:solidFill>
+                        <a:schemeClr val="tx1"/>
+                      </a:solidFill>
+                      <a:prstDash val="solid"/>
+                      <a:round/>
+                      <a:headEnd type="none" w="med" len="med"/>
+                      <a:tailEnd type="none" w="med" len="med"/>
+                    </a:lnB>
+                  </a:tcPr>
+                </a:tc>
+                <a:tc>
+                  <a:txBody>
+                    <a:bodyPr/>
+                    <a:lstStyle/>
+                    <a:p>
+                      <a:pPr latinLnBrk="1"/>
+                      <a:r>
+                        <a:rPr lang="en-US" altLang="ko-KR" sz="1400"/>
+                        <a:t>tunl0</a:t>
+                      </a:r>
+                      <a:endParaRPr lang="ko-KR" altLang="en-US" sz="1400" dirty="0"/>
+                    </a:p>
+                  </a:txBody>
+                  <a:tcPr anchor="ctr">
+                    <a:lnL w="19050" cap="flat" cmpd="sng" algn="ctr">
+                      <a:solidFill>
+                        <a:schemeClr val="tx1"/>
+                      </a:solidFill>
+                      <a:prstDash val="solid"/>
+                      <a:round/>
+                      <a:headEnd type="none" w="med" len="med"/>
+                      <a:tailEnd type="none" w="med" len="med"/>
+                    </a:lnL>
+                    <a:lnR w="19050" cap="flat" cmpd="sng" algn="ctr">
+                      <a:solidFill>
+                        <a:schemeClr val="tx1"/>
+                      </a:solidFill>
+                      <a:prstDash val="solid"/>
+                      <a:round/>
+                      <a:headEnd type="none" w="med" len="med"/>
+                      <a:tailEnd type="none" w="med" len="med"/>
+                    </a:lnR>
+                    <a:lnT w="19050" cap="flat" cmpd="sng" algn="ctr">
+                      <a:solidFill>
+                        <a:schemeClr val="tx1"/>
+                      </a:solidFill>
+                      <a:prstDash val="solid"/>
+                      <a:round/>
+                      <a:headEnd type="none" w="med" len="med"/>
+                      <a:tailEnd type="none" w="med" len="med"/>
+                    </a:lnT>
+                    <a:lnB w="19050" cap="flat" cmpd="sng" algn="ctr">
+                      <a:solidFill>
+                        <a:schemeClr val="tx1"/>
+                      </a:solidFill>
+                      <a:prstDash val="solid"/>
+                      <a:round/>
+                      <a:headEnd type="none" w="med" len="med"/>
+                      <a:tailEnd type="none" w="med" len="med"/>
+                    </a:lnB>
+                  </a:tcPr>
+                </a:tc>
+                <a:extLst>
+                  <a:ext uri="{0D108BD9-81ED-4DB2-BD59-A6C34878D82A}">
+                    <a16:rowId xmlns:a16="http://schemas.microsoft.com/office/drawing/2014/main" val="10001"/>
+                  </a:ext>
+                </a:extLst>
+              </a:tr>
+              <a:tr h="312035">
+                <a:tc>
+                  <a:txBody>
+                    <a:bodyPr/>
+                    <a:lstStyle/>
+                    <a:p>
+                      <a:pPr latinLnBrk="1"/>
+                      <a:r>
+                        <a:rPr lang="en-US" altLang="ko-KR" sz="1400"/>
+                        <a:t>192.168.3.0/24</a:t>
+                      </a:r>
+                      <a:endParaRPr lang="ko-KR" altLang="en-US" sz="1400" dirty="0"/>
+                    </a:p>
+                  </a:txBody>
+                  <a:tcPr anchor="ctr">
+                    <a:lnL w="19050" cap="flat" cmpd="sng" algn="ctr">
+                      <a:solidFill>
+                        <a:schemeClr val="tx1"/>
+                      </a:solidFill>
+                      <a:prstDash val="solid"/>
+                      <a:round/>
+                      <a:headEnd type="none" w="med" len="med"/>
+                      <a:tailEnd type="none" w="med" len="med"/>
+                    </a:lnL>
+                    <a:lnR w="19050" cap="flat" cmpd="sng" algn="ctr">
+                      <a:solidFill>
+                        <a:schemeClr val="tx1"/>
+                      </a:solidFill>
+                      <a:prstDash val="solid"/>
+                      <a:round/>
+                      <a:headEnd type="none" w="med" len="med"/>
+                      <a:tailEnd type="none" w="med" len="med"/>
+                    </a:lnR>
+                    <a:lnT w="19050" cap="flat" cmpd="sng" algn="ctr">
+                      <a:solidFill>
+                        <a:schemeClr val="tx1"/>
+                      </a:solidFill>
+                      <a:prstDash val="solid"/>
+                      <a:round/>
+                      <a:headEnd type="none" w="med" len="med"/>
+                      <a:tailEnd type="none" w="med" len="med"/>
+                    </a:lnT>
+                    <a:lnB w="19050" cap="flat" cmpd="sng" algn="ctr">
+                      <a:solidFill>
+                        <a:schemeClr val="tx1"/>
+                      </a:solidFill>
+                      <a:prstDash val="solid"/>
+                      <a:round/>
+                      <a:headEnd type="none" w="med" len="med"/>
+                      <a:tailEnd type="none" w="med" len="med"/>
+                    </a:lnB>
+                  </a:tcPr>
+                </a:tc>
+                <a:tc>
+                  <a:txBody>
+                    <a:bodyPr/>
+                    <a:lstStyle/>
+                    <a:p>
+                      <a:pPr latinLnBrk="1"/>
+                      <a:r>
+                        <a:rPr lang="en-US" altLang="ko-KR" sz="1400"/>
+                        <a:t>0.0.0.0</a:t>
+                      </a:r>
+                      <a:endParaRPr lang="ko-KR" altLang="en-US" sz="1400" dirty="0"/>
+                    </a:p>
+                  </a:txBody>
+                  <a:tcPr anchor="ctr">
+                    <a:lnL w="19050" cap="flat" cmpd="sng" algn="ctr">
+                      <a:solidFill>
+                        <a:schemeClr val="tx1"/>
+                      </a:solidFill>
+                      <a:prstDash val="solid"/>
+                      <a:round/>
+                      <a:headEnd type="none" w="med" len="med"/>
+                      <a:tailEnd type="none" w="med" len="med"/>
+                    </a:lnL>
+                    <a:lnR w="19050" cap="flat" cmpd="sng" algn="ctr">
+                      <a:solidFill>
+                        <a:schemeClr val="tx1"/>
+                      </a:solidFill>
+                      <a:prstDash val="solid"/>
+                      <a:round/>
+                      <a:headEnd type="none" w="med" len="med"/>
+                      <a:tailEnd type="none" w="med" len="med"/>
+                    </a:lnR>
+                    <a:lnT w="19050" cap="flat" cmpd="sng" algn="ctr">
+                      <a:solidFill>
+                        <a:schemeClr val="tx1"/>
+                      </a:solidFill>
+                      <a:prstDash val="solid"/>
+                      <a:round/>
+                      <a:headEnd type="none" w="med" len="med"/>
+                      <a:tailEnd type="none" w="med" len="med"/>
+                    </a:lnT>
+                    <a:lnB w="19050" cap="flat" cmpd="sng" algn="ctr">
+                      <a:solidFill>
+                        <a:schemeClr val="tx1"/>
+                      </a:solidFill>
+                      <a:prstDash val="solid"/>
+                      <a:round/>
+                      <a:headEnd type="none" w="med" len="med"/>
+                      <a:tailEnd type="none" w="med" len="med"/>
+                    </a:lnB>
+                  </a:tcPr>
+                </a:tc>
+                <a:tc>
+                  <a:txBody>
+                    <a:bodyPr/>
+                    <a:lstStyle/>
+                    <a:p>
+                      <a:pPr latinLnBrk="1"/>
+                      <a:r>
+                        <a:rPr lang="en-US" altLang="ko-KR" sz="1400"/>
+                        <a:t>*</a:t>
+                      </a:r>
+                      <a:endParaRPr lang="ko-KR" altLang="en-US" sz="1400" dirty="0"/>
+                    </a:p>
+                  </a:txBody>
+                  <a:tcPr anchor="ctr">
+                    <a:lnL w="19050" cap="flat" cmpd="sng" algn="ctr">
+                      <a:solidFill>
+                        <a:schemeClr val="tx1"/>
+                      </a:solidFill>
+                      <a:prstDash val="solid"/>
+                      <a:round/>
+                      <a:headEnd type="none" w="med" len="med"/>
+                      <a:tailEnd type="none" w="med" len="med"/>
+                    </a:lnL>
+                    <a:lnR w="19050" cap="flat" cmpd="sng" algn="ctr">
+                      <a:solidFill>
+                        <a:schemeClr val="tx1"/>
+                      </a:solidFill>
+                      <a:prstDash val="solid"/>
+                      <a:round/>
+                      <a:headEnd type="none" w="med" len="med"/>
+                      <a:tailEnd type="none" w="med" len="med"/>
+                    </a:lnR>
+                    <a:lnT w="19050" cap="flat" cmpd="sng" algn="ctr">
+                      <a:solidFill>
+                        <a:schemeClr val="tx1"/>
+                      </a:solidFill>
+                      <a:prstDash val="solid"/>
+                      <a:round/>
+                      <a:headEnd type="none" w="med" len="med"/>
+                      <a:tailEnd type="none" w="med" len="med"/>
+                    </a:lnT>
+                    <a:lnB w="19050" cap="flat" cmpd="sng" algn="ctr">
+                      <a:solidFill>
+                        <a:schemeClr val="tx1"/>
+                      </a:solidFill>
+                      <a:prstDash val="solid"/>
+                      <a:round/>
+                      <a:headEnd type="none" w="med" len="med"/>
+                      <a:tailEnd type="none" w="med" len="med"/>
+                    </a:lnB>
+                  </a:tcPr>
+                </a:tc>
+                <a:extLst>
+                  <a:ext uri="{0D108BD9-81ED-4DB2-BD59-A6C34878D82A}">
+                    <a16:rowId xmlns:a16="http://schemas.microsoft.com/office/drawing/2014/main" val="10002"/>
+                  </a:ext>
+                </a:extLst>
+              </a:tr>
+              <a:tr h="312035">
+                <a:tc>
+                  <a:txBody>
+                    <a:bodyPr/>
+                    <a:lstStyle/>
+                    <a:p>
+                      <a:pPr latinLnBrk="1"/>
+                      <a:r>
+                        <a:rPr lang="en-US" altLang="ko-KR" sz="1400"/>
+                        <a:t>192.168.3.10/32</a:t>
+                      </a:r>
+                      <a:endParaRPr lang="ko-KR" altLang="en-US" sz="1400" dirty="0"/>
+                    </a:p>
+                  </a:txBody>
+                  <a:tcPr anchor="ctr">
+                    <a:lnL w="19050" cap="flat" cmpd="sng" algn="ctr">
+                      <a:solidFill>
+                        <a:schemeClr val="tx1"/>
+                      </a:solidFill>
+                      <a:prstDash val="solid"/>
+                      <a:round/>
+                      <a:headEnd type="none" w="med" len="med"/>
+                      <a:tailEnd type="none" w="med" len="med"/>
+                    </a:lnL>
+                    <a:lnR w="19050" cap="flat" cmpd="sng" algn="ctr">
+                      <a:solidFill>
+                        <a:schemeClr val="tx1"/>
+                      </a:solidFill>
+                      <a:prstDash val="solid"/>
+                      <a:round/>
+                      <a:headEnd type="none" w="med" len="med"/>
+                      <a:tailEnd type="none" w="med" len="med"/>
+                    </a:lnR>
+                    <a:lnT w="19050" cap="flat" cmpd="sng" algn="ctr">
+                      <a:solidFill>
+                        <a:schemeClr val="tx1"/>
+                      </a:solidFill>
+                      <a:prstDash val="solid"/>
+                      <a:round/>
+                      <a:headEnd type="none" w="med" len="med"/>
+                      <a:tailEnd type="none" w="med" len="med"/>
+                    </a:lnT>
+                    <a:lnB w="19050" cap="flat" cmpd="sng" algn="ctr">
+                      <a:solidFill>
+                        <a:schemeClr val="tx1"/>
+                      </a:solidFill>
+                      <a:prstDash val="solid"/>
+                      <a:round/>
+                      <a:headEnd type="none" w="med" len="med"/>
+                      <a:tailEnd type="none" w="med" len="med"/>
+                    </a:lnB>
+                  </a:tcPr>
+                </a:tc>
+                <a:tc>
+                  <a:txBody>
+                    <a:bodyPr/>
+                    <a:lstStyle/>
+                    <a:p>
+                      <a:pPr latinLnBrk="1"/>
+                      <a:r>
+                        <a:rPr lang="en-US" altLang="ko-KR" sz="1400"/>
+                        <a:t>0.0.0.0</a:t>
+                      </a:r>
+                      <a:endParaRPr lang="ko-KR" altLang="en-US" sz="1400" dirty="0"/>
+                    </a:p>
+                  </a:txBody>
+                  <a:tcPr anchor="ctr">
+                    <a:lnL w="19050" cap="flat" cmpd="sng" algn="ctr">
+                      <a:solidFill>
+                        <a:schemeClr val="tx1"/>
+                      </a:solidFill>
+                      <a:prstDash val="solid"/>
+                      <a:round/>
+                      <a:headEnd type="none" w="med" len="med"/>
+                      <a:tailEnd type="none" w="med" len="med"/>
+                    </a:lnL>
+                    <a:lnR w="19050" cap="flat" cmpd="sng" algn="ctr">
+                      <a:solidFill>
+                        <a:schemeClr val="tx1"/>
+                      </a:solidFill>
+                      <a:prstDash val="solid"/>
+                      <a:round/>
+                      <a:headEnd type="none" w="med" len="med"/>
+                      <a:tailEnd type="none" w="med" len="med"/>
+                    </a:lnR>
+                    <a:lnT w="19050" cap="flat" cmpd="sng" algn="ctr">
+                      <a:solidFill>
+                        <a:schemeClr val="tx1"/>
+                      </a:solidFill>
+                      <a:prstDash val="solid"/>
+                      <a:round/>
+                      <a:headEnd type="none" w="med" len="med"/>
+                      <a:tailEnd type="none" w="med" len="med"/>
+                    </a:lnT>
+                    <a:lnB w="19050" cap="flat" cmpd="sng" algn="ctr">
+                      <a:solidFill>
+                        <a:schemeClr val="tx1"/>
+                      </a:solidFill>
+                      <a:prstDash val="solid"/>
+                      <a:round/>
+                      <a:headEnd type="none" w="med" len="med"/>
+                      <a:tailEnd type="none" w="med" len="med"/>
+                    </a:lnB>
+                  </a:tcPr>
+                </a:tc>
+                <a:tc>
+                  <a:txBody>
+                    <a:bodyPr/>
+                    <a:lstStyle/>
+                    <a:p>
+                      <a:pPr latinLnBrk="1"/>
+                      <a:r>
+                        <a:rPr lang="en-US" altLang="ko-KR" sz="1400"/>
+                        <a:t>caliyyy</a:t>
+                      </a:r>
+                      <a:endParaRPr lang="ko-KR" altLang="en-US" sz="1400" dirty="0"/>
+                    </a:p>
+                  </a:txBody>
+                  <a:tcPr anchor="ctr">
+                    <a:lnL w="19050" cap="flat" cmpd="sng" algn="ctr">
+                      <a:solidFill>
+                        <a:schemeClr val="tx1"/>
+                      </a:solidFill>
+                      <a:prstDash val="solid"/>
+                      <a:round/>
+                      <a:headEnd type="none" w="med" len="med"/>
+                      <a:tailEnd type="none" w="med" len="med"/>
+                    </a:lnL>
+                    <a:lnR w="19050" cap="flat" cmpd="sng" algn="ctr">
+                      <a:solidFill>
+                        <a:schemeClr val="tx1"/>
+                      </a:solidFill>
+                      <a:prstDash val="solid"/>
+                      <a:round/>
+                      <a:headEnd type="none" w="med" len="med"/>
+                      <a:tailEnd type="none" w="med" len="med"/>
+                    </a:lnR>
+                    <a:lnT w="19050" cap="flat" cmpd="sng" algn="ctr">
+                      <a:solidFill>
+                        <a:schemeClr val="tx1"/>
+                      </a:solidFill>
+                      <a:prstDash val="solid"/>
+                      <a:round/>
+                      <a:headEnd type="none" w="med" len="med"/>
+                      <a:tailEnd type="none" w="med" len="med"/>
+                    </a:lnT>
+                    <a:lnB w="19050" cap="flat" cmpd="sng" algn="ctr">
+                      <a:solidFill>
+                        <a:schemeClr val="tx1"/>
+                      </a:solidFill>
+                      <a:prstDash val="solid"/>
+                      <a:round/>
+                      <a:headEnd type="none" w="med" len="med"/>
+                      <a:tailEnd type="none" w="med" len="med"/>
+                    </a:lnB>
+                  </a:tcPr>
+                </a:tc>
+                <a:extLst>
+                  <a:ext uri="{0D108BD9-81ED-4DB2-BD59-A6C34878D82A}">
+                    <a16:rowId xmlns:a16="http://schemas.microsoft.com/office/drawing/2014/main" val="3431560586"/>
+                  </a:ext>
+                </a:extLst>
+              </a:tr>
+            </a:tbl>
+          </a:graphicData>
+        </a:graphic>
+      </p:graphicFrame>
+      <p:sp>
+        <p:nvSpPr>
+          <p:cNvPr id="17" name="모서리가 둥근 직사각형 44">
+            <a:extLst>
+              <a:ext uri="{FF2B5EF4-FFF2-40B4-BE49-F238E27FC236}">
+                <a16:creationId xmlns:a16="http://schemas.microsoft.com/office/drawing/2014/main" id="{2DBA49E2-5203-48AC-9D0B-4B3C58EE231E}"/>
+              </a:ext>
+            </a:extLst>
+          </p:cNvPr>
+          <p:cNvSpPr/>
+          <p:nvPr/>
+        </p:nvSpPr>
+        <p:spPr>
+          <a:xfrm>
+            <a:off x="5364088" y="1275607"/>
+            <a:ext cx="1296144" cy="360040"/>
+          </a:xfrm>
+          <a:prstGeom prst="roundRect">
+            <a:avLst>
+              <a:gd name="adj" fmla="val 6195"/>
+            </a:avLst>
+          </a:prstGeom>
+          <a:ln/>
+        </p:spPr>
+        <p:style>
+          <a:lnRef idx="2">
+            <a:schemeClr val="dk1"/>
+          </a:lnRef>
+          <a:fillRef idx="1">
+            <a:schemeClr val="lt1"/>
+          </a:fillRef>
+          <a:effectRef idx="0">
+            <a:schemeClr val="dk1"/>
+          </a:effectRef>
+          <a:fontRef idx="minor">
+            <a:schemeClr val="dk1"/>
+          </a:fontRef>
+        </p:style>
+        <p:txBody>
+          <a:bodyPr rtlCol="0" anchor="ctr"/>
+          <a:lstStyle/>
+          <a:p>
+            <a:pPr algn="ctr"/>
+            <a:r>
+              <a:rPr lang="en-US" altLang="ko-KR" sz="1400" dirty="0" err="1"/>
+              <a:t>eth0</a:t>
+            </a:r>
+            <a:endParaRPr lang="ko-KR" altLang="en-US" sz="1400" dirty="0"/>
+          </a:p>
+        </p:txBody>
+      </p:sp>
+      <p:sp>
+        <p:nvSpPr>
+          <p:cNvPr id="18" name="모서리가 둥근 직사각형 44">
+            <a:extLst>
+              <a:ext uri="{FF2B5EF4-FFF2-40B4-BE49-F238E27FC236}">
+                <a16:creationId xmlns:a16="http://schemas.microsoft.com/office/drawing/2014/main" id="{2DBA49E2-5203-48AC-9D0B-4B3C58EE231E}"/>
+              </a:ext>
+            </a:extLst>
+          </p:cNvPr>
+          <p:cNvSpPr/>
+          <p:nvPr/>
+        </p:nvSpPr>
+        <p:spPr>
+          <a:xfrm>
+            <a:off x="5364088" y="1779663"/>
+            <a:ext cx="1296144" cy="360040"/>
+          </a:xfrm>
+          <a:prstGeom prst="roundRect">
+            <a:avLst>
+              <a:gd name="adj" fmla="val 6195"/>
+            </a:avLst>
+          </a:prstGeom>
+          <a:ln/>
+        </p:spPr>
+        <p:style>
+          <a:lnRef idx="2">
+            <a:schemeClr val="dk1"/>
+          </a:lnRef>
+          <a:fillRef idx="1">
+            <a:schemeClr val="lt1"/>
+          </a:fillRef>
+          <a:effectRef idx="0">
+            <a:schemeClr val="dk1"/>
+          </a:effectRef>
+          <a:fontRef idx="minor">
+            <a:schemeClr val="dk1"/>
+          </a:fontRef>
+        </p:style>
+        <p:txBody>
+          <a:bodyPr rtlCol="0" anchor="ctr"/>
+          <a:lstStyle/>
+          <a:p>
+            <a:pPr algn="ctr"/>
+            <a:r>
+              <a:rPr lang="en-US" altLang="ko-KR" sz="1400" dirty="0" err="1"/>
+              <a:t>caliyyy</a:t>
+            </a:r>
+            <a:endParaRPr lang="ko-KR" altLang="en-US" sz="1400" dirty="0"/>
+          </a:p>
+        </p:txBody>
+      </p:sp>
+      <p:cxnSp>
+        <p:nvCxnSpPr>
+          <p:cNvPr id="19" name="직선 연결선 18"/>
+          <p:cNvCxnSpPr>
+            <a:stCxn id="17" idx="2"/>
+            <a:endCxn id="18" idx="0"/>
+          </p:cNvCxnSpPr>
+          <p:nvPr/>
+        </p:nvCxnSpPr>
+        <p:spPr>
+          <a:xfrm>
+            <a:off x="6012160" y="1635647"/>
+            <a:ext cx="0" cy="144016"/>
+          </a:xfrm>
+          <a:prstGeom prst="line">
+            <a:avLst/>
+          </a:prstGeom>
+          <a:ln w="19050">
+            <a:solidFill>
+              <a:schemeClr val="tx1"/>
+            </a:solidFill>
+          </a:ln>
+        </p:spPr>
+        <p:style>
+          <a:lnRef idx="1">
+            <a:schemeClr val="accent1"/>
+          </a:lnRef>
+          <a:fillRef idx="0">
+            <a:schemeClr val="accent1"/>
+          </a:fillRef>
+          <a:effectRef idx="0">
+            <a:schemeClr val="accent1"/>
+          </a:effectRef>
+          <a:fontRef idx="minor">
+            <a:schemeClr val="tx1"/>
+          </a:fontRef>
+        </p:style>
+      </p:cxnSp>
+      <p:sp>
+        <p:nvSpPr>
+          <p:cNvPr id="20" name="모서리가 둥근 직사각형 44">
+            <a:extLst>
+              <a:ext uri="{FF2B5EF4-FFF2-40B4-BE49-F238E27FC236}">
+                <a16:creationId xmlns:a16="http://schemas.microsoft.com/office/drawing/2014/main" id="{2DBA49E2-5203-48AC-9D0B-4B3C58EE231E}"/>
+              </a:ext>
+            </a:extLst>
+          </p:cNvPr>
+          <p:cNvSpPr/>
+          <p:nvPr/>
+        </p:nvSpPr>
+        <p:spPr>
+          <a:xfrm>
+            <a:off x="6444208" y="1306087"/>
+            <a:ext cx="1676975" cy="288032"/>
+          </a:xfrm>
+          <a:prstGeom prst="roundRect">
+            <a:avLst>
+              <a:gd name="adj" fmla="val 6195"/>
+            </a:avLst>
+          </a:prstGeom>
+          <a:noFill/>
+          <a:ln>
+            <a:noFill/>
+          </a:ln>
+        </p:spPr>
+        <p:style>
+          <a:lnRef idx="2">
+            <a:schemeClr val="dk1"/>
+          </a:lnRef>
+          <a:fillRef idx="1">
+            <a:schemeClr val="lt1"/>
+          </a:fillRef>
+          <a:effectRef idx="0">
+            <a:schemeClr val="dk1"/>
+          </a:effectRef>
+          <a:fontRef idx="minor">
+            <a:schemeClr val="dk1"/>
+          </a:fontRef>
+        </p:style>
+        <p:txBody>
+          <a:bodyPr rtlCol="0" anchor="ctr"/>
+          <a:lstStyle/>
+          <a:p>
+            <a:pPr algn="ctr"/>
+            <a:r>
+              <a:rPr lang="en-US" altLang="ko-KR" sz="1400"/>
+              <a:t>192.168.3.10</a:t>
+            </a:r>
+            <a:endParaRPr lang="ko-KR" altLang="en-US" sz="1400" dirty="0"/>
+          </a:p>
+        </p:txBody>
+      </p:sp>
+      <p:sp>
+        <p:nvSpPr>
+          <p:cNvPr id="21" name="모서리가 둥근 직사각형 44">
+            <a:extLst>
+              <a:ext uri="{FF2B5EF4-FFF2-40B4-BE49-F238E27FC236}">
+                <a16:creationId xmlns:a16="http://schemas.microsoft.com/office/drawing/2014/main" id="{2DBA49E2-5203-48AC-9D0B-4B3C58EE231E}"/>
+              </a:ext>
+            </a:extLst>
+          </p:cNvPr>
+          <p:cNvSpPr/>
+          <p:nvPr/>
+        </p:nvSpPr>
+        <p:spPr>
+          <a:xfrm>
+            <a:off x="5004048" y="3948689"/>
+            <a:ext cx="1296144" cy="360040"/>
+          </a:xfrm>
+          <a:prstGeom prst="roundRect">
+            <a:avLst>
+              <a:gd name="adj" fmla="val 6195"/>
+            </a:avLst>
+          </a:prstGeom>
+          <a:ln/>
+        </p:spPr>
+        <p:style>
+          <a:lnRef idx="2">
+            <a:schemeClr val="dk1"/>
+          </a:lnRef>
+          <a:fillRef idx="1">
+            <a:schemeClr val="lt1"/>
+          </a:fillRef>
+          <a:effectRef idx="0">
+            <a:schemeClr val="dk1"/>
+          </a:effectRef>
+          <a:fontRef idx="minor">
+            <a:schemeClr val="dk1"/>
+          </a:fontRef>
+        </p:style>
+        <p:txBody>
+          <a:bodyPr rtlCol="0" anchor="ctr"/>
+          <a:lstStyle/>
+          <a:p>
+            <a:pPr algn="ctr"/>
+            <a:r>
+              <a:rPr lang="en-US" altLang="ko-KR" sz="1400" dirty="0" err="1"/>
+              <a:t>eth0</a:t>
+            </a:r>
+            <a:endParaRPr lang="ko-KR" altLang="en-US" sz="1400" dirty="0"/>
+          </a:p>
+        </p:txBody>
+      </p:sp>
+      <p:cxnSp>
+        <p:nvCxnSpPr>
+          <p:cNvPr id="23" name="직선 연결선 22"/>
+          <p:cNvCxnSpPr>
+            <a:stCxn id="21" idx="1"/>
+            <a:endCxn id="13" idx="3"/>
+          </p:cNvCxnSpPr>
+          <p:nvPr/>
+        </p:nvCxnSpPr>
+        <p:spPr>
+          <a:xfrm flipH="1">
+            <a:off x="4139952" y="4128709"/>
+            <a:ext cx="864096" cy="0"/>
+          </a:xfrm>
+          <a:prstGeom prst="line">
+            <a:avLst/>
+          </a:prstGeom>
+          <a:ln w="19050">
+            <a:solidFill>
+              <a:schemeClr val="tx1"/>
+            </a:solidFill>
+            <a:prstDash val="solid"/>
+          </a:ln>
+        </p:spPr>
+        <p:style>
+          <a:lnRef idx="1">
+            <a:schemeClr val="accent1"/>
+          </a:lnRef>
+          <a:fillRef idx="0">
+            <a:schemeClr val="accent1"/>
+          </a:fillRef>
+          <a:effectRef idx="0">
+            <a:schemeClr val="accent1"/>
+          </a:effectRef>
+          <a:fontRef idx="minor">
+            <a:schemeClr val="tx1"/>
+          </a:fontRef>
+        </p:style>
+      </p:cxnSp>
+      <p:sp>
+        <p:nvSpPr>
+          <p:cNvPr id="27" name="모서리가 둥근 직사각형 44">
+            <a:extLst>
+              <a:ext uri="{FF2B5EF4-FFF2-40B4-BE49-F238E27FC236}">
+                <a16:creationId xmlns:a16="http://schemas.microsoft.com/office/drawing/2014/main" id="{2DBA49E2-5203-48AC-9D0B-4B3C58EE231E}"/>
+              </a:ext>
+            </a:extLst>
+          </p:cNvPr>
+          <p:cNvSpPr/>
+          <p:nvPr/>
+        </p:nvSpPr>
+        <p:spPr>
+          <a:xfrm>
+            <a:off x="2653392" y="4299943"/>
+            <a:ext cx="1676975" cy="288032"/>
+          </a:xfrm>
+          <a:prstGeom prst="roundRect">
+            <a:avLst>
+              <a:gd name="adj" fmla="val 6195"/>
+            </a:avLst>
+          </a:prstGeom>
+          <a:noFill/>
+          <a:ln>
+            <a:noFill/>
+          </a:ln>
+        </p:spPr>
+        <p:style>
+          <a:lnRef idx="2">
+            <a:schemeClr val="dk1"/>
+          </a:lnRef>
+          <a:fillRef idx="1">
+            <a:schemeClr val="lt1"/>
+          </a:fillRef>
+          <a:effectRef idx="0">
+            <a:schemeClr val="dk1"/>
+          </a:effectRef>
+          <a:fontRef idx="minor">
+            <a:schemeClr val="dk1"/>
+          </a:fontRef>
+        </p:style>
+        <p:txBody>
+          <a:bodyPr rtlCol="0" anchor="ctr"/>
+          <a:lstStyle/>
+          <a:p>
+            <a:pPr algn="ctr"/>
+            <a:r>
+              <a:rPr lang="en-US" altLang="ko-KR" sz="1400" dirty="0"/>
+              <a:t>10.0.0.20</a:t>
+            </a:r>
+            <a:endParaRPr lang="ko-KR" altLang="en-US" sz="1400" dirty="0"/>
+          </a:p>
+        </p:txBody>
+      </p:sp>
+      <p:sp>
+        <p:nvSpPr>
+          <p:cNvPr id="30" name="모서리가 둥근 직사각형 44">
+            <a:extLst>
+              <a:ext uri="{FF2B5EF4-FFF2-40B4-BE49-F238E27FC236}">
+                <a16:creationId xmlns:a16="http://schemas.microsoft.com/office/drawing/2014/main" id="{2DBA49E2-5203-48AC-9D0B-4B3C58EE231E}"/>
+              </a:ext>
+            </a:extLst>
+          </p:cNvPr>
+          <p:cNvSpPr/>
+          <p:nvPr/>
+        </p:nvSpPr>
+        <p:spPr>
+          <a:xfrm>
+            <a:off x="4813632" y="4299943"/>
+            <a:ext cx="1676975" cy="288032"/>
+          </a:xfrm>
+          <a:prstGeom prst="roundRect">
+            <a:avLst>
+              <a:gd name="adj" fmla="val 6195"/>
+            </a:avLst>
+          </a:prstGeom>
+          <a:noFill/>
+          <a:ln>
+            <a:noFill/>
+          </a:ln>
+        </p:spPr>
+        <p:style>
+          <a:lnRef idx="2">
+            <a:schemeClr val="dk1"/>
+          </a:lnRef>
+          <a:fillRef idx="1">
+            <a:schemeClr val="lt1"/>
+          </a:fillRef>
+          <a:effectRef idx="0">
+            <a:schemeClr val="dk1"/>
+          </a:effectRef>
+          <a:fontRef idx="minor">
+            <a:schemeClr val="dk1"/>
+          </a:fontRef>
+        </p:style>
+        <p:txBody>
+          <a:bodyPr rtlCol="0" anchor="ctr"/>
+          <a:lstStyle/>
+          <a:p>
+            <a:pPr algn="ctr"/>
+            <a:r>
+              <a:rPr lang="en-US" altLang="ko-KR" sz="1400" dirty="0"/>
+              <a:t>10.0.0.30</a:t>
+            </a:r>
+            <a:endParaRPr lang="ko-KR" altLang="en-US" sz="1400" dirty="0"/>
+          </a:p>
+        </p:txBody>
+      </p:sp>
+      <p:sp>
+        <p:nvSpPr>
+          <p:cNvPr id="31" name="모서리가 둥근 직사각형 44">
+            <a:extLst>
+              <a:ext uri="{FF2B5EF4-FFF2-40B4-BE49-F238E27FC236}">
+                <a16:creationId xmlns:a16="http://schemas.microsoft.com/office/drawing/2014/main" id="{2DBA49E2-5203-48AC-9D0B-4B3C58EE231E}"/>
+              </a:ext>
+            </a:extLst>
+          </p:cNvPr>
+          <p:cNvSpPr/>
+          <p:nvPr/>
+        </p:nvSpPr>
+        <p:spPr>
+          <a:xfrm>
+            <a:off x="733582" y="4659983"/>
+            <a:ext cx="3356356" cy="432048"/>
+          </a:xfrm>
+          <a:prstGeom prst="roundRect">
+            <a:avLst>
+              <a:gd name="adj" fmla="val 6195"/>
+            </a:avLst>
+          </a:prstGeom>
+          <a:noFill/>
+          <a:ln>
+            <a:noFill/>
+          </a:ln>
+        </p:spPr>
+        <p:style>
+          <a:lnRef idx="2">
+            <a:schemeClr val="dk1"/>
+          </a:lnRef>
+          <a:fillRef idx="1">
+            <a:schemeClr val="lt1"/>
+          </a:fillRef>
+          <a:effectRef idx="0">
+            <a:schemeClr val="dk1"/>
+          </a:effectRef>
+          <a:fontRef idx="minor">
+            <a:schemeClr val="dk1"/>
+          </a:fontRef>
+        </p:style>
+        <p:txBody>
+          <a:bodyPr rtlCol="0" anchor="ctr"/>
+          <a:lstStyle/>
+          <a:p>
+            <a:pPr marL="285750" indent="-285750">
+              <a:buFont typeface="Arial" pitchFamily="34" charset="0"/>
+              <a:buChar char="•"/>
+            </a:pPr>
+            <a:r>
+              <a:rPr lang="en-US" altLang="ko-KR" sz="1400"/>
+              <a:t>Host </a:t>
+            </a:r>
+            <a:r>
+              <a:rPr lang="en-US" altLang="ko-KR" sz="1400" dirty="0"/>
+              <a:t>Network : 10.0.0.0/24</a:t>
+            </a:r>
+          </a:p>
+          <a:p>
+            <a:pPr marL="285750" indent="-285750">
+              <a:buFont typeface="Arial" pitchFamily="34" charset="0"/>
+              <a:buChar char="•"/>
+            </a:pPr>
+            <a:r>
+              <a:rPr lang="en-US" altLang="ko-KR" sz="1400" dirty="0"/>
+              <a:t>Container Network 192.168.0.0/24</a:t>
+            </a:r>
+            <a:endParaRPr lang="ko-KR" altLang="en-US" sz="1400" dirty="0"/>
+          </a:p>
+        </p:txBody>
+      </p:sp>
+      <p:sp>
+        <p:nvSpPr>
+          <p:cNvPr id="24" name="모서리가 둥근 직사각형 44">
+            <a:extLst>
+              <a:ext uri="{FF2B5EF4-FFF2-40B4-BE49-F238E27FC236}">
+                <a16:creationId xmlns:a16="http://schemas.microsoft.com/office/drawing/2014/main" id="{9B4218E2-A225-481E-8507-7EF5A1CBCB42}"/>
+              </a:ext>
+            </a:extLst>
+          </p:cNvPr>
+          <p:cNvSpPr/>
+          <p:nvPr/>
+        </p:nvSpPr>
+        <p:spPr>
+          <a:xfrm>
+            <a:off x="1043608" y="3507855"/>
+            <a:ext cx="1428300" cy="360040"/>
+          </a:xfrm>
+          <a:prstGeom prst="roundRect">
+            <a:avLst>
+              <a:gd name="adj" fmla="val 6195"/>
+            </a:avLst>
+          </a:prstGeom>
+          <a:ln/>
+        </p:spPr>
+        <p:style>
+          <a:lnRef idx="2">
+            <a:schemeClr val="dk1"/>
+          </a:lnRef>
+          <a:fillRef idx="1">
+            <a:schemeClr val="lt1"/>
+          </a:fillRef>
+          <a:effectRef idx="0">
+            <a:schemeClr val="dk1"/>
+          </a:effectRef>
+          <a:fontRef idx="minor">
+            <a:schemeClr val="dk1"/>
+          </a:fontRef>
+        </p:style>
+        <p:txBody>
+          <a:bodyPr rtlCol="0" anchor="ctr"/>
+          <a:lstStyle/>
+          <a:p>
+            <a:pPr algn="ctr"/>
+            <a:r>
+              <a:rPr lang="en-US" altLang="ko-KR" sz="1400"/>
+              <a:t>tunl0</a:t>
+            </a:r>
+            <a:endParaRPr lang="ko-KR" altLang="en-US" sz="1400" dirty="0"/>
+          </a:p>
+        </p:txBody>
+      </p:sp>
+      <p:sp>
+        <p:nvSpPr>
+          <p:cNvPr id="25" name="모서리가 둥근 직사각형 44">
+            <a:extLst>
+              <a:ext uri="{FF2B5EF4-FFF2-40B4-BE49-F238E27FC236}">
+                <a16:creationId xmlns:a16="http://schemas.microsoft.com/office/drawing/2014/main" id="{67FBA169-6C87-4774-AF1E-4B581018FB6C}"/>
+              </a:ext>
+            </a:extLst>
+          </p:cNvPr>
+          <p:cNvSpPr/>
+          <p:nvPr/>
+        </p:nvSpPr>
+        <p:spPr>
+          <a:xfrm>
+            <a:off x="6672092" y="3507855"/>
+            <a:ext cx="1428300" cy="360040"/>
+          </a:xfrm>
+          <a:prstGeom prst="roundRect">
+            <a:avLst>
+              <a:gd name="adj" fmla="val 6195"/>
+            </a:avLst>
+          </a:prstGeom>
+          <a:ln/>
+        </p:spPr>
+        <p:style>
+          <a:lnRef idx="2">
+            <a:schemeClr val="dk1"/>
+          </a:lnRef>
+          <a:fillRef idx="1">
+            <a:schemeClr val="lt1"/>
+          </a:fillRef>
+          <a:effectRef idx="0">
+            <a:schemeClr val="dk1"/>
+          </a:effectRef>
+          <a:fontRef idx="minor">
+            <a:schemeClr val="dk1"/>
+          </a:fontRef>
+        </p:style>
+        <p:txBody>
+          <a:bodyPr rtlCol="0" anchor="ctr"/>
+          <a:lstStyle/>
+          <a:p>
+            <a:pPr algn="ctr"/>
+            <a:r>
+              <a:rPr lang="en-US" altLang="ko-KR" sz="1400"/>
+              <a:t>tunl0</a:t>
+            </a:r>
+            <a:endParaRPr lang="ko-KR" altLang="en-US" sz="1400" dirty="0"/>
+          </a:p>
+        </p:txBody>
+      </p:sp>
+      <p:cxnSp>
+        <p:nvCxnSpPr>
+          <p:cNvPr id="26" name="직선 연결선 25">
+            <a:extLst>
+              <a:ext uri="{FF2B5EF4-FFF2-40B4-BE49-F238E27FC236}">
+                <a16:creationId xmlns:a16="http://schemas.microsoft.com/office/drawing/2014/main" id="{B7AED245-81A0-4C82-B0B6-01DD482E1A62}"/>
+              </a:ext>
+            </a:extLst>
+          </p:cNvPr>
+          <p:cNvCxnSpPr>
+            <a:cxnSpLocks/>
+            <a:stCxn id="25" idx="2"/>
+            <a:endCxn id="21" idx="3"/>
+          </p:cNvCxnSpPr>
+          <p:nvPr/>
+        </p:nvCxnSpPr>
+        <p:spPr>
+          <a:xfrm flipH="1">
+            <a:off x="6300192" y="3867895"/>
+            <a:ext cx="1086050" cy="260814"/>
+          </a:xfrm>
+          <a:prstGeom prst="line">
+            <a:avLst/>
+          </a:prstGeom>
+          <a:ln w="19050">
+            <a:solidFill>
+              <a:schemeClr val="tx1"/>
+            </a:solidFill>
+          </a:ln>
+        </p:spPr>
+        <p:style>
+          <a:lnRef idx="1">
+            <a:schemeClr val="accent1"/>
+          </a:lnRef>
+          <a:fillRef idx="0">
+            <a:schemeClr val="accent1"/>
+          </a:fillRef>
+          <a:effectRef idx="0">
+            <a:schemeClr val="accent1"/>
+          </a:effectRef>
+          <a:fontRef idx="minor">
+            <a:schemeClr val="tx1"/>
+          </a:fontRef>
+        </p:style>
+      </p:cxnSp>
+      <p:cxnSp>
+        <p:nvCxnSpPr>
+          <p:cNvPr id="28" name="직선 연결선 27">
+            <a:extLst>
+              <a:ext uri="{FF2B5EF4-FFF2-40B4-BE49-F238E27FC236}">
+                <a16:creationId xmlns:a16="http://schemas.microsoft.com/office/drawing/2014/main" id="{3C0857F0-86B6-4F75-9994-45B428A3D122}"/>
+              </a:ext>
+            </a:extLst>
+          </p:cNvPr>
+          <p:cNvCxnSpPr>
+            <a:cxnSpLocks/>
+            <a:stCxn id="24" idx="2"/>
+            <a:endCxn id="13" idx="1"/>
+          </p:cNvCxnSpPr>
+          <p:nvPr/>
+        </p:nvCxnSpPr>
+        <p:spPr>
+          <a:xfrm>
+            <a:off x="1757758" y="3867895"/>
+            <a:ext cx="1086050" cy="260814"/>
+          </a:xfrm>
+          <a:prstGeom prst="line">
+            <a:avLst/>
+          </a:prstGeom>
+          <a:ln w="19050">
+            <a:solidFill>
+              <a:schemeClr val="tx1"/>
+            </a:solidFill>
+          </a:ln>
+        </p:spPr>
+        <p:style>
+          <a:lnRef idx="1">
+            <a:schemeClr val="accent1"/>
+          </a:lnRef>
+          <a:fillRef idx="0">
+            <a:schemeClr val="accent1"/>
+          </a:fillRef>
+          <a:effectRef idx="0">
+            <a:schemeClr val="accent1"/>
+          </a:effectRef>
+          <a:fontRef idx="minor">
+            <a:schemeClr val="tx1"/>
+          </a:fontRef>
+        </p:style>
+      </p:cxnSp>
+      <p:sp>
+        <p:nvSpPr>
+          <p:cNvPr id="32" name="모서리가 둥근 직사각형 44">
+            <a:extLst>
+              <a:ext uri="{FF2B5EF4-FFF2-40B4-BE49-F238E27FC236}">
+                <a16:creationId xmlns:a16="http://schemas.microsoft.com/office/drawing/2014/main" id="{499BAD8E-D61B-46DC-8873-2F04EE15EA45}"/>
+              </a:ext>
+            </a:extLst>
+          </p:cNvPr>
+          <p:cNvSpPr/>
+          <p:nvPr/>
+        </p:nvSpPr>
+        <p:spPr>
+          <a:xfrm>
+            <a:off x="5292080" y="3543860"/>
+            <a:ext cx="1676975" cy="288032"/>
+          </a:xfrm>
+          <a:prstGeom prst="roundRect">
+            <a:avLst>
+              <a:gd name="adj" fmla="val 6195"/>
+            </a:avLst>
+          </a:prstGeom>
+          <a:noFill/>
+          <a:ln>
+            <a:noFill/>
+          </a:ln>
+        </p:spPr>
+        <p:style>
+          <a:lnRef idx="2">
+            <a:schemeClr val="dk1"/>
+          </a:lnRef>
+          <a:fillRef idx="1">
+            <a:schemeClr val="lt1"/>
+          </a:fillRef>
+          <a:effectRef idx="0">
+            <a:schemeClr val="dk1"/>
+          </a:effectRef>
+          <a:fontRef idx="minor">
+            <a:schemeClr val="dk1"/>
+          </a:fontRef>
+        </p:style>
+        <p:txBody>
+          <a:bodyPr rtlCol="0" anchor="ctr"/>
+          <a:lstStyle/>
+          <a:p>
+            <a:pPr algn="ctr"/>
+            <a:r>
+              <a:rPr lang="en-US" altLang="ko-KR" sz="1400"/>
+              <a:t>192.168.3.1</a:t>
+            </a:r>
+            <a:endParaRPr lang="ko-KR" altLang="en-US" sz="1400" dirty="0"/>
+          </a:p>
+        </p:txBody>
+      </p:sp>
+      <p:sp>
+        <p:nvSpPr>
+          <p:cNvPr id="33" name="모서리가 둥근 직사각형 44">
+            <a:extLst>
+              <a:ext uri="{FF2B5EF4-FFF2-40B4-BE49-F238E27FC236}">
+                <a16:creationId xmlns:a16="http://schemas.microsoft.com/office/drawing/2014/main" id="{FDFF6683-3E9E-4991-A3CE-E3FE27351BFA}"/>
+              </a:ext>
+            </a:extLst>
+          </p:cNvPr>
+          <p:cNvSpPr/>
+          <p:nvPr/>
+        </p:nvSpPr>
+        <p:spPr>
+          <a:xfrm>
+            <a:off x="2174945" y="3543860"/>
+            <a:ext cx="1676975" cy="288032"/>
+          </a:xfrm>
+          <a:prstGeom prst="roundRect">
+            <a:avLst>
+              <a:gd name="adj" fmla="val 6195"/>
+            </a:avLst>
+          </a:prstGeom>
+          <a:noFill/>
+          <a:ln>
+            <a:noFill/>
+          </a:ln>
+        </p:spPr>
+        <p:style>
+          <a:lnRef idx="2">
+            <a:schemeClr val="dk1"/>
+          </a:lnRef>
+          <a:fillRef idx="1">
+            <a:schemeClr val="lt1"/>
+          </a:fillRef>
+          <a:effectRef idx="0">
+            <a:schemeClr val="dk1"/>
+          </a:effectRef>
+          <a:fontRef idx="minor">
+            <a:schemeClr val="dk1"/>
+          </a:fontRef>
+        </p:style>
+        <p:txBody>
+          <a:bodyPr rtlCol="0" anchor="ctr"/>
+          <a:lstStyle/>
+          <a:p>
+            <a:pPr algn="ctr"/>
+            <a:r>
+              <a:rPr lang="en-US" altLang="ko-KR" sz="1400"/>
+              <a:t>192.168.2.1</a:t>
+            </a:r>
+            <a:endParaRPr lang="ko-KR" altLang="en-US" sz="1400" dirty="0"/>
+          </a:p>
+        </p:txBody>
+      </p:sp>
+    </p:spTree>
+    <p:extLst>
+      <p:ext uri="{BB962C8B-B14F-4D97-AF65-F5344CB8AC3E}">
+        <p14:creationId xmlns:p14="http://schemas.microsoft.com/office/powerpoint/2010/main" val="4049776054"/>
+      </p:ext>
+    </p:extLst>
+  </p:cSld>
+  <p:clrMapOvr>
+    <a:masterClrMapping/>
+  </p:clrMapOvr>
+</p:sld>
+</file>
+
+<file path=ppt/slides/slide3.xml><?xml version="1.0" encoding="utf-8"?>
+<p:sld xmlns:a="http://schemas.openxmlformats.org/drawingml/2006/main" xmlns:r="http://schemas.openxmlformats.org/officeDocument/2006/relationships" xmlns:p="http://schemas.openxmlformats.org/presentationml/2006/main">
+  <p:cSld>
+    <p:spTree>
+      <p:nvGrpSpPr>
+        <p:cNvPr id="1" name=""/>
+        <p:cNvGrpSpPr/>
+        <p:nvPr/>
+      </p:nvGrpSpPr>
+      <p:grpSpPr>
+        <a:xfrm>
+          <a:off x="0" y="0"/>
+          <a:ext cx="0" cy="0"/>
+          <a:chOff x="0" y="0"/>
+          <a:chExt cx="0" cy="0"/>
+        </a:xfrm>
+      </p:grpSpPr>
+      <p:pic>
+        <p:nvPicPr>
+          <p:cNvPr id="3" name="그림 2">
+            <a:extLst>
+              <a:ext uri="{FF2B5EF4-FFF2-40B4-BE49-F238E27FC236}">
+                <a16:creationId xmlns:a16="http://schemas.microsoft.com/office/drawing/2014/main" id="{4569D716-3121-487A-AE78-F5A91AFA6604}"/>
+              </a:ext>
+            </a:extLst>
+          </p:cNvPr>
+          <p:cNvPicPr>
+            <a:picLocks noChangeAspect="1"/>
+          </p:cNvPicPr>
+          <p:nvPr/>
+        </p:nvPicPr>
+        <p:blipFill>
+          <a:blip r:embed="rId2"/>
+          <a:stretch>
+            <a:fillRect/>
+          </a:stretch>
+        </p:blipFill>
+        <p:spPr>
+          <a:xfrm>
+            <a:off x="672292" y="0"/>
+            <a:ext cx="7799416" cy="5143500"/>
+          </a:xfrm>
+          <a:prstGeom prst="rect">
+            <a:avLst/>
+          </a:prstGeom>
+        </p:spPr>
+      </p:pic>
+    </p:spTree>
+    <p:extLst>
+      <p:ext uri="{BB962C8B-B14F-4D97-AF65-F5344CB8AC3E}">
+        <p14:creationId xmlns:p14="http://schemas.microsoft.com/office/powerpoint/2010/main" val="2724701420"/>
+      </p:ext>
+    </p:extLst>
+  </p:cSld>
+  <p:clrMapOvr>
+    <a:masterClrMapping/>
+  </p:clrMapOvr>
+</p:sld>
+</file>
+
+<file path=ppt/slides/slide4.xml><?xml version="1.0" encoding="utf-8"?>
+<p:sld xmlns:a="http://schemas.openxmlformats.org/drawingml/2006/main" xmlns:r="http://schemas.openxmlformats.org/officeDocument/2006/relationships" xmlns:p="http://schemas.openxmlformats.org/presentationml/2006/main">
+  <p:cSld>
+    <p:spTree>
+      <p:nvGrpSpPr>
+        <p:cNvPr id="1" name=""/>
+        <p:cNvGrpSpPr/>
+        <p:nvPr/>
+      </p:nvGrpSpPr>
+      <p:grpSpPr>
+        <a:xfrm>
+          <a:off x="0" y="0"/>
+          <a:ext cx="0" cy="0"/>
+          <a:chOff x="0" y="0"/>
+          <a:chExt cx="0" cy="0"/>
+        </a:xfrm>
+      </p:grpSpPr>
+    </p:spTree>
+    <p:extLst>
+      <p:ext uri="{BB962C8B-B14F-4D97-AF65-F5344CB8AC3E}">
+        <p14:creationId xmlns:p14="http://schemas.microsoft.com/office/powerpoint/2010/main" val="1455210381"/>
+      </p:ext>
+    </p:extLst>
+  </p:cSld>
+  <p:clrMapOvr>
+    <a:masterClrMapping/>
+  </p:clrMapOvr>
+</p:sld>
+</file>
+
+<file path=ppt/slides/slide5.xml><?xml version="1.0" encoding="utf-8"?>
+<p:sld xmlns:a="http://schemas.openxmlformats.org/drawingml/2006/main" xmlns:r="http://schemas.openxmlformats.org/officeDocument/2006/relationships" xmlns:p="http://schemas.openxmlformats.org/presentationml/2006/main">
+  <p:cSld>
+    <p:spTree>
+      <p:nvGrpSpPr>
+        <p:cNvPr id="1" name=""/>
+        <p:cNvGrpSpPr/>
+        <p:nvPr/>
+      </p:nvGrpSpPr>
+      <p:grpSpPr>
+        <a:xfrm>
+          <a:off x="0" y="0"/>
+          <a:ext cx="0" cy="0"/>
+          <a:chOff x="0" y="0"/>
+          <a:chExt cx="0" cy="0"/>
+        </a:xfrm>
+      </p:grpSpPr>
+      <p:sp>
+        <p:nvSpPr>
+          <p:cNvPr id="6" name="제목 1"/>
+          <p:cNvSpPr>
+            <a:spLocks noGrp="1"/>
+          </p:cNvSpPr>
+          <p:nvPr>
+            <p:ph type="title"/>
+          </p:nvPr>
+        </p:nvSpPr>
+        <p:spPr>
+          <a:xfrm>
+            <a:off x="457200" y="-20538"/>
+            <a:ext cx="8229600" cy="857250"/>
+          </a:xfrm>
+        </p:spPr>
+        <p:txBody>
+          <a:bodyPr>
+            <a:normAutofit/>
+          </a:bodyPr>
+          <a:lstStyle/>
+          <a:p>
+            <a:r>
+              <a:rPr lang="en-US" altLang="ko-KR" dirty="0"/>
+              <a:t>Calico Network with IP-in-IP</a:t>
+            </a:r>
+            <a:endParaRPr lang="ko-KR" altLang="en-US" dirty="0"/>
+          </a:p>
+        </p:txBody>
+      </p:sp>
+      <p:sp>
+        <p:nvSpPr>
+          <p:cNvPr id="3" name="모서리가 둥근 직사각형 44">
+            <a:extLst>
+              <a:ext uri="{FF2B5EF4-FFF2-40B4-BE49-F238E27FC236}">
+                <a16:creationId xmlns:a16="http://schemas.microsoft.com/office/drawing/2014/main" id="{2DBA49E2-5203-48AC-9D0B-4B3C58EE231E}"/>
+              </a:ext>
+            </a:extLst>
+          </p:cNvPr>
+          <p:cNvSpPr/>
+          <p:nvPr/>
+        </p:nvSpPr>
+        <p:spPr>
+          <a:xfrm>
             <a:off x="683568" y="843558"/>
             <a:ext cx="3456384" cy="3672408"/>
           </a:xfrm>
@@ -4453,13 +7328,7 @@
           <p:cNvGraphicFramePr>
             <a:graphicFrameLocks noGrp="1"/>
           </p:cNvGraphicFramePr>
-          <p:nvPr>
-            <p:extLst>
-              <p:ext uri="{D42A27DB-BD31-4B8C-83A1-F6EECF244321}">
-                <p14:modId xmlns:p14="http://schemas.microsoft.com/office/powerpoint/2010/main" val="1547387844"/>
-              </p:ext>
-            </p:extLst>
-          </p:nvPr>
+          <p:nvPr/>
         </p:nvGraphicFramePr>
         <p:xfrm>
           <a:off x="783596" y="2355726"/>
@@ -5351,13 +8220,7 @@
           <p:cNvGraphicFramePr>
             <a:graphicFrameLocks noGrp="1"/>
           </p:cNvGraphicFramePr>
-          <p:nvPr>
-            <p:extLst>
-              <p:ext uri="{D42A27DB-BD31-4B8C-83A1-F6EECF244321}">
-                <p14:modId xmlns:p14="http://schemas.microsoft.com/office/powerpoint/2010/main" val="1465314685"/>
-              </p:ext>
-            </p:extLst>
-          </p:nvPr>
+          <p:nvPr/>
         </p:nvGraphicFramePr>
         <p:xfrm>
           <a:off x="5104076" y="2355726"/>
@@ -6651,7 +9514,7 @@
     </p:spTree>
     <p:extLst>
       <p:ext uri="{BB962C8B-B14F-4D97-AF65-F5344CB8AC3E}">
-        <p14:creationId xmlns:p14="http://schemas.microsoft.com/office/powerpoint/2010/main" val="4049776054"/>
+        <p14:creationId xmlns:p14="http://schemas.microsoft.com/office/powerpoint/2010/main" val="3598665665"/>
       </p:ext>
     </p:extLst>
   </p:cSld>

--- a/images/theory_analysis/Kubernetes_Calico_Plugin/Kubernetes_Calico_Plugin.pptx
+++ b/images/theory_analysis/Kubernetes_Calico_Plugin/Kubernetes_Calico_Plugin.pptx
@@ -217,7 +217,7 @@
           <a:p>
             <a:fld id="{6CD5550B-26C4-49A9-A5BA-636EF7BE6CE9}" type="datetimeFigureOut">
               <a:rPr lang="ko-KR" altLang="en-US" smtClean="0"/>
-              <a:t>2019-06-04</a:t>
+              <a:t>2019-12-06</a:t>
             </a:fld>
             <a:endParaRPr lang="ko-KR" altLang="en-US"/>
           </a:p>
@@ -915,7 +915,7 @@
           <a:p>
             <a:fld id="{FB30EDBD-1C2D-4C1E-B459-B60219FAB484}" type="datetimeFigureOut">
               <a:rPr lang="ko-KR" altLang="en-US" smtClean="0"/>
-              <a:t>2019-06-04</a:t>
+              <a:t>2019-12-06</a:t>
             </a:fld>
             <a:endParaRPr lang="ko-KR" altLang="en-US"/>
           </a:p>
@@ -1078,7 +1078,7 @@
           <a:p>
             <a:fld id="{FB30EDBD-1C2D-4C1E-B459-B60219FAB484}" type="datetimeFigureOut">
               <a:rPr lang="ko-KR" altLang="en-US" smtClean="0"/>
-              <a:t>2019-06-04</a:t>
+              <a:t>2019-12-06</a:t>
             </a:fld>
             <a:endParaRPr lang="ko-KR" altLang="en-US"/>
           </a:p>
@@ -1251,7 +1251,7 @@
           <a:p>
             <a:fld id="{FB30EDBD-1C2D-4C1E-B459-B60219FAB484}" type="datetimeFigureOut">
               <a:rPr lang="ko-KR" altLang="en-US" smtClean="0"/>
-              <a:t>2019-06-04</a:t>
+              <a:t>2019-12-06</a:t>
             </a:fld>
             <a:endParaRPr lang="ko-KR" altLang="en-US"/>
           </a:p>
@@ -1414,7 +1414,7 @@
           <a:p>
             <a:fld id="{FB30EDBD-1C2D-4C1E-B459-B60219FAB484}" type="datetimeFigureOut">
               <a:rPr lang="ko-KR" altLang="en-US" smtClean="0"/>
-              <a:t>2019-06-04</a:t>
+              <a:t>2019-12-06</a:t>
             </a:fld>
             <a:endParaRPr lang="ko-KR" altLang="en-US"/>
           </a:p>
@@ -1654,7 +1654,7 @@
           <a:p>
             <a:fld id="{FB30EDBD-1C2D-4C1E-B459-B60219FAB484}" type="datetimeFigureOut">
               <a:rPr lang="ko-KR" altLang="en-US" smtClean="0"/>
-              <a:t>2019-06-04</a:t>
+              <a:t>2019-12-06</a:t>
             </a:fld>
             <a:endParaRPr lang="ko-KR" altLang="en-US"/>
           </a:p>
@@ -1934,7 +1934,7 @@
           <a:p>
             <a:fld id="{FB30EDBD-1C2D-4C1E-B459-B60219FAB484}" type="datetimeFigureOut">
               <a:rPr lang="ko-KR" altLang="en-US" smtClean="0"/>
-              <a:t>2019-06-04</a:t>
+              <a:t>2019-12-06</a:t>
             </a:fld>
             <a:endParaRPr lang="ko-KR" altLang="en-US"/>
           </a:p>
@@ -2348,7 +2348,7 @@
           <a:p>
             <a:fld id="{FB30EDBD-1C2D-4C1E-B459-B60219FAB484}" type="datetimeFigureOut">
               <a:rPr lang="ko-KR" altLang="en-US" smtClean="0"/>
-              <a:t>2019-06-04</a:t>
+              <a:t>2019-12-06</a:t>
             </a:fld>
             <a:endParaRPr lang="ko-KR" altLang="en-US"/>
           </a:p>
@@ -2460,7 +2460,7 @@
           <a:p>
             <a:fld id="{FB30EDBD-1C2D-4C1E-B459-B60219FAB484}" type="datetimeFigureOut">
               <a:rPr lang="ko-KR" altLang="en-US" smtClean="0"/>
-              <a:t>2019-06-04</a:t>
+              <a:t>2019-12-06</a:t>
             </a:fld>
             <a:endParaRPr lang="ko-KR" altLang="en-US"/>
           </a:p>
@@ -2550,7 +2550,7 @@
           <a:p>
             <a:fld id="{FB30EDBD-1C2D-4C1E-B459-B60219FAB484}" type="datetimeFigureOut">
               <a:rPr lang="ko-KR" altLang="en-US" smtClean="0"/>
-              <a:t>2019-06-04</a:t>
+              <a:t>2019-12-06</a:t>
             </a:fld>
             <a:endParaRPr lang="ko-KR" altLang="en-US"/>
           </a:p>
@@ -2820,7 +2820,7 @@
           <a:p>
             <a:fld id="{FB30EDBD-1C2D-4C1E-B459-B60219FAB484}" type="datetimeFigureOut">
               <a:rPr lang="ko-KR" altLang="en-US" smtClean="0"/>
-              <a:t>2019-06-04</a:t>
+              <a:t>2019-12-06</a:t>
             </a:fld>
             <a:endParaRPr lang="ko-KR" altLang="en-US"/>
           </a:p>
@@ -3067,7 +3067,7 @@
           <a:p>
             <a:fld id="{FB30EDBD-1C2D-4C1E-B459-B60219FAB484}" type="datetimeFigureOut">
               <a:rPr lang="ko-KR" altLang="en-US" smtClean="0"/>
-              <a:t>2019-06-04</a:t>
+              <a:t>2019-12-06</a:t>
             </a:fld>
             <a:endParaRPr lang="ko-KR" altLang="en-US"/>
           </a:p>
@@ -3273,7 +3273,7 @@
           <a:p>
             <a:fld id="{FB30EDBD-1C2D-4C1E-B459-B60219FAB484}" type="datetimeFigureOut">
               <a:rPr lang="ko-KR" altLang="en-US" smtClean="0"/>
-              <a:t>2019-06-04</a:t>
+              <a:t>2019-12-06</a:t>
             </a:fld>
             <a:endParaRPr lang="ko-KR" altLang="en-US"/>
           </a:p>
@@ -3768,9 +3768,10 @@
           <a:p>
             <a:pPr algn="ctr"/>
             <a:r>
-              <a:rPr lang="en-US" altLang="ko-KR" sz="1400" b="1" dirty="0"/>
-              <a:t>calico-node Container</a:t>
-            </a:r>
+              <a:rPr lang="en-US" altLang="ko-KR" sz="1400" b="1"/>
+              <a:t>calico-node Pod</a:t>
+            </a:r>
+            <a:endParaRPr lang="en-US" altLang="ko-KR" sz="1400" b="1" dirty="0"/>
           </a:p>
           <a:p>
             <a:pPr algn="ctr"/>
@@ -4527,8 +4528,12 @@
           <a:p>
             <a:pPr algn="ctr"/>
             <a:r>
+              <a:rPr lang="en-US" altLang="ko-KR" sz="1600"/>
+              <a:t>Pod </a:t>
+            </a:r>
+            <a:r>
               <a:rPr lang="en-US" altLang="ko-KR" sz="1600" dirty="0"/>
-              <a:t>Container A </a:t>
+              <a:t>A </a:t>
             </a:r>
             <a:endParaRPr lang="ko-KR" altLang="en-US" sz="1600" dirty="0"/>
           </a:p>
@@ -5588,8 +5593,12 @@
           <a:p>
             <a:pPr algn="ctr"/>
             <a:r>
+              <a:rPr lang="en-US" altLang="ko-KR" sz="1600"/>
+              <a:t>Pod </a:t>
+            </a:r>
+            <a:r>
               <a:rPr lang="en-US" altLang="ko-KR" sz="1600" dirty="0"/>
-              <a:t>Container B </a:t>
+              <a:t>B </a:t>
             </a:r>
             <a:endParaRPr lang="ko-KR" altLang="en-US" sz="1600" dirty="0"/>
           </a:p>
@@ -6754,8 +6763,12 @@
               <a:buChar char="•"/>
             </a:pPr>
             <a:r>
+              <a:rPr lang="en-US" altLang="ko-KR" sz="1400"/>
+              <a:t>Pod </a:t>
+            </a:r>
+            <a:r>
               <a:rPr lang="en-US" altLang="ko-KR" sz="1400" dirty="0"/>
-              <a:t>Container Network 192.168.0.0/24</a:t>
+              <a:t>Network 192.168.0.0/24</a:t>
             </a:r>
             <a:endParaRPr lang="ko-KR" altLang="en-US" sz="1400" dirty="0"/>
           </a:p>
@@ -7315,8 +7328,12 @@
           <a:p>
             <a:pPr algn="ctr"/>
             <a:r>
+              <a:rPr lang="en-US" altLang="ko-KR" sz="1600"/>
+              <a:t>Pod </a:t>
+            </a:r>
+            <a:r>
               <a:rPr lang="en-US" altLang="ko-KR" sz="1600" dirty="0"/>
-              <a:t>Container A </a:t>
+              <a:t>A </a:t>
             </a:r>
             <a:endParaRPr lang="ko-KR" altLang="en-US" sz="1600" dirty="0"/>
           </a:p>
@@ -8207,8 +8224,12 @@
           <a:p>
             <a:pPr algn="ctr"/>
             <a:r>
+              <a:rPr lang="en-US" altLang="ko-KR" sz="1600"/>
+              <a:t>Pod </a:t>
+            </a:r>
+            <a:r>
               <a:rPr lang="en-US" altLang="ko-KR" sz="1600" dirty="0"/>
-              <a:t>Container B </a:t>
+              <a:t>B </a:t>
             </a:r>
             <a:endParaRPr lang="ko-KR" altLang="en-US" sz="1600" dirty="0"/>
           </a:p>
